--- a/2012/Java EE Ajax �ج[���Τ��[�c�]�p�Ҧ����Q.pptx
+++ b/2012/Java EE Ajax �ج[���Τ��[�c�]�p�Ҧ����Q.pptx
@@ -21,41 +21,41 @@
     <p:sldId id="507" r:id="rId9"/>
     <p:sldId id="508" r:id="rId10"/>
     <p:sldId id="510" r:id="rId11"/>
-    <p:sldId id="509" r:id="rId12"/>
-    <p:sldId id="511" r:id="rId13"/>
-    <p:sldId id="512" r:id="rId14"/>
-    <p:sldId id="513" r:id="rId15"/>
-    <p:sldId id="514" r:id="rId16"/>
-    <p:sldId id="515" r:id="rId17"/>
-    <p:sldId id="516" r:id="rId18"/>
-    <p:sldId id="517" r:id="rId19"/>
-    <p:sldId id="519" r:id="rId20"/>
-    <p:sldId id="520" r:id="rId21"/>
-    <p:sldId id="521" r:id="rId22"/>
-    <p:sldId id="518" r:id="rId23"/>
-    <p:sldId id="522" r:id="rId24"/>
-    <p:sldId id="529" r:id="rId25"/>
-    <p:sldId id="539" r:id="rId26"/>
-    <p:sldId id="536" r:id="rId27"/>
-    <p:sldId id="545" r:id="rId28"/>
-    <p:sldId id="546" r:id="rId29"/>
-    <p:sldId id="524" r:id="rId30"/>
-    <p:sldId id="527" r:id="rId31"/>
-    <p:sldId id="537" r:id="rId32"/>
-    <p:sldId id="525" r:id="rId33"/>
-    <p:sldId id="528" r:id="rId34"/>
-    <p:sldId id="538" r:id="rId35"/>
-    <p:sldId id="526" r:id="rId36"/>
-    <p:sldId id="535" r:id="rId37"/>
-    <p:sldId id="540" r:id="rId38"/>
-    <p:sldId id="543" r:id="rId39"/>
-    <p:sldId id="532" r:id="rId40"/>
-    <p:sldId id="544" r:id="rId41"/>
-    <p:sldId id="542" r:id="rId42"/>
-    <p:sldId id="547" r:id="rId43"/>
-    <p:sldId id="548" r:id="rId44"/>
-    <p:sldId id="549" r:id="rId45"/>
-    <p:sldId id="550" r:id="rId46"/>
+    <p:sldId id="511" r:id="rId12"/>
+    <p:sldId id="512" r:id="rId13"/>
+    <p:sldId id="513" r:id="rId14"/>
+    <p:sldId id="514" r:id="rId15"/>
+    <p:sldId id="515" r:id="rId16"/>
+    <p:sldId id="516" r:id="rId17"/>
+    <p:sldId id="517" r:id="rId18"/>
+    <p:sldId id="519" r:id="rId19"/>
+    <p:sldId id="520" r:id="rId20"/>
+    <p:sldId id="521" r:id="rId21"/>
+    <p:sldId id="518" r:id="rId22"/>
+    <p:sldId id="522" r:id="rId23"/>
+    <p:sldId id="529" r:id="rId24"/>
+    <p:sldId id="539" r:id="rId25"/>
+    <p:sldId id="536" r:id="rId26"/>
+    <p:sldId id="545" r:id="rId27"/>
+    <p:sldId id="546" r:id="rId28"/>
+    <p:sldId id="524" r:id="rId29"/>
+    <p:sldId id="527" r:id="rId30"/>
+    <p:sldId id="537" r:id="rId31"/>
+    <p:sldId id="525" r:id="rId32"/>
+    <p:sldId id="528" r:id="rId33"/>
+    <p:sldId id="538" r:id="rId34"/>
+    <p:sldId id="526" r:id="rId35"/>
+    <p:sldId id="535" r:id="rId36"/>
+    <p:sldId id="540" r:id="rId37"/>
+    <p:sldId id="543" r:id="rId38"/>
+    <p:sldId id="532" r:id="rId39"/>
+    <p:sldId id="544" r:id="rId40"/>
+    <p:sldId id="542" r:id="rId41"/>
+    <p:sldId id="547" r:id="rId42"/>
+    <p:sldId id="548" r:id="rId43"/>
+    <p:sldId id="549" r:id="rId44"/>
+    <p:sldId id="550" r:id="rId45"/>
+    <p:sldId id="551" r:id="rId46"/>
   </p:sldIdLst>
   <p:sldSz cx="9144000" cy="6858000" type="screen4x3"/>
   <p:notesSz cx="7019925" cy="9305925"/>
@@ -261,7 +261,7 @@
               <a:pPr>
                 <a:defRPr/>
               </a:pPr>
-              <a:t>2012/7/10</a:t>
+              <a:t>2012/7/11</a:t>
             </a:fld>
             <a:endParaRPr lang="en-US" altLang="zh-CN"/>
           </a:p>
@@ -390,7 +390,7 @@
           <a:blip r:embed="rId2" cstate="email">
             <a:extLst>
               <a:ext uri="{28A0092B-C50C-407E-A947-70E740481C1C}">
-                <a14:useLocalDpi xmlns:a14="http://schemas.microsoft.com/office/drawing/2010/main" xmlns=""/>
+                <a14:useLocalDpi xmlns="" xmlns:a14="http://schemas.microsoft.com/office/drawing/2010/main"/>
               </a:ext>
             </a:extLst>
           </a:blip>
@@ -413,14 +413,14 @@
           </a:ln>
           <a:extLst>
             <a:ext uri="{909E8E84-426E-40DD-AFC4-6F175D3DCCD1}">
-              <a14:hiddenFill xmlns:a14="http://schemas.microsoft.com/office/drawing/2010/main" xmlns="">
+              <a14:hiddenFill xmlns="" xmlns:a14="http://schemas.microsoft.com/office/drawing/2010/main">
                 <a:solidFill>
                   <a:srgbClr val="FFFFFF"/>
                 </a:solidFill>
               </a14:hiddenFill>
             </a:ext>
             <a:ext uri="{91240B29-F687-4F45-9708-019B960494DF}">
-              <a14:hiddenLine xmlns:a14="http://schemas.microsoft.com/office/drawing/2010/main" xmlns="" w="9525">
+              <a14:hiddenLine xmlns="" xmlns:a14="http://schemas.microsoft.com/office/drawing/2010/main" w="9525">
                 <a:solidFill>
                   <a:srgbClr val="000000"/>
                 </a:solidFill>
@@ -486,7 +486,7 @@
     </p:spTree>
     <p:extLst>
       <p:ext uri="{BB962C8B-B14F-4D97-AF65-F5344CB8AC3E}">
-        <p14:creationId xmlns:p14="http://schemas.microsoft.com/office/powerpoint/2010/main" xmlns="" val="628502370"/>
+        <p14:creationId xmlns="" xmlns:p14="http://schemas.microsoft.com/office/powerpoint/2010/main" val="628502370"/>
       </p:ext>
     </p:extLst>
   </p:cSld>
@@ -620,7 +620,7 @@
               <a:pPr>
                 <a:defRPr/>
               </a:pPr>
-              <a:t>2012/7/10</a:t>
+              <a:t>2012/7/11</a:t>
             </a:fld>
             <a:endParaRPr lang="en-US" altLang="zh-CN"/>
           </a:p>
@@ -854,7 +854,7 @@
           <a:blip r:embed="rId2">
             <a:extLst>
               <a:ext uri="{28A0092B-C50C-407E-A947-70E740481C1C}">
-                <a14:useLocalDpi xmlns:a14="http://schemas.microsoft.com/office/drawing/2010/main" xmlns="" val="0"/>
+                <a14:useLocalDpi xmlns="" xmlns:a14="http://schemas.microsoft.com/office/drawing/2010/main" val="0"/>
               </a:ext>
             </a:extLst>
           </a:blip>
@@ -877,14 +877,14 @@
           </a:ln>
           <a:extLst>
             <a:ext uri="{909E8E84-426E-40DD-AFC4-6F175D3DCCD1}">
-              <a14:hiddenFill xmlns:a14="http://schemas.microsoft.com/office/drawing/2010/main" xmlns="">
+              <a14:hiddenFill xmlns="" xmlns:a14="http://schemas.microsoft.com/office/drawing/2010/main">
                 <a:solidFill>
                   <a:srgbClr val="FFFFFF"/>
                 </a:solidFill>
               </a14:hiddenFill>
             </a:ext>
             <a:ext uri="{91240B29-F687-4F45-9708-019B960494DF}">
-              <a14:hiddenLine xmlns:a14="http://schemas.microsoft.com/office/drawing/2010/main" xmlns="" w="9525">
+              <a14:hiddenLine xmlns="" xmlns:a14="http://schemas.microsoft.com/office/drawing/2010/main" w="9525">
                 <a:solidFill>
                   <a:srgbClr val="000000"/>
                 </a:solidFill>
@@ -899,7 +899,7 @@
     </p:spTree>
     <p:extLst>
       <p:ext uri="{BB962C8B-B14F-4D97-AF65-F5344CB8AC3E}">
-        <p14:creationId xmlns:p14="http://schemas.microsoft.com/office/powerpoint/2010/main" xmlns="" val="2527175764"/>
+        <p14:creationId xmlns="" xmlns:p14="http://schemas.microsoft.com/office/powerpoint/2010/main" val="2527175764"/>
       </p:ext>
     </p:extLst>
   </p:cSld>
@@ -1222,7 +1222,7 @@
             <a:fld id="{C699CB88-5E1A-4FAC-892A-60949ACB1F6F}" type="datetimeFigureOut">
               <a:rPr lang="en-US" smtClean="0"/>
               <a:pPr/>
-              <a:t>7/10/2012</a:t>
+              <a:t>7/11/2012</a:t>
             </a:fld>
             <a:endParaRPr lang="en-US"/>
           </a:p>
@@ -1397,7 +1397,7 @@
             <a:fld id="{C699CB88-5E1A-4FAC-892A-60949ACB1F6F}" type="datetimeFigureOut">
               <a:rPr lang="en-US" smtClean="0"/>
               <a:pPr/>
-              <a:t>7/10/2012</a:t>
+              <a:t>7/11/2012</a:t>
             </a:fld>
             <a:endParaRPr lang="en-US"/>
           </a:p>
@@ -1582,7 +1582,7 @@
             <a:fld id="{C699CB88-5E1A-4FAC-892A-60949ACB1F6F}" type="datetimeFigureOut">
               <a:rPr lang="en-US" smtClean="0"/>
               <a:pPr/>
-              <a:t>7/10/2012</a:t>
+              <a:t>7/11/2012</a:t>
             </a:fld>
             <a:endParaRPr lang="en-US"/>
           </a:p>
@@ -1811,7 +1811,7 @@
     </p:spTree>
     <p:extLst>
       <p:ext uri="{BB962C8B-B14F-4D97-AF65-F5344CB8AC3E}">
-        <p14:creationId xmlns:p14="http://schemas.microsoft.com/office/powerpoint/2010/main" xmlns="" val="3802474555"/>
+        <p14:creationId xmlns="" xmlns:p14="http://schemas.microsoft.com/office/powerpoint/2010/main" val="3802474555"/>
       </p:ext>
     </p:extLst>
   </p:cSld>
@@ -2020,7 +2020,7 @@
     </p:spTree>
     <p:extLst>
       <p:ext uri="{BB962C8B-B14F-4D97-AF65-F5344CB8AC3E}">
-        <p14:creationId xmlns:p14="http://schemas.microsoft.com/office/powerpoint/2010/main" xmlns="" val="2496899330"/>
+        <p14:creationId xmlns="" xmlns:p14="http://schemas.microsoft.com/office/powerpoint/2010/main" val="2496899330"/>
       </p:ext>
     </p:extLst>
   </p:cSld>
@@ -2060,7 +2060,7 @@
     </p:spTree>
     <p:extLst>
       <p:ext uri="{BB962C8B-B14F-4D97-AF65-F5344CB8AC3E}">
-        <p14:creationId xmlns:p14="http://schemas.microsoft.com/office/powerpoint/2010/main" xmlns="" val="2103925258"/>
+        <p14:creationId xmlns="" xmlns:p14="http://schemas.microsoft.com/office/powerpoint/2010/main" val="2103925258"/>
       </p:ext>
     </p:extLst>
   </p:cSld>
@@ -2190,7 +2190,7 @@
             <a:fld id="{C699CB88-5E1A-4FAC-892A-60949ACB1F6F}" type="datetimeFigureOut">
               <a:rPr lang="en-US" smtClean="0"/>
               <a:pPr/>
-              <a:t>7/10/2012</a:t>
+              <a:t>7/11/2012</a:t>
             </a:fld>
             <a:endParaRPr lang="en-US"/>
           </a:p>
@@ -2441,7 +2441,7 @@
             <a:fld id="{C699CB88-5E1A-4FAC-892A-60949ACB1F6F}" type="datetimeFigureOut">
               <a:rPr lang="en-US" smtClean="0"/>
               <a:pPr/>
-              <a:t>7/10/2012</a:t>
+              <a:t>7/11/2012</a:t>
             </a:fld>
             <a:endParaRPr lang="en-US"/>
           </a:p>
@@ -2734,7 +2734,7 @@
             <a:fld id="{C699CB88-5E1A-4FAC-892A-60949ACB1F6F}" type="datetimeFigureOut">
               <a:rPr lang="en-US" smtClean="0"/>
               <a:pPr/>
-              <a:t>7/10/2012</a:t>
+              <a:t>7/11/2012</a:t>
             </a:fld>
             <a:endParaRPr lang="en-US"/>
           </a:p>
@@ -3161,7 +3161,7 @@
             <a:fld id="{C699CB88-5E1A-4FAC-892A-60949ACB1F6F}" type="datetimeFigureOut">
               <a:rPr lang="en-US" smtClean="0"/>
               <a:pPr/>
-              <a:t>7/10/2012</a:t>
+              <a:t>7/11/2012</a:t>
             </a:fld>
             <a:endParaRPr lang="en-US"/>
           </a:p>
@@ -3284,7 +3284,7 @@
             <a:fld id="{C699CB88-5E1A-4FAC-892A-60949ACB1F6F}" type="datetimeFigureOut">
               <a:rPr lang="en-US" smtClean="0"/>
               <a:pPr/>
-              <a:t>7/10/2012</a:t>
+              <a:t>7/11/2012</a:t>
             </a:fld>
             <a:endParaRPr lang="en-US"/>
           </a:p>
@@ -3384,7 +3384,7 @@
             <a:fld id="{C699CB88-5E1A-4FAC-892A-60949ACB1F6F}" type="datetimeFigureOut">
               <a:rPr lang="en-US" smtClean="0"/>
               <a:pPr/>
-              <a:t>7/10/2012</a:t>
+              <a:t>7/11/2012</a:t>
             </a:fld>
             <a:endParaRPr lang="en-US"/>
           </a:p>
@@ -3666,7 +3666,7 @@
             <a:fld id="{C699CB88-5E1A-4FAC-892A-60949ACB1F6F}" type="datetimeFigureOut">
               <a:rPr lang="en-US" smtClean="0"/>
               <a:pPr/>
-              <a:t>7/10/2012</a:t>
+              <a:t>7/11/2012</a:t>
             </a:fld>
             <a:endParaRPr lang="en-US"/>
           </a:p>
@@ -3924,7 +3924,7 @@
             <a:fld id="{C699CB88-5E1A-4FAC-892A-60949ACB1F6F}" type="datetimeFigureOut">
               <a:rPr lang="en-US" smtClean="0"/>
               <a:pPr/>
-              <a:t>7/10/2012</a:t>
+              <a:t>7/11/2012</a:t>
             </a:fld>
             <a:endParaRPr lang="en-US"/>
           </a:p>
@@ -4151,7 +4151,7 @@
             <a:fld id="{C699CB88-5E1A-4FAC-892A-60949ACB1F6F}" type="datetimeFigureOut">
               <a:rPr lang="en-US" smtClean="0"/>
               <a:pPr/>
-              <a:t>7/10/2012</a:t>
+              <a:t>7/11/2012</a:t>
             </a:fld>
             <a:endParaRPr lang="en-US"/>
           </a:p>
@@ -4549,7 +4549,7 @@
             <a:lum/>
             <a:extLst>
               <a:ext uri="{28A0092B-C50C-407E-A947-70E740481C1C}">
-                <a14:useLocalDpi xmlns:a14="http://schemas.microsoft.com/office/drawing/2010/main" xmlns="" val="0"/>
+                <a14:useLocalDpi xmlns="" xmlns:a14="http://schemas.microsoft.com/office/drawing/2010/main" val="0"/>
               </a:ext>
             </a:extLst>
           </a:blip>
@@ -4569,7 +4569,7 @@
           <a:noFill/>
           <a:extLst>
             <a:ext uri="{909E8E84-426E-40DD-AFC4-6F175D3DCCD1}">
-              <a14:hiddenFill xmlns:a14="http://schemas.microsoft.com/office/drawing/2010/main" xmlns="">
+              <a14:hiddenFill xmlns="" xmlns:a14="http://schemas.microsoft.com/office/drawing/2010/main">
                 <a:solidFill>
                   <a:srgbClr val="FFFFFF"/>
                 </a:solidFill>
@@ -4689,7 +4689,7 @@
     </p:spTree>
     <p:extLst>
       <p:ext uri="{BB962C8B-B14F-4D97-AF65-F5344CB8AC3E}">
-        <p14:creationId xmlns:p14="http://schemas.microsoft.com/office/powerpoint/2010/main" xmlns="" val="3952534683"/>
+        <p14:creationId xmlns="" xmlns:p14="http://schemas.microsoft.com/office/powerpoint/2010/main" val="3952534683"/>
       </p:ext>
     </p:extLst>
   </p:cSld>
@@ -5037,7 +5037,7 @@
           <a:p>
             <a:r>
               <a:rPr lang="en-US" altLang="zh-TW" dirty="0" smtClean="0"/>
-              <a:t>Advanced Wiring(2)</a:t>
+              <a:t>Variable Wiring</a:t>
             </a:r>
             <a:endParaRPr lang="zh-TW" altLang="en-US" dirty="0"/>
           </a:p>
@@ -5062,320 +5062,6 @@
               <a:rPr kumimoji="0" lang="en-US" smtClean="0"/>
               <a:pPr/>
               <a:t>11</a:t>
-            </a:fld>
-            <a:endParaRPr kumimoji="0" lang="en-US"/>
-          </a:p>
-        </p:txBody>
-      </p:sp>
-      <p:sp>
-        <p:nvSpPr>
-          <p:cNvPr id="43" name="Content Placeholder 2"/>
-          <p:cNvSpPr>
-            <a:spLocks noGrp="1"/>
-          </p:cNvSpPr>
-          <p:nvPr>
-            <p:ph idx="1"/>
-          </p:nvPr>
-        </p:nvSpPr>
-        <p:spPr>
-          <a:xfrm>
-            <a:off x="290286" y="1741714"/>
-            <a:ext cx="8229600" cy="1596572"/>
-          </a:xfrm>
-        </p:spPr>
-        <p:txBody>
-          <a:bodyPr>
-            <a:normAutofit/>
-          </a:bodyPr>
-          <a:lstStyle/>
-          <a:p>
-            <a:pPr>
-              <a:buNone/>
-            </a:pPr>
-            <a:r>
-              <a:rPr lang="zh-TW" altLang="en-US" sz="2800" b="1" dirty="0" smtClean="0"/>
-              <a:t>甚至支援 </a:t>
-            </a:r>
-            <a:r>
-              <a:rPr lang="en-US" altLang="zh-TW" sz="2800" b="1" dirty="0" smtClean="0"/>
-              <a:t>Pseudo Class:</a:t>
-            </a:r>
-            <a:endParaRPr lang="en-US" altLang="zh-TW" sz="2800" dirty="0" smtClean="0"/>
-          </a:p>
-        </p:txBody>
-      </p:sp>
-      <p:pic>
-        <p:nvPicPr>
-          <p:cNvPr id="3075" name="Picture 3"/>
-          <p:cNvPicPr>
-            <a:picLocks noChangeAspect="1" noChangeArrowheads="1"/>
-          </p:cNvPicPr>
-          <p:nvPr/>
-        </p:nvPicPr>
-        <p:blipFill>
-          <a:blip r:embed="rId2" cstate="print"/>
-          <a:srcRect/>
-          <a:stretch>
-            <a:fillRect/>
-          </a:stretch>
-        </p:blipFill>
-        <p:spPr bwMode="auto">
-          <a:xfrm>
-            <a:off x="157390" y="2451618"/>
-            <a:ext cx="8986610" cy="2904935"/>
-          </a:xfrm>
-          <a:prstGeom prst="rect">
-            <a:avLst/>
-          </a:prstGeom>
-          <a:noFill/>
-          <a:ln w="9525">
-            <a:noFill/>
-            <a:miter lim="800000"/>
-            <a:headEnd/>
-            <a:tailEnd/>
-          </a:ln>
-        </p:spPr>
-      </p:pic>
-      <p:sp>
-        <p:nvSpPr>
-          <p:cNvPr id="7" name="Content Placeholder 2"/>
-          <p:cNvSpPr txBox="1">
-            <a:spLocks/>
-          </p:cNvSpPr>
-          <p:nvPr/>
-        </p:nvSpPr>
-        <p:spPr>
-          <a:xfrm>
-            <a:off x="157390" y="5356553"/>
-            <a:ext cx="8229600" cy="1190172"/>
-          </a:xfrm>
-          <a:prstGeom prst="rect">
-            <a:avLst/>
-          </a:prstGeom>
-        </p:spPr>
-        <p:txBody>
-          <a:bodyPr vert="horz" lIns="91440" tIns="45720" rIns="91440" bIns="45720" rtlCol="0">
-            <a:normAutofit/>
-          </a:bodyPr>
-          <a:lstStyle/>
-          <a:p>
-            <a:pPr marL="342900" marR="0" lvl="0" indent="-342900" algn="l" defTabSz="914400" rtl="0" eaLnBrk="1" fontAlgn="auto" latinLnBrk="0" hangingPunct="1">
-              <a:lnSpc>
-                <a:spcPct val="100000"/>
-              </a:lnSpc>
-              <a:spcBef>
-                <a:spcPct val="20000"/>
-              </a:spcBef>
-              <a:spcAft>
-                <a:spcPts val="0"/>
-              </a:spcAft>
-              <a:buClrTx/>
-              <a:buSzTx/>
-              <a:buFont typeface="Arial" pitchFamily="34" charset="0"/>
-              <a:buNone/>
-              <a:tabLst/>
-              <a:defRPr/>
-            </a:pPr>
-            <a:r>
-              <a:rPr kumimoji="0" lang="zh-TW" altLang="en-US" sz="2800" b="0" i="0" u="none" strike="noStrike" kern="1200" cap="none" spc="0" normalizeH="0" baseline="0" noProof="0" dirty="0" smtClean="0">
-                <a:ln>
-                  <a:noFill/>
-                </a:ln>
-                <a:solidFill>
-                  <a:schemeClr val="tx1"/>
-                </a:solidFill>
-                <a:effectLst/>
-                <a:uLnTx/>
-                <a:uFillTx/>
-                <a:latin typeface="+mn-lt"/>
-                <a:ea typeface="+mn-ea"/>
-                <a:cs typeface="+mn-cs"/>
-              </a:rPr>
-              <a:t>未來可以提供對</a:t>
-            </a:r>
-            <a:r>
-              <a:rPr kumimoji="0" lang="en-US" altLang="zh-TW" sz="2800" b="0" i="0" u="none" strike="noStrike" kern="1200" cap="none" spc="0" normalizeH="0" baseline="0" noProof="0" dirty="0" smtClean="0">
-                <a:ln>
-                  <a:noFill/>
-                </a:ln>
-                <a:solidFill>
-                  <a:schemeClr val="tx1"/>
-                </a:solidFill>
-                <a:effectLst/>
-                <a:uLnTx/>
-                <a:uFillTx/>
-                <a:latin typeface="+mn-lt"/>
-                <a:ea typeface="+mn-ea"/>
-                <a:cs typeface="+mn-cs"/>
-              </a:rPr>
-              <a:t>Selector Engine </a:t>
-            </a:r>
-            <a:r>
-              <a:rPr kumimoji="0" lang="zh-TW" altLang="en-US" sz="2800" b="0" i="0" u="none" strike="noStrike" kern="1200" cap="none" spc="0" normalizeH="0" baseline="0" noProof="0" dirty="0" smtClean="0">
-                <a:ln>
-                  <a:noFill/>
-                </a:ln>
-                <a:solidFill>
-                  <a:schemeClr val="tx1"/>
-                </a:solidFill>
-                <a:effectLst/>
-                <a:uLnTx/>
-                <a:uFillTx/>
-                <a:latin typeface="+mn-lt"/>
-                <a:ea typeface="+mn-ea"/>
-                <a:cs typeface="+mn-cs"/>
-              </a:rPr>
-              <a:t>的插入，對</a:t>
-            </a:r>
-            <a:r>
-              <a:rPr kumimoji="0" lang="en-US" altLang="zh-TW" sz="2800" b="0" i="0" u="none" strike="noStrike" kern="1200" cap="none" spc="0" normalizeH="0" baseline="0" noProof="0" dirty="0" err="1" smtClean="0">
-                <a:ln>
-                  <a:noFill/>
-                </a:ln>
-                <a:solidFill>
-                  <a:schemeClr val="tx1"/>
-                </a:solidFill>
-                <a:effectLst/>
-                <a:uLnTx/>
-                <a:uFillTx/>
-                <a:latin typeface="+mn-lt"/>
-                <a:ea typeface="+mn-ea"/>
-                <a:cs typeface="+mn-cs"/>
-              </a:rPr>
-              <a:t>Psudo</a:t>
-            </a:r>
-            <a:r>
-              <a:rPr kumimoji="0" lang="en-US" altLang="zh-TW" sz="2800" b="0" i="0" u="none" strike="noStrike" kern="1200" cap="none" spc="0" normalizeH="0" baseline="0" noProof="0" dirty="0" smtClean="0">
-                <a:ln>
-                  <a:noFill/>
-                </a:ln>
-                <a:solidFill>
-                  <a:schemeClr val="tx1"/>
-                </a:solidFill>
-                <a:effectLst/>
-                <a:uLnTx/>
-                <a:uFillTx/>
-                <a:latin typeface="+mn-lt"/>
-                <a:ea typeface="+mn-ea"/>
-                <a:cs typeface="+mn-cs"/>
-              </a:rPr>
-              <a:t> Class </a:t>
-            </a:r>
-            <a:r>
-              <a:rPr kumimoji="0" lang="zh-TW" altLang="en-US" sz="2800" b="0" i="0" u="none" strike="noStrike" kern="1200" cap="none" spc="0" normalizeH="0" baseline="0" noProof="0" dirty="0" smtClean="0">
-                <a:ln>
-                  <a:noFill/>
-                </a:ln>
-                <a:solidFill>
-                  <a:schemeClr val="tx1"/>
-                </a:solidFill>
-                <a:effectLst/>
-                <a:uLnTx/>
-                <a:uFillTx/>
-                <a:latin typeface="+mn-lt"/>
-                <a:ea typeface="+mn-ea"/>
-                <a:cs typeface="+mn-cs"/>
-              </a:rPr>
-              <a:t>的處理可以客製化。</a:t>
-            </a:r>
-            <a:endParaRPr kumimoji="0" lang="zh-TW" altLang="en-US" sz="2800" b="0" i="0" u="none" strike="noStrike" kern="1200" cap="none" spc="0" normalizeH="0" baseline="0" noProof="0" dirty="0">
-              <a:ln>
-                <a:noFill/>
-              </a:ln>
-              <a:solidFill>
-                <a:schemeClr val="tx1"/>
-              </a:solidFill>
-              <a:effectLst/>
-              <a:uLnTx/>
-              <a:uFillTx/>
-              <a:latin typeface="+mn-lt"/>
-              <a:ea typeface="+mn-ea"/>
-              <a:cs typeface="+mn-cs"/>
-            </a:endParaRPr>
-          </a:p>
-        </p:txBody>
-      </p:sp>
-    </p:spTree>
-  </p:cSld>
-  <p:clrMapOvr>
-    <a:masterClrMapping/>
-  </p:clrMapOvr>
-  <p:timing>
-    <p:tnLst>
-      <p:par>
-        <p:cTn id="1" dur="indefinite" restart="never" nodeType="tmRoot"/>
-      </p:par>
-    </p:tnLst>
-  </p:timing>
-</p:sld>
-</file>
-
-<file path=ppt/slides/slide12.xml><?xml version="1.0" encoding="utf-8"?>
-<p:sld xmlns:a="http://schemas.openxmlformats.org/drawingml/2006/main" xmlns:r="http://schemas.openxmlformats.org/officeDocument/2006/relationships" xmlns:p="http://schemas.openxmlformats.org/presentationml/2006/main">
-  <p:cSld>
-    <p:spTree>
-      <p:nvGrpSpPr>
-        <p:cNvPr id="1" name=""/>
-        <p:cNvGrpSpPr/>
-        <p:nvPr/>
-      </p:nvGrpSpPr>
-      <p:grpSpPr>
-        <a:xfrm>
-          <a:off x="0" y="0"/>
-          <a:ext cx="0" cy="0"/>
-          <a:chOff x="0" y="0"/>
-          <a:chExt cx="0" cy="0"/>
-        </a:xfrm>
-      </p:grpSpPr>
-      <p:sp>
-        <p:nvSpPr>
-          <p:cNvPr id="2" name="Title 1"/>
-          <p:cNvSpPr>
-            <a:spLocks noGrp="1"/>
-          </p:cNvSpPr>
-          <p:nvPr>
-            <p:ph type="title"/>
-          </p:nvPr>
-        </p:nvSpPr>
-        <p:spPr>
-          <a:xfrm>
-            <a:off x="457200" y="791032"/>
-            <a:ext cx="8229600" cy="916885"/>
-          </a:xfrm>
-        </p:spPr>
-        <p:txBody>
-          <a:bodyPr>
-            <a:normAutofit/>
-          </a:bodyPr>
-          <a:lstStyle/>
-          <a:p>
-            <a:r>
-              <a:rPr lang="en-US" altLang="zh-TW" dirty="0" smtClean="0"/>
-              <a:t>Variable Wiring</a:t>
-            </a:r>
-            <a:endParaRPr lang="zh-TW" altLang="en-US" dirty="0"/>
-          </a:p>
-        </p:txBody>
-      </p:sp>
-      <p:sp>
-        <p:nvSpPr>
-          <p:cNvPr id="4" name="Slide Number Placeholder 3"/>
-          <p:cNvSpPr>
-            <a:spLocks noGrp="1"/>
-          </p:cNvSpPr>
-          <p:nvPr>
-            <p:ph type="sldNum" sz="quarter" idx="12"/>
-          </p:nvPr>
-        </p:nvSpPr>
-        <p:spPr/>
-        <p:txBody>
-          <a:bodyPr/>
-          <a:lstStyle/>
-          <a:p>
-            <a:fld id="{91974DF9-AD47-4691-BA21-BBFCE3637A9A}" type="slidenum">
-              <a:rPr kumimoji="0" lang="en-US" smtClean="0"/>
-              <a:pPr/>
-              <a:t>12</a:t>
             </a:fld>
             <a:endParaRPr kumimoji="0" lang="en-US"/>
           </a:p>
@@ -5924,7 +5610,7 @@
 </p:sld>
 </file>
 
-<file path=ppt/slides/slide13.xml><?xml version="1.0" encoding="utf-8"?>
+<file path=ppt/slides/slide12.xml><?xml version="1.0" encoding="utf-8"?>
 <p:sld xmlns:a="http://schemas.openxmlformats.org/drawingml/2006/main" xmlns:r="http://schemas.openxmlformats.org/officeDocument/2006/relationships" xmlns:p="http://schemas.openxmlformats.org/presentationml/2006/main">
   <p:cSld>
     <p:spTree>
@@ -6021,7 +5707,7 @@
             <a:fld id="{91974DF9-AD47-4691-BA21-BBFCE3637A9A}" type="slidenum">
               <a:rPr kumimoji="0" lang="en-US" smtClean="0"/>
               <a:pPr/>
-              <a:t>13</a:t>
+              <a:t>12</a:t>
             </a:fld>
             <a:endParaRPr kumimoji="0" lang="en-US"/>
           </a:p>
@@ -6095,6 +5781,112 @@
               <a:t>DemoController2.java</a:t>
             </a:r>
             <a:endParaRPr lang="zh-TW" altLang="en-US" dirty="0"/>
+          </a:p>
+        </p:txBody>
+      </p:sp>
+    </p:spTree>
+  </p:cSld>
+  <p:clrMapOvr>
+    <a:masterClrMapping/>
+  </p:clrMapOvr>
+  <p:timing>
+    <p:tnLst>
+      <p:par>
+        <p:cTn id="1" dur="indefinite" restart="never" nodeType="tmRoot"/>
+      </p:par>
+    </p:tnLst>
+  </p:timing>
+</p:sld>
+</file>
+
+<file path=ppt/slides/slide13.xml><?xml version="1.0" encoding="utf-8"?>
+<p:sld xmlns:a="http://schemas.openxmlformats.org/drawingml/2006/main" xmlns:r="http://schemas.openxmlformats.org/officeDocument/2006/relationships" xmlns:p="http://schemas.openxmlformats.org/presentationml/2006/main">
+  <p:cSld>
+    <p:spTree>
+      <p:nvGrpSpPr>
+        <p:cNvPr id="1" name=""/>
+        <p:cNvGrpSpPr/>
+        <p:nvPr/>
+      </p:nvGrpSpPr>
+      <p:grpSpPr>
+        <a:xfrm>
+          <a:off x="0" y="0"/>
+          <a:ext cx="0" cy="0"/>
+          <a:chOff x="0" y="0"/>
+          <a:chExt cx="0" cy="0"/>
+        </a:xfrm>
+      </p:grpSpPr>
+      <p:sp>
+        <p:nvSpPr>
+          <p:cNvPr id="5" name="Title 4"/>
+          <p:cNvSpPr>
+            <a:spLocks noGrp="1"/>
+          </p:cNvSpPr>
+          <p:nvPr>
+            <p:ph type="title"/>
+          </p:nvPr>
+        </p:nvSpPr>
+        <p:spPr/>
+        <p:txBody>
+          <a:bodyPr/>
+          <a:lstStyle/>
+          <a:p>
+            <a:r>
+              <a:rPr lang="en-US" altLang="zh-TW" dirty="0" smtClean="0"/>
+              <a:t>Composite </a:t>
+            </a:r>
+            <a:r>
+              <a:rPr lang="zh-TW" altLang="en-US" dirty="0" smtClean="0"/>
+              <a:t>自訂元件</a:t>
+            </a:r>
+            <a:endParaRPr lang="zh-TW" altLang="en-US" dirty="0"/>
+          </a:p>
+        </p:txBody>
+      </p:sp>
+      <p:sp>
+        <p:nvSpPr>
+          <p:cNvPr id="6" name="Text Placeholder 5"/>
+          <p:cNvSpPr>
+            <a:spLocks noGrp="1"/>
+          </p:cNvSpPr>
+          <p:nvPr>
+            <p:ph type="body" idx="1"/>
+          </p:nvPr>
+        </p:nvSpPr>
+        <p:spPr/>
+        <p:txBody>
+          <a:bodyPr/>
+          <a:lstStyle/>
+          <a:p>
+            <a:r>
+              <a:rPr lang="en-US" altLang="zh-TW" dirty="0" smtClean="0"/>
+              <a:t>The meta programming usage in ZK Composite Component</a:t>
+            </a:r>
+            <a:endParaRPr lang="zh-TW" altLang="en-US" dirty="0"/>
+          </a:p>
+        </p:txBody>
+      </p:sp>
+      <p:sp>
+        <p:nvSpPr>
+          <p:cNvPr id="4" name="Slide Number Placeholder 3"/>
+          <p:cNvSpPr>
+            <a:spLocks noGrp="1"/>
+          </p:cNvSpPr>
+          <p:nvPr>
+            <p:ph type="sldNum" sz="quarter" idx="12"/>
+          </p:nvPr>
+        </p:nvSpPr>
+        <p:spPr/>
+        <p:txBody>
+          <a:bodyPr/>
+          <a:lstStyle/>
+          <a:p>
+            <a:fld id="{91974DF9-AD47-4691-BA21-BBFCE3637A9A}" type="slidenum">
+              <a:rPr kumimoji="0" lang="en-US" smtClean="0"/>
+              <a:pPr/>
+              <a:t>13</a:t>
+            </a:fld>
+            <a:endParaRPr kumimoji="0" lang="en-US"/>
           </a:p>
         </p:txBody>
       </p:sp>
@@ -6132,7 +5924,7 @@
       </p:grpSpPr>
       <p:sp>
         <p:nvSpPr>
-          <p:cNvPr id="5" name="Title 4"/>
+          <p:cNvPr id="2" name="Title 1"/>
           <p:cNvSpPr>
             <a:spLocks noGrp="1"/>
           </p:cNvSpPr>
@@ -6140,18 +5932,21 @@
             <p:ph type="title"/>
           </p:nvPr>
         </p:nvSpPr>
-        <p:spPr/>
-        <p:txBody>
-          <a:bodyPr/>
+        <p:spPr>
+          <a:xfrm>
+            <a:off x="457200" y="789885"/>
+            <a:ext cx="8229600" cy="1143000"/>
+          </a:xfrm>
+        </p:spPr>
+        <p:txBody>
+          <a:bodyPr>
+            <a:normAutofit/>
+          </a:bodyPr>
           <a:lstStyle/>
           <a:p>
             <a:r>
               <a:rPr lang="en-US" altLang="zh-TW" dirty="0" smtClean="0"/>
-              <a:t>Composite </a:t>
-            </a:r>
-            <a:r>
-              <a:rPr lang="zh-TW" altLang="en-US" dirty="0" smtClean="0"/>
-              <a:t>自訂元件</a:t>
+              <a:t>ZK Composite Component</a:t>
             </a:r>
             <a:endParaRPr lang="zh-TW" altLang="en-US" dirty="0"/>
           </a:p>
@@ -6159,24 +5954,119 @@
       </p:sp>
       <p:sp>
         <p:nvSpPr>
-          <p:cNvPr id="6" name="Text Placeholder 5"/>
-          <p:cNvSpPr>
-            <a:spLocks noGrp="1"/>
-          </p:cNvSpPr>
-          <p:nvPr>
-            <p:ph type="body" idx="1"/>
-          </p:nvPr>
-        </p:nvSpPr>
-        <p:spPr/>
-        <p:txBody>
-          <a:bodyPr/>
-          <a:lstStyle/>
-          <a:p>
-            <a:r>
-              <a:rPr lang="en-US" altLang="zh-TW" dirty="0" smtClean="0"/>
-              <a:t>The meta programming usage in ZK Composite Component</a:t>
-            </a:r>
-            <a:endParaRPr lang="zh-TW" altLang="en-US" dirty="0"/>
+          <p:cNvPr id="3" name="Content Placeholder 2"/>
+          <p:cNvSpPr>
+            <a:spLocks noGrp="1"/>
+          </p:cNvSpPr>
+          <p:nvPr>
+            <p:ph idx="1"/>
+          </p:nvPr>
+        </p:nvSpPr>
+        <p:spPr>
+          <a:xfrm>
+            <a:off x="457200" y="1821548"/>
+            <a:ext cx="8229600" cy="4057877"/>
+          </a:xfrm>
+        </p:spPr>
+        <p:txBody>
+          <a:bodyPr>
+            <a:normAutofit/>
+          </a:bodyPr>
+          <a:lstStyle/>
+          <a:p>
+            <a:pPr>
+              <a:buNone/>
+            </a:pPr>
+            <a:r>
+              <a:rPr lang="zh-TW" altLang="en-US" sz="2800" dirty="0" smtClean="0"/>
+              <a:t>情境：</a:t>
+            </a:r>
+            <a:endParaRPr lang="en-US" altLang="zh-TW" sz="2800" dirty="0" smtClean="0"/>
+          </a:p>
+          <a:p>
+            <a:r>
+              <a:rPr lang="zh-TW" altLang="en-US" sz="2400" dirty="0" smtClean="0"/>
+              <a:t>一個</a:t>
+            </a:r>
+            <a:r>
+              <a:rPr lang="en-US" altLang="zh-TW" sz="2400" dirty="0" smtClean="0"/>
+              <a:t>Partial UI </a:t>
+            </a:r>
+            <a:r>
+              <a:rPr lang="zh-TW" altLang="en-US" sz="2400" dirty="0" smtClean="0"/>
+              <a:t>需要重用。</a:t>
+            </a:r>
+            <a:endParaRPr lang="en-US" altLang="zh-TW" sz="2400" dirty="0" smtClean="0"/>
+          </a:p>
+          <a:p>
+            <a:r>
+              <a:rPr lang="zh-TW" altLang="en-US" sz="2400" dirty="0" smtClean="0"/>
+              <a:t>想要將一個</a:t>
+            </a:r>
+            <a:r>
+              <a:rPr lang="en-US" altLang="zh-TW" sz="2400" dirty="0" smtClean="0"/>
+              <a:t>Partial UI </a:t>
+            </a:r>
+            <a:r>
+              <a:rPr lang="zh-TW" altLang="en-US" sz="2400" dirty="0" smtClean="0"/>
+              <a:t>封裝成為一個元件。</a:t>
+            </a:r>
+            <a:endParaRPr lang="en-US" altLang="zh-TW" sz="2400" dirty="0" smtClean="0"/>
+          </a:p>
+          <a:p>
+            <a:pPr>
+              <a:buNone/>
+            </a:pPr>
+            <a:r>
+              <a:rPr lang="zh-TW" altLang="en-US" sz="2800" dirty="0" smtClean="0"/>
+              <a:t>條件：</a:t>
+            </a:r>
+            <a:endParaRPr lang="en-US" altLang="zh-TW" sz="2800" dirty="0" smtClean="0"/>
+          </a:p>
+          <a:p>
+            <a:r>
+              <a:rPr lang="zh-TW" altLang="en-US" sz="2800" dirty="0" smtClean="0"/>
+              <a:t>完全就是一個</a:t>
+            </a:r>
+            <a:r>
+              <a:rPr lang="en-US" altLang="zh-TW" sz="2800" dirty="0" smtClean="0"/>
+              <a:t>Component</a:t>
+            </a:r>
+            <a:r>
+              <a:rPr lang="zh-TW" altLang="en-US" sz="2800" dirty="0" smtClean="0"/>
+              <a:t>。</a:t>
+            </a:r>
+            <a:endParaRPr lang="en-US" altLang="zh-TW" sz="2800" dirty="0" smtClean="0"/>
+          </a:p>
+          <a:p>
+            <a:r>
+              <a:rPr lang="zh-TW" altLang="en-US" sz="2800" dirty="0" smtClean="0"/>
+              <a:t>可以自訂</a:t>
+            </a:r>
+            <a:r>
+              <a:rPr lang="en-US" altLang="zh-TW" sz="2800" dirty="0" smtClean="0"/>
+              <a:t>UI </a:t>
+            </a:r>
+            <a:r>
+              <a:rPr lang="zh-TW" altLang="en-US" sz="2800" dirty="0" smtClean="0"/>
+              <a:t>呈現、屬性、支援事件。</a:t>
+            </a:r>
+            <a:endParaRPr lang="en-US" altLang="zh-TW" sz="2800" dirty="0" smtClean="0"/>
+          </a:p>
+          <a:p>
+            <a:r>
+              <a:rPr lang="zh-TW" altLang="en-US" sz="2800" dirty="0" smtClean="0"/>
+              <a:t>可以直接在</a:t>
+            </a:r>
+            <a:r>
+              <a:rPr lang="en-US" altLang="zh-TW" sz="2800" dirty="0" smtClean="0"/>
+              <a:t>ZUL </a:t>
+            </a:r>
+            <a:r>
+              <a:rPr lang="zh-TW" altLang="en-US" sz="2800" dirty="0" smtClean="0"/>
+              <a:t>上宣告。</a:t>
+            </a:r>
+            <a:endParaRPr lang="en-US" altLang="zh-TW" sz="2800" dirty="0" smtClean="0"/>
           </a:p>
         </p:txBody>
       </p:sp>
@@ -6248,7 +6138,7 @@
         </p:nvSpPr>
         <p:spPr>
           <a:xfrm>
-            <a:off x="457200" y="789885"/>
+            <a:off x="457200" y="497114"/>
             <a:ext cx="8229600" cy="1143000"/>
           </a:xfrm>
         </p:spPr>
@@ -6260,127 +6150,13 @@
           <a:p>
             <a:r>
               <a:rPr lang="en-US" altLang="zh-TW" dirty="0" smtClean="0"/>
-              <a:t>ZK Composite Component</a:t>
+              <a:t>Composite </a:t>
+            </a:r>
+            <a:r>
+              <a:rPr lang="zh-TW" altLang="en-US" dirty="0" smtClean="0"/>
+              <a:t>使用範例</a:t>
             </a:r>
             <a:endParaRPr lang="zh-TW" altLang="en-US" dirty="0"/>
-          </a:p>
-        </p:txBody>
-      </p:sp>
-      <p:sp>
-        <p:nvSpPr>
-          <p:cNvPr id="3" name="Content Placeholder 2"/>
-          <p:cNvSpPr>
-            <a:spLocks noGrp="1"/>
-          </p:cNvSpPr>
-          <p:nvPr>
-            <p:ph idx="1"/>
-          </p:nvPr>
-        </p:nvSpPr>
-        <p:spPr>
-          <a:xfrm>
-            <a:off x="457200" y="1821548"/>
-            <a:ext cx="8229600" cy="4057877"/>
-          </a:xfrm>
-        </p:spPr>
-        <p:txBody>
-          <a:bodyPr>
-            <a:normAutofit/>
-          </a:bodyPr>
-          <a:lstStyle/>
-          <a:p>
-            <a:pPr>
-              <a:buNone/>
-            </a:pPr>
-            <a:r>
-              <a:rPr lang="zh-TW" altLang="en-US" sz="2800" dirty="0" smtClean="0"/>
-              <a:t>情境：</a:t>
-            </a:r>
-            <a:endParaRPr lang="en-US" altLang="zh-TW" sz="2800" dirty="0" smtClean="0"/>
-          </a:p>
-          <a:p>
-            <a:r>
-              <a:rPr lang="zh-TW" altLang="en-US" sz="2400" dirty="0" smtClean="0"/>
-              <a:t>一個</a:t>
-            </a:r>
-            <a:r>
-              <a:rPr lang="en-US" altLang="zh-TW" sz="2400" dirty="0" smtClean="0"/>
-              <a:t>Partial UI </a:t>
-            </a:r>
-            <a:r>
-              <a:rPr lang="zh-TW" altLang="en-US" sz="2400" dirty="0" smtClean="0"/>
-              <a:t>需要重用。</a:t>
-            </a:r>
-            <a:endParaRPr lang="en-US" altLang="zh-TW" sz="2400" dirty="0" smtClean="0"/>
-          </a:p>
-          <a:p>
-            <a:r>
-              <a:rPr lang="zh-TW" altLang="en-US" sz="2400" dirty="0" smtClean="0"/>
-              <a:t>想要將一個</a:t>
-            </a:r>
-            <a:r>
-              <a:rPr lang="en-US" altLang="zh-TW" sz="2400" dirty="0" smtClean="0"/>
-              <a:t>Partial UI </a:t>
-            </a:r>
-            <a:r>
-              <a:rPr lang="zh-TW" altLang="en-US" sz="2400" dirty="0" smtClean="0"/>
-              <a:t>封裝成為一個元件。</a:t>
-            </a:r>
-            <a:endParaRPr lang="en-US" altLang="zh-TW" sz="2400" dirty="0" smtClean="0"/>
-          </a:p>
-          <a:p>
-            <a:pPr>
-              <a:buNone/>
-            </a:pPr>
-            <a:r>
-              <a:rPr lang="zh-TW" altLang="en-US" sz="2800" dirty="0" smtClean="0"/>
-              <a:t>條件：</a:t>
-            </a:r>
-            <a:endParaRPr lang="en-US" altLang="zh-TW" sz="2800" dirty="0" smtClean="0"/>
-          </a:p>
-          <a:p>
-            <a:r>
-              <a:rPr lang="zh-TW" altLang="en-US" sz="2800" dirty="0" smtClean="0"/>
-              <a:t>完全就是一個</a:t>
-            </a:r>
-            <a:r>
-              <a:rPr lang="en-US" altLang="zh-TW" sz="2800" dirty="0" smtClean="0"/>
-              <a:t>Component</a:t>
-            </a:r>
-            <a:r>
-              <a:rPr lang="zh-TW" altLang="en-US" sz="2800" dirty="0" smtClean="0"/>
-              <a:t>。</a:t>
-            </a:r>
-            <a:endParaRPr lang="en-US" altLang="zh-TW" sz="2800" dirty="0" smtClean="0"/>
-          </a:p>
-          <a:p>
-            <a:r>
-              <a:rPr lang="zh-TW" altLang="en-US" sz="2800" dirty="0" smtClean="0"/>
-              <a:t>可以自訂</a:t>
-            </a:r>
-            <a:r>
-              <a:rPr lang="en-US" altLang="zh-TW" sz="2800" dirty="0" smtClean="0"/>
-              <a:t>UI </a:t>
-            </a:r>
-            <a:r>
-              <a:rPr lang="zh-TW" altLang="en-US" sz="2800" dirty="0" smtClean="0"/>
-              <a:t>呈現、屬性、支援事件。</a:t>
-            </a:r>
-            <a:endParaRPr lang="en-US" altLang="zh-TW" sz="2800" dirty="0" smtClean="0"/>
-          </a:p>
-          <a:p>
-            <a:r>
-              <a:rPr lang="zh-TW" altLang="en-US" sz="2800" dirty="0" smtClean="0"/>
-              <a:t>可以直接在</a:t>
-            </a:r>
-            <a:r>
-              <a:rPr lang="en-US" altLang="zh-TW" sz="2800" dirty="0" smtClean="0"/>
-              <a:t>ZUL </a:t>
-            </a:r>
-            <a:r>
-              <a:rPr lang="zh-TW" altLang="en-US" sz="2800" dirty="0" smtClean="0"/>
-              <a:t>上宣告。</a:t>
-            </a:r>
-            <a:endParaRPr lang="en-US" altLang="zh-TW" sz="2800" dirty="0" smtClean="0"/>
           </a:p>
         </p:txBody>
       </p:sp>
@@ -6403,96 +6179,6 @@
               <a:rPr kumimoji="0" lang="en-US" smtClean="0"/>
               <a:pPr/>
               <a:t>15</a:t>
-            </a:fld>
-            <a:endParaRPr kumimoji="0" lang="en-US"/>
-          </a:p>
-        </p:txBody>
-      </p:sp>
-    </p:spTree>
-  </p:cSld>
-  <p:clrMapOvr>
-    <a:masterClrMapping/>
-  </p:clrMapOvr>
-  <p:timing>
-    <p:tnLst>
-      <p:par>
-        <p:cTn id="1" dur="indefinite" restart="never" nodeType="tmRoot"/>
-      </p:par>
-    </p:tnLst>
-  </p:timing>
-</p:sld>
-</file>
-
-<file path=ppt/slides/slide16.xml><?xml version="1.0" encoding="utf-8"?>
-<p:sld xmlns:a="http://schemas.openxmlformats.org/drawingml/2006/main" xmlns:r="http://schemas.openxmlformats.org/officeDocument/2006/relationships" xmlns:p="http://schemas.openxmlformats.org/presentationml/2006/main">
-  <p:cSld>
-    <p:spTree>
-      <p:nvGrpSpPr>
-        <p:cNvPr id="1" name=""/>
-        <p:cNvGrpSpPr/>
-        <p:nvPr/>
-      </p:nvGrpSpPr>
-      <p:grpSpPr>
-        <a:xfrm>
-          <a:off x="0" y="0"/>
-          <a:ext cx="0" cy="0"/>
-          <a:chOff x="0" y="0"/>
-          <a:chExt cx="0" cy="0"/>
-        </a:xfrm>
-      </p:grpSpPr>
-      <p:sp>
-        <p:nvSpPr>
-          <p:cNvPr id="2" name="Title 1"/>
-          <p:cNvSpPr>
-            <a:spLocks noGrp="1"/>
-          </p:cNvSpPr>
-          <p:nvPr>
-            <p:ph type="title"/>
-          </p:nvPr>
-        </p:nvSpPr>
-        <p:spPr>
-          <a:xfrm>
-            <a:off x="457200" y="497114"/>
-            <a:ext cx="8229600" cy="1143000"/>
-          </a:xfrm>
-        </p:spPr>
-        <p:txBody>
-          <a:bodyPr>
-            <a:normAutofit/>
-          </a:bodyPr>
-          <a:lstStyle/>
-          <a:p>
-            <a:r>
-              <a:rPr lang="en-US" altLang="zh-TW" dirty="0" smtClean="0"/>
-              <a:t>Composite </a:t>
-            </a:r>
-            <a:r>
-              <a:rPr lang="zh-TW" altLang="en-US" dirty="0" smtClean="0"/>
-              <a:t>使用範例</a:t>
-            </a:r>
-            <a:endParaRPr lang="zh-TW" altLang="en-US" dirty="0"/>
-          </a:p>
-        </p:txBody>
-      </p:sp>
-      <p:sp>
-        <p:nvSpPr>
-          <p:cNvPr id="4" name="Slide Number Placeholder 3"/>
-          <p:cNvSpPr>
-            <a:spLocks noGrp="1"/>
-          </p:cNvSpPr>
-          <p:nvPr>
-            <p:ph type="sldNum" sz="quarter" idx="12"/>
-          </p:nvPr>
-        </p:nvSpPr>
-        <p:spPr/>
-        <p:txBody>
-          <a:bodyPr/>
-          <a:lstStyle/>
-          <a:p>
-            <a:fld id="{91974DF9-AD47-4691-BA21-BBFCE3637A9A}" type="slidenum">
-              <a:rPr kumimoji="0" lang="en-US" smtClean="0"/>
-              <a:pPr/>
-              <a:t>16</a:t>
             </a:fld>
             <a:endParaRPr kumimoji="0" lang="en-US"/>
           </a:p>
@@ -7195,7 +6881,7 @@
 </p:sld>
 </file>
 
-<file path=ppt/slides/slide17.xml><?xml version="1.0" encoding="utf-8"?>
+<file path=ppt/slides/slide16.xml><?xml version="1.0" encoding="utf-8"?>
 <p:sld xmlns:a="http://schemas.openxmlformats.org/drawingml/2006/main" xmlns:r="http://schemas.openxmlformats.org/officeDocument/2006/relationships" xmlns:p="http://schemas.openxmlformats.org/presentationml/2006/main">
   <p:cSld>
     <p:spTree>
@@ -7388,7 +7074,7 @@
             <a:fld id="{91974DF9-AD47-4691-BA21-BBFCE3637A9A}" type="slidenum">
               <a:rPr kumimoji="0" lang="en-US" smtClean="0"/>
               <a:pPr/>
-              <a:t>17</a:t>
+              <a:t>16</a:t>
             </a:fld>
             <a:endParaRPr kumimoji="0" lang="en-US"/>
           </a:p>
@@ -8206,7 +7892,7 @@
 </p:sld>
 </file>
 
-<file path=ppt/slides/slide18.xml><?xml version="1.0" encoding="utf-8"?>
+<file path=ppt/slides/slide17.xml><?xml version="1.0" encoding="utf-8"?>
 <p:sld xmlns:a="http://schemas.openxmlformats.org/drawingml/2006/main" xmlns:r="http://schemas.openxmlformats.org/officeDocument/2006/relationships" xmlns:p="http://schemas.openxmlformats.org/presentationml/2006/main">
   <p:cSld>
     <p:spTree>
@@ -8307,7 +7993,7 @@
             <a:fld id="{91974DF9-AD47-4691-BA21-BBFCE3637A9A}" type="slidenum">
               <a:rPr kumimoji="0" lang="en-US" smtClean="0"/>
               <a:pPr/>
-              <a:t>18</a:t>
+              <a:t>17</a:t>
             </a:fld>
             <a:endParaRPr kumimoji="0" lang="en-US"/>
           </a:p>
@@ -8328,7 +8014,7 @@
 </p:sld>
 </file>
 
-<file path=ppt/slides/slide19.xml><?xml version="1.0" encoding="utf-8"?>
+<file path=ppt/slides/slide18.xml><?xml version="1.0" encoding="utf-8"?>
 <p:sld xmlns:a="http://schemas.openxmlformats.org/drawingml/2006/main" xmlns:r="http://schemas.openxmlformats.org/officeDocument/2006/relationships" xmlns:p="http://schemas.openxmlformats.org/presentationml/2006/main">
   <p:cSld>
     <p:spTree>
@@ -8608,7 +8294,7 @@
             <a:fld id="{91974DF9-AD47-4691-BA21-BBFCE3637A9A}" type="slidenum">
               <a:rPr kumimoji="0" lang="en-US" smtClean="0"/>
               <a:pPr/>
-              <a:t>19</a:t>
+              <a:t>18</a:t>
             </a:fld>
             <a:endParaRPr kumimoji="0" lang="en-US"/>
           </a:p>
@@ -10043,7 +9729,7 @@
 </p:sld>
 </file>
 
-<file path=ppt/slides/slide2.xml><?xml version="1.0" encoding="utf-8"?>
+<file path=ppt/slides/slide19.xml><?xml version="1.0" encoding="utf-8"?>
 <p:sld xmlns:a="http://schemas.openxmlformats.org/drawingml/2006/main" xmlns:r="http://schemas.openxmlformats.org/officeDocument/2006/relationships" xmlns:p="http://schemas.openxmlformats.org/presentationml/2006/main">
   <p:cSld>
     <p:spTree>
@@ -10060,152 +9746,6 @@
           <a:chExt cx="0" cy="0"/>
         </a:xfrm>
       </p:grpSpPr>
-      <p:pic>
-        <p:nvPicPr>
-          <p:cNvPr id="2050" name="Picture 2" descr="\\It-file2\ithome\mkt\Tiffany\JAVA活動\Artwork\PPT\JavaTWO 2012-PPT-1.jpg"/>
-          <p:cNvPicPr>
-            <a:picLocks noChangeAspect="1" noChangeArrowheads="1"/>
-          </p:cNvPicPr>
-          <p:nvPr/>
-        </p:nvPicPr>
-        <p:blipFill>
-          <a:blip r:embed="rId2" cstate="print">
-            <a:extLst>
-              <a:ext uri="{28A0092B-C50C-407E-A947-70E740481C1C}">
-                <a14:useLocalDpi xmlns:a14="http://schemas.microsoft.com/office/drawing/2010/main" xmlns="" val="0"/>
-              </a:ext>
-            </a:extLst>
-          </a:blip>
-          <a:srcRect/>
-          <a:stretch>
-            <a:fillRect/>
-          </a:stretch>
-        </p:blipFill>
-        <p:spPr bwMode="auto">
-          <a:xfrm>
-            <a:off x="-17859" y="0"/>
-            <a:ext cx="9161859" cy="6858000"/>
-          </a:xfrm>
-          <a:prstGeom prst="rect">
-            <a:avLst/>
-          </a:prstGeom>
-          <a:noFill/>
-          <a:extLst>
-            <a:ext uri="{909E8E84-426E-40DD-AFC4-6F175D3DCCD1}">
-              <a14:hiddenFill xmlns:a14="http://schemas.microsoft.com/office/drawing/2010/main" xmlns="">
-                <a:solidFill>
-                  <a:srgbClr val="FFFFFF"/>
-                </a:solidFill>
-              </a14:hiddenFill>
-            </a:ext>
-          </a:extLst>
-        </p:spPr>
-      </p:pic>
-      <p:sp>
-        <p:nvSpPr>
-          <p:cNvPr id="2" name="矩形 1"/>
-          <p:cNvSpPr/>
-          <p:nvPr/>
-        </p:nvSpPr>
-        <p:spPr>
-          <a:xfrm>
-            <a:off x="229527" y="3781778"/>
-            <a:ext cx="8914473" cy="1323439"/>
-          </a:xfrm>
-          <a:prstGeom prst="rect">
-            <a:avLst/>
-          </a:prstGeom>
-        </p:spPr>
-        <p:txBody>
-          <a:bodyPr wrap="square">
-            <a:spAutoFit/>
-          </a:bodyPr>
-          <a:lstStyle/>
-          <a:p>
-            <a:r>
-              <a:rPr lang="en-US" altLang="zh-TW" sz="4000" dirty="0" smtClean="0">
-                <a:latin typeface="微軟正黑體" pitchFamily="34" charset="-120"/>
-                <a:ea typeface="微軟正黑體" pitchFamily="34" charset="-120"/>
-              </a:rPr>
-              <a:t>Java EE Ajax </a:t>
-            </a:r>
-            <a:r>
-              <a:rPr lang="zh-TW" altLang="en-US" sz="4000" dirty="0" smtClean="0">
-                <a:latin typeface="微軟正黑體" pitchFamily="34" charset="-120"/>
-                <a:ea typeface="微軟正黑體" pitchFamily="34" charset="-120"/>
-              </a:rPr>
-              <a:t>框架應用之架構設計模式探討 </a:t>
-            </a:r>
-            <a:r>
-              <a:rPr lang="en-US" altLang="zh-TW" sz="4000" dirty="0" smtClean="0">
-                <a:latin typeface="微軟正黑體" pitchFamily="34" charset="-120"/>
-                <a:ea typeface="微軟正黑體" pitchFamily="34" charset="-120"/>
-              </a:rPr>
-              <a:t>- </a:t>
-            </a:r>
-            <a:r>
-              <a:rPr lang="zh-TW" altLang="en-US" sz="4000" dirty="0" smtClean="0">
-                <a:latin typeface="微軟正黑體" pitchFamily="34" charset="-120"/>
-                <a:ea typeface="微軟正黑體" pitchFamily="34" charset="-120"/>
-              </a:rPr>
-              <a:t>以</a:t>
-            </a:r>
-            <a:r>
-              <a:rPr lang="en-US" altLang="zh-TW" sz="4000" dirty="0" smtClean="0">
-                <a:latin typeface="微軟正黑體" pitchFamily="34" charset="-120"/>
-                <a:ea typeface="微軟正黑體" pitchFamily="34" charset="-120"/>
-              </a:rPr>
-              <a:t>ZK</a:t>
-            </a:r>
-            <a:r>
-              <a:rPr lang="zh-TW" altLang="en-US" sz="4000" dirty="0" smtClean="0">
-                <a:latin typeface="微軟正黑體" pitchFamily="34" charset="-120"/>
-                <a:ea typeface="微軟正黑體" pitchFamily="34" charset="-120"/>
-              </a:rPr>
-              <a:t>為例</a:t>
-            </a:r>
-            <a:endParaRPr lang="zh-TW" altLang="en-US" sz="4000" dirty="0">
-              <a:latin typeface="微軟正黑體" pitchFamily="34" charset="-120"/>
-              <a:ea typeface="微軟正黑體" pitchFamily="34" charset="-120"/>
-            </a:endParaRPr>
-          </a:p>
-        </p:txBody>
-      </p:sp>
-    </p:spTree>
-  </p:cSld>
-  <p:clrMapOvr>
-    <a:masterClrMapping/>
-  </p:clrMapOvr>
-  <p:transition>
-    <p:fade/>
-  </p:transition>
-  <p:timing>
-    <p:tnLst>
-      <p:par>
-        <p:cTn id="1" dur="indefinite" restart="never" nodeType="tmRoot"/>
-      </p:par>
-    </p:tnLst>
-  </p:timing>
-</p:sld>
-</file>
-
-<file path=ppt/slides/slide20.xml><?xml version="1.0" encoding="utf-8"?>
-<p:sld xmlns:a="http://schemas.openxmlformats.org/drawingml/2006/main" xmlns:r="http://schemas.openxmlformats.org/officeDocument/2006/relationships" xmlns:p="http://schemas.openxmlformats.org/presentationml/2006/main">
-  <p:cSld>
-    <p:spTree>
-      <p:nvGrpSpPr>
-        <p:cNvPr id="1" name=""/>
-        <p:cNvGrpSpPr/>
-        <p:nvPr/>
-      </p:nvGrpSpPr>
-      <p:grpSpPr>
-        <a:xfrm>
-          <a:off x="0" y="0"/>
-          <a:ext cx="0" cy="0"/>
-          <a:chOff x="0" y="0"/>
-          <a:chExt cx="0" cy="0"/>
-        </a:xfrm>
-      </p:grpSpPr>
       <p:sp>
         <p:nvSpPr>
           <p:cNvPr id="2" name="Title 1"/>
@@ -10349,7 +9889,7 @@
             <a:fld id="{91974DF9-AD47-4691-BA21-BBFCE3637A9A}" type="slidenum">
               <a:rPr kumimoji="0" lang="en-US" smtClean="0"/>
               <a:pPr/>
-              <a:t>20</a:t>
+              <a:t>19</a:t>
             </a:fld>
             <a:endParaRPr kumimoji="0" lang="en-US"/>
           </a:p>
@@ -11045,7 +10585,7 @@
 </p:sld>
 </file>
 
-<file path=ppt/slides/slide21.xml><?xml version="1.0" encoding="utf-8"?>
+<file path=ppt/slides/slide2.xml><?xml version="1.0" encoding="utf-8"?>
 <p:sld xmlns:a="http://schemas.openxmlformats.org/drawingml/2006/main" xmlns:r="http://schemas.openxmlformats.org/officeDocument/2006/relationships" xmlns:p="http://schemas.openxmlformats.org/presentationml/2006/main">
   <p:cSld>
     <p:spTree>
@@ -11062,6 +10602,152 @@
           <a:chExt cx="0" cy="0"/>
         </a:xfrm>
       </p:grpSpPr>
+      <p:pic>
+        <p:nvPicPr>
+          <p:cNvPr id="2050" name="Picture 2" descr="\\It-file2\ithome\mkt\Tiffany\JAVA活動\Artwork\PPT\JavaTWO 2012-PPT-1.jpg"/>
+          <p:cNvPicPr>
+            <a:picLocks noChangeAspect="1" noChangeArrowheads="1"/>
+          </p:cNvPicPr>
+          <p:nvPr/>
+        </p:nvPicPr>
+        <p:blipFill>
+          <a:blip r:embed="rId2" cstate="print">
+            <a:extLst>
+              <a:ext uri="{28A0092B-C50C-407E-A947-70E740481C1C}">
+                <a14:useLocalDpi xmlns="" xmlns:a14="http://schemas.microsoft.com/office/drawing/2010/main" val="0"/>
+              </a:ext>
+            </a:extLst>
+          </a:blip>
+          <a:srcRect/>
+          <a:stretch>
+            <a:fillRect/>
+          </a:stretch>
+        </p:blipFill>
+        <p:spPr bwMode="auto">
+          <a:xfrm>
+            <a:off x="-17859" y="0"/>
+            <a:ext cx="9161859" cy="6858000"/>
+          </a:xfrm>
+          <a:prstGeom prst="rect">
+            <a:avLst/>
+          </a:prstGeom>
+          <a:noFill/>
+          <a:extLst>
+            <a:ext uri="{909E8E84-426E-40DD-AFC4-6F175D3DCCD1}">
+              <a14:hiddenFill xmlns="" xmlns:a14="http://schemas.microsoft.com/office/drawing/2010/main">
+                <a:solidFill>
+                  <a:srgbClr val="FFFFFF"/>
+                </a:solidFill>
+              </a14:hiddenFill>
+            </a:ext>
+          </a:extLst>
+        </p:spPr>
+      </p:pic>
+      <p:sp>
+        <p:nvSpPr>
+          <p:cNvPr id="2" name="矩形 1"/>
+          <p:cNvSpPr/>
+          <p:nvPr/>
+        </p:nvSpPr>
+        <p:spPr>
+          <a:xfrm>
+            <a:off x="229527" y="3781778"/>
+            <a:ext cx="8914473" cy="1323439"/>
+          </a:xfrm>
+          <a:prstGeom prst="rect">
+            <a:avLst/>
+          </a:prstGeom>
+        </p:spPr>
+        <p:txBody>
+          <a:bodyPr wrap="square">
+            <a:spAutoFit/>
+          </a:bodyPr>
+          <a:lstStyle/>
+          <a:p>
+            <a:r>
+              <a:rPr lang="en-US" altLang="zh-TW" sz="4000" dirty="0" smtClean="0">
+                <a:latin typeface="微軟正黑體" pitchFamily="34" charset="-120"/>
+                <a:ea typeface="微軟正黑體" pitchFamily="34" charset="-120"/>
+              </a:rPr>
+              <a:t>Java EE Ajax </a:t>
+            </a:r>
+            <a:r>
+              <a:rPr lang="zh-TW" altLang="en-US" sz="4000" dirty="0" smtClean="0">
+                <a:latin typeface="微軟正黑體" pitchFamily="34" charset="-120"/>
+                <a:ea typeface="微軟正黑體" pitchFamily="34" charset="-120"/>
+              </a:rPr>
+              <a:t>框架應用之架構設計模式探討 </a:t>
+            </a:r>
+            <a:r>
+              <a:rPr lang="en-US" altLang="zh-TW" sz="4000" dirty="0" smtClean="0">
+                <a:latin typeface="微軟正黑體" pitchFamily="34" charset="-120"/>
+                <a:ea typeface="微軟正黑體" pitchFamily="34" charset="-120"/>
+              </a:rPr>
+              <a:t>- </a:t>
+            </a:r>
+            <a:r>
+              <a:rPr lang="zh-TW" altLang="en-US" sz="4000" dirty="0" smtClean="0">
+                <a:latin typeface="微軟正黑體" pitchFamily="34" charset="-120"/>
+                <a:ea typeface="微軟正黑體" pitchFamily="34" charset="-120"/>
+              </a:rPr>
+              <a:t>以</a:t>
+            </a:r>
+            <a:r>
+              <a:rPr lang="en-US" altLang="zh-TW" sz="4000" dirty="0" smtClean="0">
+                <a:latin typeface="微軟正黑體" pitchFamily="34" charset="-120"/>
+                <a:ea typeface="微軟正黑體" pitchFamily="34" charset="-120"/>
+              </a:rPr>
+              <a:t>ZK</a:t>
+            </a:r>
+            <a:r>
+              <a:rPr lang="zh-TW" altLang="en-US" sz="4000" dirty="0" smtClean="0">
+                <a:latin typeface="微軟正黑體" pitchFamily="34" charset="-120"/>
+                <a:ea typeface="微軟正黑體" pitchFamily="34" charset="-120"/>
+              </a:rPr>
+              <a:t>為例</a:t>
+            </a:r>
+            <a:endParaRPr lang="zh-TW" altLang="en-US" sz="4000" dirty="0">
+              <a:latin typeface="微軟正黑體" pitchFamily="34" charset="-120"/>
+              <a:ea typeface="微軟正黑體" pitchFamily="34" charset="-120"/>
+            </a:endParaRPr>
+          </a:p>
+        </p:txBody>
+      </p:sp>
+    </p:spTree>
+  </p:cSld>
+  <p:clrMapOvr>
+    <a:masterClrMapping/>
+  </p:clrMapOvr>
+  <p:transition>
+    <p:fade/>
+  </p:transition>
+  <p:timing>
+    <p:tnLst>
+      <p:par>
+        <p:cTn id="1" dur="indefinite" restart="never" nodeType="tmRoot"/>
+      </p:par>
+    </p:tnLst>
+  </p:timing>
+</p:sld>
+</file>
+
+<file path=ppt/slides/slide20.xml><?xml version="1.0" encoding="utf-8"?>
+<p:sld xmlns:a="http://schemas.openxmlformats.org/drawingml/2006/main" xmlns:r="http://schemas.openxmlformats.org/officeDocument/2006/relationships" xmlns:p="http://schemas.openxmlformats.org/presentationml/2006/main">
+  <p:cSld>
+    <p:spTree>
+      <p:nvGrpSpPr>
+        <p:cNvPr id="1" name=""/>
+        <p:cNvGrpSpPr/>
+        <p:nvPr/>
+      </p:nvGrpSpPr>
+      <p:grpSpPr>
+        <a:xfrm>
+          <a:off x="0" y="0"/>
+          <a:ext cx="0" cy="0"/>
+          <a:chOff x="0" y="0"/>
+          <a:chExt cx="0" cy="0"/>
+        </a:xfrm>
+      </p:grpSpPr>
       <p:sp>
         <p:nvSpPr>
           <p:cNvPr id="2" name="Title 1"/>
@@ -11165,7 +10851,7 @@
             <a:fld id="{91974DF9-AD47-4691-BA21-BBFCE3637A9A}" type="slidenum">
               <a:rPr kumimoji="0" lang="en-US" smtClean="0"/>
               <a:pPr/>
-              <a:t>21</a:t>
+              <a:t>20</a:t>
             </a:fld>
             <a:endParaRPr kumimoji="0" lang="en-US"/>
           </a:p>
@@ -11830,6 +11516,128 @@
 </p:sld>
 </file>
 
+<file path=ppt/slides/slide21.xml><?xml version="1.0" encoding="utf-8"?>
+<p:sld xmlns:a="http://schemas.openxmlformats.org/drawingml/2006/main" xmlns:r="http://schemas.openxmlformats.org/officeDocument/2006/relationships" xmlns:p="http://schemas.openxmlformats.org/presentationml/2006/main">
+  <p:cSld>
+    <p:spTree>
+      <p:nvGrpSpPr>
+        <p:cNvPr id="1" name=""/>
+        <p:cNvGrpSpPr/>
+        <p:nvPr/>
+      </p:nvGrpSpPr>
+      <p:grpSpPr>
+        <a:xfrm>
+          <a:off x="0" y="0"/>
+          <a:ext cx="0" cy="0"/>
+          <a:chOff x="0" y="0"/>
+          <a:chExt cx="0" cy="0"/>
+        </a:xfrm>
+      </p:grpSpPr>
+      <p:sp>
+        <p:nvSpPr>
+          <p:cNvPr id="5" name="Title 4"/>
+          <p:cNvSpPr>
+            <a:spLocks noGrp="1"/>
+          </p:cNvSpPr>
+          <p:nvPr>
+            <p:ph type="title"/>
+          </p:nvPr>
+        </p:nvSpPr>
+        <p:spPr/>
+        <p:txBody>
+          <a:bodyPr/>
+          <a:lstStyle/>
+          <a:p>
+            <a:r>
+              <a:rPr lang="en-US" altLang="zh-TW" dirty="0" smtClean="0"/>
+              <a:t>ZK </a:t>
+            </a:r>
+            <a:r>
+              <a:rPr lang="zh-TW" altLang="en-US" dirty="0" smtClean="0"/>
+              <a:t>的</a:t>
+            </a:r>
+            <a:r>
+              <a:rPr lang="en-US" altLang="zh-TW" dirty="0" smtClean="0"/>
+              <a:t>MVVM </a:t>
+            </a:r>
+            <a:r>
+              <a:rPr lang="zh-TW" altLang="en-US" dirty="0" smtClean="0"/>
+              <a:t>實現</a:t>
+            </a:r>
+            <a:endParaRPr lang="zh-TW" altLang="en-US" dirty="0"/>
+          </a:p>
+        </p:txBody>
+      </p:sp>
+      <p:sp>
+        <p:nvSpPr>
+          <p:cNvPr id="6" name="Text Placeholder 5"/>
+          <p:cNvSpPr>
+            <a:spLocks noGrp="1"/>
+          </p:cNvSpPr>
+          <p:nvPr>
+            <p:ph type="body" idx="1"/>
+          </p:nvPr>
+        </p:nvSpPr>
+        <p:spPr/>
+        <p:txBody>
+          <a:bodyPr/>
+          <a:lstStyle/>
+          <a:p>
+            <a:r>
+              <a:rPr lang="zh-TW" altLang="en-US" dirty="0" smtClean="0"/>
+              <a:t>更高的</a:t>
+            </a:r>
+            <a:r>
+              <a:rPr lang="en-US" altLang="zh-TW" dirty="0" smtClean="0"/>
+              <a:t>View Model </a:t>
+            </a:r>
+            <a:r>
+              <a:rPr lang="zh-TW" altLang="en-US" dirty="0" smtClean="0"/>
+              <a:t>分離、更少的程式碼。</a:t>
+            </a:r>
+            <a:endParaRPr lang="zh-TW" altLang="en-US" dirty="0"/>
+          </a:p>
+        </p:txBody>
+      </p:sp>
+      <p:sp>
+        <p:nvSpPr>
+          <p:cNvPr id="4" name="Slide Number Placeholder 3"/>
+          <p:cNvSpPr>
+            <a:spLocks noGrp="1"/>
+          </p:cNvSpPr>
+          <p:nvPr>
+            <p:ph type="sldNum" sz="quarter" idx="12"/>
+          </p:nvPr>
+        </p:nvSpPr>
+        <p:spPr/>
+        <p:txBody>
+          <a:bodyPr/>
+          <a:lstStyle/>
+          <a:p>
+            <a:fld id="{91974DF9-AD47-4691-BA21-BBFCE3637A9A}" type="slidenum">
+              <a:rPr kumimoji="0" lang="en-US" smtClean="0"/>
+              <a:pPr/>
+              <a:t>21</a:t>
+            </a:fld>
+            <a:endParaRPr kumimoji="0" lang="en-US"/>
+          </a:p>
+        </p:txBody>
+      </p:sp>
+    </p:spTree>
+  </p:cSld>
+  <p:clrMapOvr>
+    <a:masterClrMapping/>
+  </p:clrMapOvr>
+  <p:timing>
+    <p:tnLst>
+      <p:par>
+        <p:cTn id="1" dur="indefinite" restart="never" nodeType="tmRoot"/>
+      </p:par>
+    </p:tnLst>
+  </p:timing>
+</p:sld>
+</file>
+
 <file path=ppt/slides/slide22.xml><?xml version="1.0" encoding="utf-8"?>
 <p:sld xmlns:a="http://schemas.openxmlformats.org/drawingml/2006/main" xmlns:r="http://schemas.openxmlformats.org/officeDocument/2006/relationships" xmlns:p="http://schemas.openxmlformats.org/presentationml/2006/main">
   <p:cSld>
@@ -11849,7 +11657,7 @@
       </p:grpSpPr>
       <p:sp>
         <p:nvSpPr>
-          <p:cNvPr id="5" name="Title 4"/>
+          <p:cNvPr id="2" name="Title 1"/>
           <p:cNvSpPr>
             <a:spLocks noGrp="1"/>
           </p:cNvSpPr>
@@ -11857,26 +11665,25 @@
             <p:ph type="title"/>
           </p:nvPr>
         </p:nvSpPr>
-        <p:spPr/>
-        <p:txBody>
-          <a:bodyPr/>
-          <a:lstStyle/>
-          <a:p>
+        <p:spPr>
+          <a:xfrm>
+            <a:off x="457200" y="789885"/>
+            <a:ext cx="8229600" cy="1143000"/>
+          </a:xfrm>
+        </p:spPr>
+        <p:txBody>
+          <a:bodyPr>
+            <a:normAutofit/>
+          </a:bodyPr>
+          <a:lstStyle/>
+          <a:p>
+            <a:r>
+              <a:rPr lang="zh-TW" altLang="en-US" dirty="0" smtClean="0"/>
+              <a:t>宣告 </a:t>
+            </a:r>
             <a:r>
               <a:rPr lang="en-US" altLang="zh-TW" dirty="0" smtClean="0"/>
-              <a:t>ZK </a:t>
-            </a:r>
-            <a:r>
-              <a:rPr lang="zh-TW" altLang="en-US" dirty="0" smtClean="0"/>
-              <a:t>的</a:t>
-            </a:r>
-            <a:r>
-              <a:rPr lang="en-US" altLang="zh-TW" dirty="0" smtClean="0"/>
-              <a:t>MVVM </a:t>
-            </a:r>
-            <a:r>
-              <a:rPr lang="zh-TW" altLang="en-US" dirty="0" smtClean="0"/>
-              <a:t>實現</a:t>
+              <a:t>Binder &amp; VM</a:t>
             </a:r>
             <a:endParaRPr lang="zh-TW" altLang="en-US" dirty="0"/>
           </a:p>
@@ -11884,32 +11691,95 @@
       </p:sp>
       <p:sp>
         <p:nvSpPr>
-          <p:cNvPr id="6" name="Text Placeholder 5"/>
-          <p:cNvSpPr>
-            <a:spLocks noGrp="1"/>
-          </p:cNvSpPr>
-          <p:nvPr>
-            <p:ph type="body" idx="1"/>
-          </p:nvPr>
-        </p:nvSpPr>
-        <p:spPr/>
-        <p:txBody>
-          <a:bodyPr/>
-          <a:lstStyle/>
-          <a:p>
-            <a:r>
-              <a:rPr lang="zh-TW" altLang="en-US" dirty="0" smtClean="0"/>
-              <a:t>更高的</a:t>
-            </a:r>
-            <a:r>
-              <a:rPr lang="en-US" altLang="zh-TW" dirty="0" smtClean="0"/>
-              <a:t>View Model </a:t>
-            </a:r>
-            <a:r>
-              <a:rPr lang="zh-TW" altLang="en-US" dirty="0" smtClean="0"/>
-              <a:t>分離、更少的程式碼。</a:t>
-            </a:r>
-            <a:endParaRPr lang="zh-TW" altLang="en-US" dirty="0"/>
+          <p:cNvPr id="3" name="Content Placeholder 2"/>
+          <p:cNvSpPr>
+            <a:spLocks noGrp="1"/>
+          </p:cNvSpPr>
+          <p:nvPr>
+            <p:ph idx="1"/>
+          </p:nvPr>
+        </p:nvSpPr>
+        <p:spPr>
+          <a:xfrm>
+            <a:off x="457200" y="1821548"/>
+            <a:ext cx="8229600" cy="4057877"/>
+          </a:xfrm>
+        </p:spPr>
+        <p:txBody>
+          <a:bodyPr>
+            <a:normAutofit/>
+          </a:bodyPr>
+          <a:lstStyle/>
+          <a:p>
+            <a:pPr>
+              <a:buNone/>
+            </a:pPr>
+            <a:r>
+              <a:rPr lang="en-US" altLang="zh-TW" sz="2800" dirty="0" smtClean="0"/>
+              <a:t>Binder declaration: </a:t>
+            </a:r>
+            <a:r>
+              <a:rPr lang="en-US" altLang="zh-TW" sz="2000" i="1" dirty="0" smtClean="0"/>
+              <a:t>apply=“</a:t>
+            </a:r>
+            <a:r>
+              <a:rPr lang="en-US" altLang="zh-TW" sz="2000" i="1" dirty="0" err="1" smtClean="0"/>
+              <a:t>org.zkoss.bind.BinderComposer</a:t>
+            </a:r>
+            <a:r>
+              <a:rPr lang="en-US" altLang="zh-TW" sz="2000" i="1" dirty="0" smtClean="0"/>
+              <a:t>”</a:t>
+            </a:r>
+          </a:p>
+          <a:p>
+            <a:pPr>
+              <a:buNone/>
+            </a:pPr>
+            <a:r>
+              <a:rPr lang="en-US" altLang="zh-TW" sz="2800" dirty="0" smtClean="0"/>
+              <a:t>VM declaration:  </a:t>
+            </a:r>
+            <a:r>
+              <a:rPr lang="en-US" altLang="zh-TW" sz="2000" dirty="0" err="1" smtClean="0"/>
+              <a:t>viewModel</a:t>
+            </a:r>
+            <a:r>
+              <a:rPr lang="en-US" altLang="zh-TW" sz="2000" dirty="0" smtClean="0"/>
+              <a:t>=“@id(‘</a:t>
+            </a:r>
+            <a:r>
+              <a:rPr lang="en-US" altLang="zh-TW" sz="2000" dirty="0" err="1" smtClean="0"/>
+              <a:t>vm</a:t>
+            </a:r>
+            <a:r>
+              <a:rPr lang="en-US" altLang="zh-TW" sz="2000" dirty="0" smtClean="0"/>
+              <a:t>’) @init(‘</a:t>
+            </a:r>
+            <a:r>
+              <a:rPr lang="en-US" altLang="zh-TW" sz="2000" dirty="0" err="1" smtClean="0"/>
+              <a:t>a.b.cVM</a:t>
+            </a:r>
+            <a:r>
+              <a:rPr lang="en-US" altLang="zh-TW" sz="2000" dirty="0" smtClean="0"/>
+              <a:t>’)”</a:t>
+            </a:r>
+            <a:endParaRPr lang="en-US" altLang="zh-TW" sz="2000" i="1" dirty="0" smtClean="0"/>
+          </a:p>
+          <a:p>
+            <a:pPr>
+              <a:buNone/>
+            </a:pPr>
+            <a:endParaRPr lang="en-US" altLang="zh-TW" sz="2000" b="1" i="1" dirty="0" smtClean="0">
+              <a:solidFill>
+                <a:srgbClr val="FF0000"/>
+              </a:solidFill>
+            </a:endParaRPr>
+          </a:p>
+          <a:p>
+            <a:pPr>
+              <a:buNone/>
+            </a:pPr>
+            <a:endParaRPr lang="en-US" altLang="zh-TW" sz="2800" dirty="0" smtClean="0"/>
           </a:p>
         </p:txBody>
       </p:sp>
@@ -11934,6 +11804,68 @@
               <a:t>22</a:t>
             </a:fld>
             <a:endParaRPr kumimoji="0" lang="en-US"/>
+          </a:p>
+        </p:txBody>
+      </p:sp>
+      <p:pic>
+        <p:nvPicPr>
+          <p:cNvPr id="1026" name="Picture 2"/>
+          <p:cNvPicPr>
+            <a:picLocks noChangeAspect="1" noChangeArrowheads="1"/>
+          </p:cNvPicPr>
+          <p:nvPr/>
+        </p:nvPicPr>
+        <p:blipFill>
+          <a:blip r:embed="rId2" cstate="print"/>
+          <a:srcRect/>
+          <a:stretch>
+            <a:fillRect/>
+          </a:stretch>
+        </p:blipFill>
+        <p:spPr bwMode="auto">
+          <a:xfrm>
+            <a:off x="1125118" y="3681963"/>
+            <a:ext cx="6259093" cy="947785"/>
+          </a:xfrm>
+          <a:prstGeom prst="rect">
+            <a:avLst/>
+          </a:prstGeom>
+          <a:noFill/>
+          <a:ln w="9525">
+            <a:noFill/>
+            <a:miter lim="800000"/>
+            <a:headEnd/>
+            <a:tailEnd/>
+          </a:ln>
+        </p:spPr>
+      </p:pic>
+      <p:sp>
+        <p:nvSpPr>
+          <p:cNvPr id="6" name="TextBox 5"/>
+          <p:cNvSpPr txBox="1"/>
+          <p:nvPr/>
+        </p:nvSpPr>
+        <p:spPr>
+          <a:xfrm>
+            <a:off x="1125118" y="4934309"/>
+            <a:ext cx="1864613" cy="369332"/>
+          </a:xfrm>
+          <a:prstGeom prst="rect">
+            <a:avLst/>
+          </a:prstGeom>
+          <a:noFill/>
+        </p:spPr>
+        <p:txBody>
+          <a:bodyPr wrap="none" rtlCol="0">
+            <a:spAutoFit/>
+          </a:bodyPr>
+          <a:lstStyle/>
+          <a:p>
+            <a:r>
+              <a:rPr lang="en-US" altLang="zh-TW" dirty="0" smtClean="0"/>
+              <a:t>Mvvm_demo.zul</a:t>
+            </a:r>
+            <a:endParaRPr lang="zh-TW" altLang="en-US" dirty="0"/>
           </a:p>
         </p:txBody>
       </p:sp>
@@ -11969,165 +11901,9 @@
           <a:chExt cx="0" cy="0"/>
         </a:xfrm>
       </p:grpSpPr>
-      <p:sp>
-        <p:nvSpPr>
-          <p:cNvPr id="2" name="Title 1"/>
-          <p:cNvSpPr>
-            <a:spLocks noGrp="1"/>
-          </p:cNvSpPr>
-          <p:nvPr>
-            <p:ph type="title"/>
-          </p:nvPr>
-        </p:nvSpPr>
-        <p:spPr>
-          <a:xfrm>
-            <a:off x="457200" y="789885"/>
-            <a:ext cx="8229600" cy="1143000"/>
-          </a:xfrm>
-        </p:spPr>
-        <p:txBody>
-          <a:bodyPr>
-            <a:normAutofit/>
-          </a:bodyPr>
-          <a:lstStyle/>
-          <a:p>
-            <a:r>
-              <a:rPr lang="zh-TW" altLang="en-US" dirty="0" smtClean="0"/>
-              <a:t>宣告 </a:t>
-            </a:r>
-            <a:r>
-              <a:rPr lang="en-US" altLang="zh-TW" dirty="0" smtClean="0"/>
-              <a:t>Binder &amp; VM</a:t>
-            </a:r>
-            <a:endParaRPr lang="zh-TW" altLang="en-US" dirty="0"/>
-          </a:p>
-        </p:txBody>
-      </p:sp>
-      <p:sp>
-        <p:nvSpPr>
-          <p:cNvPr id="3" name="Content Placeholder 2"/>
-          <p:cNvSpPr>
-            <a:spLocks noGrp="1"/>
-          </p:cNvSpPr>
-          <p:nvPr>
-            <p:ph idx="1"/>
-          </p:nvPr>
-        </p:nvSpPr>
-        <p:spPr>
-          <a:xfrm>
-            <a:off x="457200" y="1821548"/>
-            <a:ext cx="8229600" cy="4057877"/>
-          </a:xfrm>
-        </p:spPr>
-        <p:txBody>
-          <a:bodyPr>
-            <a:normAutofit/>
-          </a:bodyPr>
-          <a:lstStyle/>
-          <a:p>
-            <a:pPr>
-              <a:buNone/>
-            </a:pPr>
-            <a:r>
-              <a:rPr lang="en-US" altLang="zh-TW" sz="2800" dirty="0" smtClean="0"/>
-              <a:t>Binder declaration: </a:t>
-            </a:r>
-            <a:r>
-              <a:rPr lang="en-US" altLang="zh-TW" sz="2000" i="1" dirty="0" smtClean="0"/>
-              <a:t>apply=“</a:t>
-            </a:r>
-            <a:r>
-              <a:rPr lang="en-US" altLang="zh-TW" sz="2000" i="1" dirty="0" err="1" smtClean="0"/>
-              <a:t>org.zkoss.bind.BinderComposer</a:t>
-            </a:r>
-            <a:r>
-              <a:rPr lang="en-US" altLang="zh-TW" sz="2000" i="1" dirty="0" smtClean="0"/>
-              <a:t>”</a:t>
-            </a:r>
-          </a:p>
-          <a:p>
-            <a:pPr>
-              <a:buNone/>
-            </a:pPr>
-            <a:r>
-              <a:rPr lang="en-US" altLang="zh-TW" sz="2800" dirty="0" smtClean="0"/>
-              <a:t>VM declaration:  </a:t>
-            </a:r>
-            <a:r>
-              <a:rPr lang="en-US" altLang="zh-TW" sz="2000" dirty="0" err="1" smtClean="0"/>
-              <a:t>viewModel</a:t>
-            </a:r>
-            <a:r>
-              <a:rPr lang="en-US" altLang="zh-TW" sz="2000" dirty="0" smtClean="0"/>
-              <a:t>=“@id(‘</a:t>
-            </a:r>
-            <a:r>
-              <a:rPr lang="en-US" altLang="zh-TW" sz="2000" dirty="0" err="1" smtClean="0"/>
-              <a:t>vm</a:t>
-            </a:r>
-            <a:r>
-              <a:rPr lang="en-US" altLang="zh-TW" sz="2000" dirty="0" smtClean="0"/>
-              <a:t>’) @init</a:t>
-            </a:r>
-            <a:r>
-              <a:rPr lang="en-US" altLang="zh-TW" sz="2000" dirty="0" smtClean="0"/>
-              <a:t>(‘</a:t>
-            </a:r>
-            <a:r>
-              <a:rPr lang="en-US" altLang="zh-TW" sz="2000" dirty="0" err="1" smtClean="0"/>
-              <a:t>a.b.cVM</a:t>
-            </a:r>
-            <a:r>
-              <a:rPr lang="en-US" altLang="zh-TW" sz="2000" dirty="0" smtClean="0"/>
-              <a:t>’)”</a:t>
-            </a:r>
-            <a:endParaRPr lang="en-US" altLang="zh-TW" sz="2000" i="1" dirty="0" smtClean="0"/>
-          </a:p>
-          <a:p>
-            <a:pPr>
-              <a:buNone/>
-            </a:pPr>
-            <a:endParaRPr lang="en-US" altLang="zh-TW" sz="2000" b="1" i="1" dirty="0" smtClean="0">
-              <a:solidFill>
-                <a:srgbClr val="FF0000"/>
-              </a:solidFill>
-            </a:endParaRPr>
-          </a:p>
-          <a:p>
-            <a:pPr>
-              <a:buNone/>
-            </a:pPr>
-            <a:endParaRPr lang="en-US" altLang="zh-TW" sz="2800" dirty="0" smtClean="0"/>
-          </a:p>
-        </p:txBody>
-      </p:sp>
-      <p:sp>
-        <p:nvSpPr>
-          <p:cNvPr id="4" name="Slide Number Placeholder 3"/>
-          <p:cNvSpPr>
-            <a:spLocks noGrp="1"/>
-          </p:cNvSpPr>
-          <p:nvPr>
-            <p:ph type="sldNum" sz="quarter" idx="12"/>
-          </p:nvPr>
-        </p:nvSpPr>
-        <p:spPr/>
-        <p:txBody>
-          <a:bodyPr/>
-          <a:lstStyle/>
-          <a:p>
-            <a:fld id="{91974DF9-AD47-4691-BA21-BBFCE3637A9A}" type="slidenum">
-              <a:rPr kumimoji="0" lang="en-US" smtClean="0"/>
-              <a:pPr/>
-              <a:t>23</a:t>
-            </a:fld>
-            <a:endParaRPr kumimoji="0" lang="en-US"/>
-          </a:p>
-        </p:txBody>
-      </p:sp>
       <p:pic>
         <p:nvPicPr>
-          <p:cNvPr id="1026" name="Picture 2"/>
+          <p:cNvPr id="2053" name="Picture 5"/>
           <p:cNvPicPr>
             <a:picLocks noChangeAspect="1" noChangeArrowheads="1"/>
           </p:cNvPicPr>
@@ -12142,8 +11918,8 @@
         </p:blipFill>
         <p:spPr bwMode="auto">
           <a:xfrm>
-            <a:off x="1125118" y="3681963"/>
-            <a:ext cx="6259093" cy="947785"/>
+            <a:off x="2053178" y="2584567"/>
+            <a:ext cx="4294187" cy="2844800"/>
           </a:xfrm>
           <a:prstGeom prst="rect">
             <a:avLst/>
@@ -12159,14 +11935,112 @@
       </p:pic>
       <p:sp>
         <p:nvSpPr>
+          <p:cNvPr id="2" name="Title 1"/>
+          <p:cNvSpPr>
+            <a:spLocks noGrp="1"/>
+          </p:cNvSpPr>
+          <p:nvPr>
+            <p:ph type="title"/>
+          </p:nvPr>
+        </p:nvSpPr>
+        <p:spPr>
+          <a:xfrm>
+            <a:off x="457200" y="789885"/>
+            <a:ext cx="8229600" cy="1143000"/>
+          </a:xfrm>
+        </p:spPr>
+        <p:txBody>
+          <a:bodyPr>
+            <a:normAutofit/>
+          </a:bodyPr>
+          <a:lstStyle/>
+          <a:p>
+            <a:r>
+              <a:rPr lang="en-US" altLang="zh-TW" dirty="0" smtClean="0"/>
+              <a:t>VM Initialization: @Init</a:t>
+            </a:r>
+            <a:endParaRPr lang="zh-TW" altLang="en-US" dirty="0"/>
+          </a:p>
+        </p:txBody>
+      </p:sp>
+      <p:sp>
+        <p:nvSpPr>
+          <p:cNvPr id="3" name="Content Placeholder 2"/>
+          <p:cNvSpPr>
+            <a:spLocks noGrp="1"/>
+          </p:cNvSpPr>
+          <p:nvPr>
+            <p:ph idx="1"/>
+          </p:nvPr>
+        </p:nvSpPr>
+        <p:spPr>
+          <a:xfrm>
+            <a:off x="457200" y="1821548"/>
+            <a:ext cx="8229600" cy="4057877"/>
+          </a:xfrm>
+        </p:spPr>
+        <p:txBody>
+          <a:bodyPr>
+            <a:normAutofit/>
+          </a:bodyPr>
+          <a:lstStyle/>
+          <a:p>
+            <a:pPr>
+              <a:buNone/>
+            </a:pPr>
+            <a:r>
+              <a:rPr lang="en-US" altLang="zh-TW" sz="2800" dirty="0" smtClean="0"/>
+              <a:t>Tag </a:t>
+            </a:r>
+            <a:r>
+              <a:rPr lang="en-US" altLang="zh-TW" sz="2800" b="1" dirty="0" smtClean="0">
+                <a:solidFill>
+                  <a:srgbClr val="0070C0"/>
+                </a:solidFill>
+              </a:rPr>
+              <a:t>@Init</a:t>
+            </a:r>
+            <a:r>
+              <a:rPr lang="en-US" altLang="zh-TW" sz="2800" dirty="0" smtClean="0"/>
+              <a:t> to the VM’s initial method</a:t>
+            </a:r>
+          </a:p>
+        </p:txBody>
+      </p:sp>
+      <p:sp>
+        <p:nvSpPr>
+          <p:cNvPr id="4" name="Slide Number Placeholder 3"/>
+          <p:cNvSpPr>
+            <a:spLocks noGrp="1"/>
+          </p:cNvSpPr>
+          <p:nvPr>
+            <p:ph type="sldNum" sz="quarter" idx="12"/>
+          </p:nvPr>
+        </p:nvSpPr>
+        <p:spPr/>
+        <p:txBody>
+          <a:bodyPr/>
+          <a:lstStyle/>
+          <a:p>
+            <a:fld id="{91974DF9-AD47-4691-BA21-BBFCE3637A9A}" type="slidenum">
+              <a:rPr kumimoji="0" lang="en-US" smtClean="0"/>
+              <a:pPr/>
+              <a:t>23</a:t>
+            </a:fld>
+            <a:endParaRPr kumimoji="0" lang="en-US"/>
+          </a:p>
+        </p:txBody>
+      </p:sp>
+      <p:sp>
+        <p:nvSpPr>
           <p:cNvPr id="6" name="TextBox 5"/>
           <p:cNvSpPr txBox="1"/>
           <p:nvPr/>
         </p:nvSpPr>
         <p:spPr>
           <a:xfrm>
-            <a:off x="1125118" y="4934309"/>
-            <a:ext cx="1864613" cy="369332"/>
+            <a:off x="1826494" y="5510093"/>
+            <a:ext cx="1505540" cy="369332"/>
           </a:xfrm>
           <a:prstGeom prst="rect">
             <a:avLst/>
@@ -12181,9 +12055,57 @@
           <a:p>
             <a:r>
               <a:rPr lang="en-US" altLang="zh-TW" dirty="0" smtClean="0"/>
-              <a:t>Mvvm_demo.zul</a:t>
+              <a:t>UserVM.java</a:t>
             </a:r>
             <a:endParaRPr lang="zh-TW" altLang="en-US" dirty="0"/>
+          </a:p>
+        </p:txBody>
+      </p:sp>
+      <p:sp>
+        <p:nvSpPr>
+          <p:cNvPr id="9" name="Rectangle 8"/>
+          <p:cNvSpPr/>
+          <p:nvPr/>
+        </p:nvSpPr>
+        <p:spPr>
+          <a:xfrm>
+            <a:off x="2395263" y="3605843"/>
+            <a:ext cx="718870" cy="297612"/>
+          </a:xfrm>
+          <a:prstGeom prst="rect">
+            <a:avLst/>
+          </a:prstGeom>
+          <a:noFill/>
+          <a:ln w="15875">
+            <a:solidFill>
+              <a:srgbClr val="FF0000">
+                <a:alpha val="52000"/>
+              </a:srgbClr>
+            </a:solidFill>
+          </a:ln>
+        </p:spPr>
+        <p:style>
+          <a:lnRef idx="2">
+            <a:schemeClr val="accent1">
+              <a:shade val="50000"/>
+            </a:schemeClr>
+          </a:lnRef>
+          <a:fillRef idx="1">
+            <a:schemeClr val="accent1"/>
+          </a:fillRef>
+          <a:effectRef idx="0">
+            <a:schemeClr val="accent1"/>
+          </a:effectRef>
+          <a:fontRef idx="minor">
+            <a:schemeClr val="lt1"/>
+          </a:fontRef>
+        </p:style>
+        <p:txBody>
+          <a:bodyPr rtlCol="0" anchor="ctr"/>
+          <a:lstStyle/>
+          <a:p>
+            <a:pPr algn="ctr"/>
+            <a:endParaRPr lang="zh-TW" altLang="en-US"/>
           </a:p>
         </p:txBody>
       </p:sp>
@@ -12221,7 +12143,7 @@
       </p:grpSpPr>
       <p:pic>
         <p:nvPicPr>
-          <p:cNvPr id="2053" name="Picture 5"/>
+          <p:cNvPr id="3076" name="Picture 4"/>
           <p:cNvPicPr>
             <a:picLocks noChangeAspect="1" noChangeArrowheads="1"/>
           </p:cNvPicPr>
@@ -12236,8 +12158,8 @@
         </p:blipFill>
         <p:spPr bwMode="auto">
           <a:xfrm>
-            <a:off x="2053178" y="2584567"/>
-            <a:ext cx="4294187" cy="2844800"/>
+            <a:off x="1872855" y="2452688"/>
+            <a:ext cx="4529525" cy="4091331"/>
           </a:xfrm>
           <a:prstGeom prst="rect">
             <a:avLst/>
@@ -12275,7 +12197,7 @@
           <a:p>
             <a:r>
               <a:rPr lang="en-US" altLang="zh-TW" dirty="0" smtClean="0"/>
-              <a:t>VM Initialization: @Init</a:t>
+              <a:t>Wire Context Variables</a:t>
             </a:r>
             <a:endParaRPr lang="zh-TW" altLang="en-US" dirty="0"/>
           </a:p>
@@ -12307,24 +12229,16 @@
               <a:buNone/>
             </a:pPr>
             <a:r>
+              <a:rPr lang="zh-TW" altLang="en-US" sz="2800" dirty="0" smtClean="0"/>
+              <a:t>基本上，跟</a:t>
+            </a:r>
+            <a:r>
               <a:rPr lang="en-US" altLang="zh-TW" sz="2800" dirty="0" smtClean="0"/>
-              <a:t>Tag </a:t>
-            </a:r>
-            <a:r>
-              <a:rPr lang="en-US" altLang="zh-TW" sz="2800" b="1" dirty="0" smtClean="0">
-                <a:solidFill>
-                  <a:srgbClr val="0070C0"/>
-                </a:solidFill>
-              </a:rPr>
-              <a:t>@Init</a:t>
-            </a:r>
-            <a:r>
-              <a:rPr lang="en-US" altLang="zh-TW" sz="2800" dirty="0" smtClean="0"/>
-              <a:t> to the VM’s initial </a:t>
-            </a:r>
-            <a:r>
-              <a:rPr lang="en-US" altLang="zh-TW" sz="2800" dirty="0" smtClean="0"/>
-              <a:t>method</a:t>
+              <a:t>MVC</a:t>
+            </a:r>
+            <a:r>
+              <a:rPr lang="zh-TW" altLang="en-US" sz="2800" dirty="0" smtClean="0"/>
+              <a:t>一樣。</a:t>
             </a:r>
             <a:endParaRPr lang="en-US" altLang="zh-TW" sz="2800" dirty="0" smtClean="0"/>
           </a:p>
@@ -12356,44 +12270,62 @@
       </p:sp>
       <p:sp>
         <p:nvSpPr>
-          <p:cNvPr id="6" name="TextBox 5"/>
-          <p:cNvSpPr txBox="1"/>
+          <p:cNvPr id="7" name="Rectangle 6"/>
+          <p:cNvSpPr/>
           <p:nvPr/>
         </p:nvSpPr>
         <p:spPr>
           <a:xfrm>
-            <a:off x="1826494" y="5510093"/>
-            <a:ext cx="1505540" cy="369332"/>
+            <a:off x="1830630" y="2405878"/>
+            <a:ext cx="4582767" cy="297612"/>
           </a:xfrm>
           <a:prstGeom prst="rect">
             <a:avLst/>
           </a:prstGeom>
           <a:noFill/>
+          <a:ln w="15875">
+            <a:solidFill>
+              <a:srgbClr val="FF0000">
+                <a:alpha val="52000"/>
+              </a:srgbClr>
+            </a:solidFill>
+          </a:ln>
         </p:spPr>
-        <p:txBody>
-          <a:bodyPr wrap="none" rtlCol="0">
-            <a:spAutoFit/>
-          </a:bodyPr>
-          <a:lstStyle/>
-          <a:p>
-            <a:r>
-              <a:rPr lang="en-US" altLang="zh-TW" dirty="0" smtClean="0"/>
-              <a:t>UserVM.java</a:t>
-            </a:r>
-            <a:endParaRPr lang="zh-TW" altLang="en-US" dirty="0"/>
-          </a:p>
-        </p:txBody>
-      </p:sp>
-      <p:sp>
-        <p:nvSpPr>
-          <p:cNvPr id="9" name="Rectangle 8"/>
+        <p:style>
+          <a:lnRef idx="2">
+            <a:schemeClr val="accent1">
+              <a:shade val="50000"/>
+            </a:schemeClr>
+          </a:lnRef>
+          <a:fillRef idx="1">
+            <a:schemeClr val="accent1"/>
+          </a:fillRef>
+          <a:effectRef idx="0">
+            <a:schemeClr val="accent1"/>
+          </a:effectRef>
+          <a:fontRef idx="minor">
+            <a:schemeClr val="lt1"/>
+          </a:fontRef>
+        </p:style>
+        <p:txBody>
+          <a:bodyPr rtlCol="0" anchor="ctr"/>
+          <a:lstStyle/>
+          <a:p>
+            <a:pPr algn="ctr"/>
+            <a:endParaRPr lang="zh-TW" altLang="en-US"/>
+          </a:p>
+        </p:txBody>
+      </p:sp>
+      <p:sp>
+        <p:nvSpPr>
+          <p:cNvPr id="8" name="Rectangle 7"/>
           <p:cNvSpPr/>
           <p:nvPr/>
         </p:nvSpPr>
         <p:spPr>
           <a:xfrm>
-            <a:off x="2395263" y="3605843"/>
-            <a:ext cx="718870" cy="297612"/>
+            <a:off x="2214387" y="3081662"/>
+            <a:ext cx="2599983" cy="432000"/>
           </a:xfrm>
           <a:prstGeom prst="rect">
             <a:avLst/>
@@ -12464,41 +12396,9 @@
           <a:chExt cx="0" cy="0"/>
         </a:xfrm>
       </p:grpSpPr>
-      <p:pic>
-        <p:nvPicPr>
-          <p:cNvPr id="3076" name="Picture 4"/>
-          <p:cNvPicPr>
-            <a:picLocks noChangeAspect="1" noChangeArrowheads="1"/>
-          </p:cNvPicPr>
-          <p:nvPr/>
-        </p:nvPicPr>
-        <p:blipFill>
-          <a:blip r:embed="rId2" cstate="print"/>
-          <a:srcRect/>
-          <a:stretch>
-            <a:fillRect/>
-          </a:stretch>
-        </p:blipFill>
-        <p:spPr bwMode="auto">
-          <a:xfrm>
-            <a:off x="1872855" y="2452688"/>
-            <a:ext cx="4529525" cy="4091331"/>
-          </a:xfrm>
-          <a:prstGeom prst="rect">
-            <a:avLst/>
-          </a:prstGeom>
-          <a:noFill/>
-          <a:ln w="9525">
-            <a:noFill/>
-            <a:miter lim="800000"/>
-            <a:headEnd/>
-            <a:tailEnd/>
-          </a:ln>
-        </p:spPr>
-      </p:pic>
-      <p:sp>
-        <p:nvSpPr>
-          <p:cNvPr id="2" name="Title 1"/>
+      <p:sp>
+        <p:nvSpPr>
+          <p:cNvPr id="5" name="Title 4"/>
           <p:cNvSpPr>
             <a:spLocks noGrp="1"/>
           </p:cNvSpPr>
@@ -12506,21 +12406,14 @@
             <p:ph type="title"/>
           </p:nvPr>
         </p:nvSpPr>
-        <p:spPr>
-          <a:xfrm>
-            <a:off x="457200" y="789885"/>
-            <a:ext cx="8229600" cy="1143000"/>
-          </a:xfrm>
-        </p:spPr>
-        <p:txBody>
-          <a:bodyPr>
-            <a:normAutofit/>
-          </a:bodyPr>
+        <p:spPr/>
+        <p:txBody>
+          <a:bodyPr/>
           <a:lstStyle/>
           <a:p>
             <a:r>
               <a:rPr lang="en-US" altLang="zh-TW" dirty="0" smtClean="0"/>
-              <a:t>Wire Context Variables</a:t>
+              <a:t>ZK MVVM: Properties Binding</a:t>
             </a:r>
             <a:endParaRPr lang="zh-TW" altLang="en-US" dirty="0"/>
           </a:p>
@@ -12528,42 +12421,28 @@
       </p:sp>
       <p:sp>
         <p:nvSpPr>
-          <p:cNvPr id="3" name="Content Placeholder 2"/>
-          <p:cNvSpPr>
-            <a:spLocks noGrp="1"/>
-          </p:cNvSpPr>
-          <p:nvPr>
-            <p:ph idx="1"/>
-          </p:nvPr>
-        </p:nvSpPr>
-        <p:spPr>
-          <a:xfrm>
-            <a:off x="457200" y="1821548"/>
-            <a:ext cx="8229600" cy="4057877"/>
-          </a:xfrm>
-        </p:spPr>
-        <p:txBody>
-          <a:bodyPr>
-            <a:normAutofit/>
-          </a:bodyPr>
-          <a:lstStyle/>
-          <a:p>
-            <a:pPr>
-              <a:buNone/>
-            </a:pPr>
-            <a:r>
-              <a:rPr lang="zh-TW" altLang="en-US" sz="2800" dirty="0" smtClean="0"/>
-              <a:t>基本上，跟</a:t>
-            </a:r>
-            <a:r>
-              <a:rPr lang="en-US" altLang="zh-TW" sz="2800" dirty="0" smtClean="0"/>
-              <a:t>MVC</a:t>
-            </a:r>
-            <a:r>
-              <a:rPr lang="zh-TW" altLang="en-US" sz="2800" dirty="0" smtClean="0"/>
-              <a:t>一樣。</a:t>
-            </a:r>
-            <a:endParaRPr lang="en-US" altLang="zh-TW" sz="2800" dirty="0" smtClean="0"/>
+          <p:cNvPr id="6" name="Text Placeholder 5"/>
+          <p:cNvSpPr>
+            <a:spLocks noGrp="1"/>
+          </p:cNvSpPr>
+          <p:nvPr>
+            <p:ph type="body" idx="1"/>
+          </p:nvPr>
+        </p:nvSpPr>
+        <p:spPr/>
+        <p:txBody>
+          <a:bodyPr/>
+          <a:lstStyle/>
+          <a:p>
+            <a:r>
+              <a:rPr lang="zh-TW" altLang="en-US" dirty="0" smtClean="0"/>
+              <a:t>屬性綁定基本概念：</a:t>
+            </a:r>
+            <a:r>
+              <a:rPr lang="en-US" altLang="zh-TW" dirty="0" smtClean="0"/>
+              <a:t>Load &amp; Save, Simple &amp; Collection</a:t>
+            </a:r>
+            <a:endParaRPr lang="zh-TW" altLang="en-US" dirty="0"/>
           </a:p>
         </p:txBody>
       </p:sp>
@@ -12588,102 +12467,6 @@
               <a:t>25</a:t>
             </a:fld>
             <a:endParaRPr kumimoji="0" lang="en-US"/>
-          </a:p>
-        </p:txBody>
-      </p:sp>
-      <p:sp>
-        <p:nvSpPr>
-          <p:cNvPr id="7" name="Rectangle 6"/>
-          <p:cNvSpPr/>
-          <p:nvPr/>
-        </p:nvSpPr>
-        <p:spPr>
-          <a:xfrm>
-            <a:off x="1830630" y="2405878"/>
-            <a:ext cx="4582767" cy="297612"/>
-          </a:xfrm>
-          <a:prstGeom prst="rect">
-            <a:avLst/>
-          </a:prstGeom>
-          <a:noFill/>
-          <a:ln w="15875">
-            <a:solidFill>
-              <a:srgbClr val="FF0000">
-                <a:alpha val="52000"/>
-              </a:srgbClr>
-            </a:solidFill>
-          </a:ln>
-        </p:spPr>
-        <p:style>
-          <a:lnRef idx="2">
-            <a:schemeClr val="accent1">
-              <a:shade val="50000"/>
-            </a:schemeClr>
-          </a:lnRef>
-          <a:fillRef idx="1">
-            <a:schemeClr val="accent1"/>
-          </a:fillRef>
-          <a:effectRef idx="0">
-            <a:schemeClr val="accent1"/>
-          </a:effectRef>
-          <a:fontRef idx="minor">
-            <a:schemeClr val="lt1"/>
-          </a:fontRef>
-        </p:style>
-        <p:txBody>
-          <a:bodyPr rtlCol="0" anchor="ctr"/>
-          <a:lstStyle/>
-          <a:p>
-            <a:pPr algn="ctr"/>
-            <a:endParaRPr lang="zh-TW" altLang="en-US"/>
-          </a:p>
-        </p:txBody>
-      </p:sp>
-      <p:sp>
-        <p:nvSpPr>
-          <p:cNvPr id="8" name="Rectangle 7"/>
-          <p:cNvSpPr/>
-          <p:nvPr/>
-        </p:nvSpPr>
-        <p:spPr>
-          <a:xfrm>
-            <a:off x="2214387" y="3081662"/>
-            <a:ext cx="2599983" cy="432000"/>
-          </a:xfrm>
-          <a:prstGeom prst="rect">
-            <a:avLst/>
-          </a:prstGeom>
-          <a:noFill/>
-          <a:ln w="15875">
-            <a:solidFill>
-              <a:srgbClr val="FF0000">
-                <a:alpha val="52000"/>
-              </a:srgbClr>
-            </a:solidFill>
-          </a:ln>
-        </p:spPr>
-        <p:style>
-          <a:lnRef idx="2">
-            <a:schemeClr val="accent1">
-              <a:shade val="50000"/>
-            </a:schemeClr>
-          </a:lnRef>
-          <a:fillRef idx="1">
-            <a:schemeClr val="accent1"/>
-          </a:fillRef>
-          <a:effectRef idx="0">
-            <a:schemeClr val="accent1"/>
-          </a:effectRef>
-          <a:fontRef idx="minor">
-            <a:schemeClr val="lt1"/>
-          </a:fontRef>
-        </p:style>
-        <p:txBody>
-          <a:bodyPr rtlCol="0" anchor="ctr"/>
-          <a:lstStyle/>
-          <a:p>
-            <a:pPr algn="ctr"/>
-            <a:endParaRPr lang="zh-TW" altLang="en-US"/>
           </a:p>
         </p:txBody>
       </p:sp>
@@ -12721,7 +12504,7 @@
       </p:grpSpPr>
       <p:sp>
         <p:nvSpPr>
-          <p:cNvPr id="5" name="Title 4"/>
+          <p:cNvPr id="2" name="Title 1"/>
           <p:cNvSpPr>
             <a:spLocks noGrp="1"/>
           </p:cNvSpPr>
@@ -12729,14 +12512,21 @@
             <p:ph type="title"/>
           </p:nvPr>
         </p:nvSpPr>
-        <p:spPr/>
-        <p:txBody>
-          <a:bodyPr/>
+        <p:spPr>
+          <a:xfrm>
+            <a:off x="457200" y="789885"/>
+            <a:ext cx="8229600" cy="1143000"/>
+          </a:xfrm>
+        </p:spPr>
+        <p:txBody>
+          <a:bodyPr>
+            <a:normAutofit/>
+          </a:bodyPr>
           <a:lstStyle/>
           <a:p>
             <a:r>
               <a:rPr lang="en-US" altLang="zh-TW" dirty="0" smtClean="0"/>
-              <a:t>ZK MVVM: Properties Binding</a:t>
+              <a:t>@load</a:t>
             </a:r>
             <a:endParaRPr lang="zh-TW" altLang="en-US" dirty="0"/>
           </a:p>
@@ -12744,28 +12534,76 @@
       </p:sp>
       <p:sp>
         <p:nvSpPr>
-          <p:cNvPr id="6" name="Text Placeholder 5"/>
-          <p:cNvSpPr>
-            <a:spLocks noGrp="1"/>
-          </p:cNvSpPr>
-          <p:nvPr>
-            <p:ph type="body" idx="1"/>
-          </p:nvPr>
-        </p:nvSpPr>
-        <p:spPr/>
-        <p:txBody>
-          <a:bodyPr/>
-          <a:lstStyle/>
-          <a:p>
-            <a:r>
-              <a:rPr lang="zh-TW" altLang="en-US" dirty="0" smtClean="0"/>
-              <a:t>屬性綁定基本概念：</a:t>
-            </a:r>
-            <a:r>
-              <a:rPr lang="en-US" altLang="zh-TW" dirty="0" smtClean="0"/>
-              <a:t>Load &amp; Save, Simple &amp; Collection</a:t>
-            </a:r>
-            <a:endParaRPr lang="zh-TW" altLang="en-US" dirty="0"/>
+          <p:cNvPr id="3" name="Content Placeholder 2"/>
+          <p:cNvSpPr>
+            <a:spLocks noGrp="1"/>
+          </p:cNvSpPr>
+          <p:nvPr>
+            <p:ph idx="1"/>
+          </p:nvPr>
+        </p:nvSpPr>
+        <p:spPr>
+          <a:xfrm>
+            <a:off x="457200" y="4306284"/>
+            <a:ext cx="8229600" cy="1833781"/>
+          </a:xfrm>
+        </p:spPr>
+        <p:txBody>
+          <a:bodyPr>
+            <a:normAutofit/>
+          </a:bodyPr>
+          <a:lstStyle/>
+          <a:p>
+            <a:pPr>
+              <a:buNone/>
+            </a:pPr>
+            <a:r>
+              <a:rPr lang="en-US" altLang="zh-TW" sz="2800" dirty="0" smtClean="0"/>
+              <a:t>Annotation in </a:t>
+            </a:r>
+            <a:r>
+              <a:rPr lang="en-US" altLang="zh-TW" sz="2800" dirty="0" err="1" smtClean="0"/>
+              <a:t>Zul</a:t>
+            </a:r>
+            <a:r>
+              <a:rPr lang="en-US" altLang="zh-TW" sz="2800" dirty="0" smtClean="0"/>
+              <a:t>: </a:t>
+            </a:r>
+            <a:r>
+              <a:rPr lang="zh-TW" altLang="en-US" sz="2800" dirty="0" smtClean="0"/>
+              <a:t>屬性值的第一個字母為</a:t>
+            </a:r>
+            <a:r>
+              <a:rPr lang="en-US" altLang="zh-TW" sz="2800" dirty="0" smtClean="0"/>
+              <a:t>@</a:t>
+            </a:r>
+            <a:br>
+              <a:rPr lang="en-US" altLang="zh-TW" sz="2800" dirty="0" smtClean="0"/>
+            </a:br>
+            <a:r>
+              <a:rPr lang="en-US" altLang="zh-TW" sz="2800" dirty="0" smtClean="0">
+                <a:solidFill>
+                  <a:srgbClr val="FF0000"/>
+                </a:solidFill>
+              </a:rPr>
+              <a:t>@load</a:t>
+            </a:r>
+            <a:r>
+              <a:rPr lang="zh-TW" altLang="en-US" sz="2800" dirty="0" smtClean="0"/>
+              <a:t>：</a:t>
+            </a:r>
+            <a:r>
+              <a:rPr lang="en-US" altLang="zh-TW" sz="2800" dirty="0" smtClean="0"/>
+              <a:t>Bean</a:t>
+            </a:r>
+            <a:r>
+              <a:rPr lang="zh-TW" altLang="en-US" sz="2800" dirty="0" smtClean="0"/>
+              <a:t> </a:t>
+            </a:r>
+            <a:r>
+              <a:rPr lang="en-US" altLang="zh-TW" sz="2800" dirty="0" smtClean="0"/>
+              <a:t>getter -&gt; Component setter</a:t>
+            </a:r>
           </a:p>
         </p:txBody>
       </p:sp>
@@ -12793,6 +12631,38 @@
           </a:p>
         </p:txBody>
       </p:sp>
+      <p:pic>
+        <p:nvPicPr>
+          <p:cNvPr id="5122" name="Picture 2"/>
+          <p:cNvPicPr>
+            <a:picLocks noChangeAspect="1" noChangeArrowheads="1"/>
+          </p:cNvPicPr>
+          <p:nvPr/>
+        </p:nvPicPr>
+        <p:blipFill>
+          <a:blip r:embed="rId2" cstate="print"/>
+          <a:srcRect/>
+          <a:stretch>
+            <a:fillRect/>
+          </a:stretch>
+        </p:blipFill>
+        <p:spPr bwMode="auto">
+          <a:xfrm>
+            <a:off x="1051441" y="1932885"/>
+            <a:ext cx="6554787" cy="1981200"/>
+          </a:xfrm>
+          <a:prstGeom prst="rect">
+            <a:avLst/>
+          </a:prstGeom>
+          <a:noFill/>
+          <a:ln w="9525">
+            <a:noFill/>
+            <a:miter lim="800000"/>
+            <a:headEnd/>
+            <a:tailEnd/>
+          </a:ln>
+        </p:spPr>
+      </p:pic>
     </p:spTree>
   </p:cSld>
   <p:clrMapOvr>
@@ -12825,138 +12695,9 @@
           <a:chExt cx="0" cy="0"/>
         </a:xfrm>
       </p:grpSpPr>
-      <p:sp>
-        <p:nvSpPr>
-          <p:cNvPr id="2" name="Title 1"/>
-          <p:cNvSpPr>
-            <a:spLocks noGrp="1"/>
-          </p:cNvSpPr>
-          <p:nvPr>
-            <p:ph type="title"/>
-          </p:nvPr>
-        </p:nvSpPr>
-        <p:spPr>
-          <a:xfrm>
-            <a:off x="457200" y="789885"/>
-            <a:ext cx="8229600" cy="1143000"/>
-          </a:xfrm>
-        </p:spPr>
-        <p:txBody>
-          <a:bodyPr>
-            <a:normAutofit/>
-          </a:bodyPr>
-          <a:lstStyle/>
-          <a:p>
-            <a:r>
-              <a:rPr lang="en-US" altLang="zh-TW" dirty="0" smtClean="0"/>
-              <a:t>@load</a:t>
-            </a:r>
-            <a:endParaRPr lang="zh-TW" altLang="en-US" dirty="0"/>
-          </a:p>
-        </p:txBody>
-      </p:sp>
-      <p:sp>
-        <p:nvSpPr>
-          <p:cNvPr id="3" name="Content Placeholder 2"/>
-          <p:cNvSpPr>
-            <a:spLocks noGrp="1"/>
-          </p:cNvSpPr>
-          <p:nvPr>
-            <p:ph idx="1"/>
-          </p:nvPr>
-        </p:nvSpPr>
-        <p:spPr>
-          <a:xfrm>
-            <a:off x="457200" y="4306284"/>
-            <a:ext cx="8229600" cy="1833781"/>
-          </a:xfrm>
-        </p:spPr>
-        <p:txBody>
-          <a:bodyPr>
-            <a:normAutofit/>
-          </a:bodyPr>
-          <a:lstStyle/>
-          <a:p>
-            <a:pPr>
-              <a:buNone/>
-            </a:pPr>
-            <a:r>
-              <a:rPr lang="en-US" altLang="zh-TW" sz="2800" dirty="0" smtClean="0"/>
-              <a:t>Annotation in </a:t>
-            </a:r>
-            <a:r>
-              <a:rPr lang="en-US" altLang="zh-TW" sz="2800" dirty="0" err="1" smtClean="0"/>
-              <a:t>Zul</a:t>
-            </a:r>
-            <a:r>
-              <a:rPr lang="en-US" altLang="zh-TW" sz="2800" dirty="0" smtClean="0"/>
-              <a:t>: </a:t>
-            </a:r>
-            <a:r>
-              <a:rPr lang="zh-TW" altLang="en-US" sz="2800" dirty="0" smtClean="0"/>
-              <a:t>屬性值的第一個字母為</a:t>
-            </a:r>
-            <a:r>
-              <a:rPr lang="en-US" altLang="zh-TW" sz="2800" dirty="0" smtClean="0"/>
-              <a:t>@</a:t>
-            </a:r>
-            <a:br>
-              <a:rPr lang="en-US" altLang="zh-TW" sz="2800" dirty="0" smtClean="0"/>
-            </a:br>
-            <a:r>
-              <a:rPr lang="en-US" altLang="zh-TW" sz="2800" dirty="0" smtClean="0">
-                <a:solidFill>
-                  <a:srgbClr val="FF0000"/>
-                </a:solidFill>
-              </a:rPr>
-              <a:t>@load</a:t>
-            </a:r>
-            <a:r>
-              <a:rPr lang="zh-TW" altLang="en-US" sz="2800" dirty="0" smtClean="0"/>
-              <a:t>：</a:t>
-            </a:r>
-            <a:r>
-              <a:rPr lang="en-US" altLang="zh-TW" sz="2800" dirty="0" smtClean="0"/>
-              <a:t>Bean</a:t>
-            </a:r>
-            <a:r>
-              <a:rPr lang="zh-TW" altLang="en-US" sz="2800" dirty="0" smtClean="0"/>
-              <a:t> </a:t>
-            </a:r>
-            <a:r>
-              <a:rPr lang="en-US" altLang="zh-TW" sz="2800" dirty="0" smtClean="0"/>
-              <a:t>getter -&gt; Component setter</a:t>
-            </a:r>
-          </a:p>
-        </p:txBody>
-      </p:sp>
-      <p:sp>
-        <p:nvSpPr>
-          <p:cNvPr id="4" name="Slide Number Placeholder 3"/>
-          <p:cNvSpPr>
-            <a:spLocks noGrp="1"/>
-          </p:cNvSpPr>
-          <p:nvPr>
-            <p:ph type="sldNum" sz="quarter" idx="12"/>
-          </p:nvPr>
-        </p:nvSpPr>
-        <p:spPr/>
-        <p:txBody>
-          <a:bodyPr/>
-          <a:lstStyle/>
-          <a:p>
-            <a:fld id="{91974DF9-AD47-4691-BA21-BBFCE3637A9A}" type="slidenum">
-              <a:rPr kumimoji="0" lang="en-US" smtClean="0"/>
-              <a:pPr/>
-              <a:t>27</a:t>
-            </a:fld>
-            <a:endParaRPr kumimoji="0" lang="en-US"/>
-          </a:p>
-        </p:txBody>
-      </p:sp>
       <p:pic>
         <p:nvPicPr>
-          <p:cNvPr id="5122" name="Picture 2"/>
+          <p:cNvPr id="6147" name="Picture 3"/>
           <p:cNvPicPr>
             <a:picLocks noChangeAspect="1" noChangeArrowheads="1"/>
           </p:cNvPicPr>
@@ -12971,8 +12712,183 @@
         </p:blipFill>
         <p:spPr bwMode="auto">
           <a:xfrm>
-            <a:off x="1051441" y="1932885"/>
-            <a:ext cx="6554787" cy="1981200"/>
+            <a:off x="186466" y="1756272"/>
+            <a:ext cx="4099096" cy="4746128"/>
+          </a:xfrm>
+          <a:prstGeom prst="rect">
+            <a:avLst/>
+          </a:prstGeom>
+          <a:noFill/>
+          <a:ln w="9525">
+            <a:noFill/>
+            <a:miter lim="800000"/>
+            <a:headEnd/>
+            <a:tailEnd/>
+          </a:ln>
+        </p:spPr>
+      </p:pic>
+      <p:sp>
+        <p:nvSpPr>
+          <p:cNvPr id="2" name="Title 1"/>
+          <p:cNvSpPr>
+            <a:spLocks noGrp="1"/>
+          </p:cNvSpPr>
+          <p:nvPr>
+            <p:ph type="title"/>
+          </p:nvPr>
+        </p:nvSpPr>
+        <p:spPr>
+          <a:xfrm>
+            <a:off x="380081" y="767851"/>
+            <a:ext cx="8229600" cy="1143000"/>
+          </a:xfrm>
+        </p:spPr>
+        <p:txBody>
+          <a:bodyPr>
+            <a:normAutofit/>
+          </a:bodyPr>
+          <a:lstStyle/>
+          <a:p>
+            <a:r>
+              <a:rPr lang="en-US" altLang="zh-TW" dirty="0" smtClean="0"/>
+              <a:t>@bind</a:t>
+            </a:r>
+            <a:endParaRPr lang="zh-TW" altLang="en-US" dirty="0"/>
+          </a:p>
+        </p:txBody>
+      </p:sp>
+      <p:sp>
+        <p:nvSpPr>
+          <p:cNvPr id="3" name="Content Placeholder 2"/>
+          <p:cNvSpPr>
+            <a:spLocks noGrp="1"/>
+          </p:cNvSpPr>
+          <p:nvPr>
+            <p:ph idx="1"/>
+          </p:nvPr>
+        </p:nvSpPr>
+        <p:spPr>
+          <a:xfrm>
+            <a:off x="4026080" y="4164375"/>
+            <a:ext cx="5042513" cy="1972019"/>
+          </a:xfrm>
+        </p:spPr>
+        <p:txBody>
+          <a:bodyPr>
+            <a:normAutofit/>
+          </a:bodyPr>
+          <a:lstStyle/>
+          <a:p>
+            <a:pPr>
+              <a:buNone/>
+            </a:pPr>
+            <a:r>
+              <a:rPr lang="en-US" altLang="zh-TW" sz="2800" dirty="0" smtClean="0">
+                <a:solidFill>
+                  <a:srgbClr val="FF0000"/>
+                </a:solidFill>
+              </a:rPr>
+              <a:t>@bind</a:t>
+            </a:r>
+            <a:r>
+              <a:rPr lang="zh-TW" altLang="en-US" sz="2800" dirty="0" smtClean="0"/>
+              <a:t>：</a:t>
+            </a:r>
+            <a:r>
+              <a:rPr lang="en-US" altLang="zh-TW" sz="2800" dirty="0" smtClean="0"/>
+              <a:t/>
+            </a:r>
+            <a:br>
+              <a:rPr lang="en-US" altLang="zh-TW" sz="2800" dirty="0" smtClean="0"/>
+            </a:br>
+            <a:r>
+              <a:rPr lang="en-US" altLang="zh-TW" sz="2400" dirty="0" smtClean="0"/>
+              <a:t>Bean</a:t>
+            </a:r>
+            <a:r>
+              <a:rPr lang="zh-TW" altLang="en-US" sz="2400" dirty="0" smtClean="0"/>
+              <a:t> </a:t>
+            </a:r>
+            <a:r>
+              <a:rPr lang="en-US" altLang="zh-TW" sz="2400" dirty="0" smtClean="0"/>
+              <a:t>prop &lt;-&gt; Component prop</a:t>
+            </a:r>
+          </a:p>
+          <a:p>
+            <a:pPr>
+              <a:buNone/>
+            </a:pPr>
+            <a:r>
+              <a:rPr lang="en-US" altLang="zh-TW" sz="2800" dirty="0" smtClean="0"/>
+              <a:t>Java bean prop need to declare </a:t>
+            </a:r>
+            <a:r>
+              <a:rPr lang="en-US" altLang="zh-TW" sz="2800" b="1" dirty="0" smtClean="0">
+                <a:solidFill>
+                  <a:srgbClr val="0576FF"/>
+                </a:solidFill>
+              </a:rPr>
+              <a:t>@</a:t>
+            </a:r>
+            <a:r>
+              <a:rPr lang="en-US" altLang="zh-TW" sz="2800" b="1" dirty="0" err="1" smtClean="0">
+                <a:solidFill>
+                  <a:srgbClr val="0576FF"/>
+                </a:solidFill>
+              </a:rPr>
+              <a:t>NotifyChange</a:t>
+            </a:r>
+            <a:endParaRPr lang="en-US" altLang="zh-TW" sz="2800" b="1" dirty="0" smtClean="0">
+              <a:solidFill>
+                <a:srgbClr val="0576FF"/>
+              </a:solidFill>
+            </a:endParaRPr>
+          </a:p>
+        </p:txBody>
+      </p:sp>
+      <p:sp>
+        <p:nvSpPr>
+          <p:cNvPr id="4" name="Slide Number Placeholder 3"/>
+          <p:cNvSpPr>
+            <a:spLocks noGrp="1"/>
+          </p:cNvSpPr>
+          <p:nvPr>
+            <p:ph type="sldNum" sz="quarter" idx="12"/>
+          </p:nvPr>
+        </p:nvSpPr>
+        <p:spPr/>
+        <p:txBody>
+          <a:bodyPr/>
+          <a:lstStyle/>
+          <a:p>
+            <a:fld id="{91974DF9-AD47-4691-BA21-BBFCE3637A9A}" type="slidenum">
+              <a:rPr kumimoji="0" lang="en-US" smtClean="0"/>
+              <a:pPr/>
+              <a:t>27</a:t>
+            </a:fld>
+            <a:endParaRPr kumimoji="0" lang="en-US"/>
+          </a:p>
+        </p:txBody>
+      </p:sp>
+      <p:pic>
+        <p:nvPicPr>
+          <p:cNvPr id="5" name="Picture 2"/>
+          <p:cNvPicPr>
+            <a:picLocks noChangeAspect="1" noChangeArrowheads="1"/>
+          </p:cNvPicPr>
+          <p:nvPr/>
+        </p:nvPicPr>
+        <p:blipFill>
+          <a:blip r:embed="rId3" cstate="print"/>
+          <a:srcRect/>
+          <a:stretch>
+            <a:fillRect/>
+          </a:stretch>
+        </p:blipFill>
+        <p:spPr bwMode="auto">
+          <a:xfrm>
+            <a:off x="4709171" y="1840470"/>
+            <a:ext cx="4359422" cy="1232579"/>
           </a:xfrm>
           <a:prstGeom prst="rect">
             <a:avLst/>
@@ -13020,253 +12936,6 @@
       </p:grpSpPr>
       <p:pic>
         <p:nvPicPr>
-          <p:cNvPr id="6147" name="Picture 3"/>
-          <p:cNvPicPr>
-            <a:picLocks noChangeAspect="1" noChangeArrowheads="1"/>
-          </p:cNvPicPr>
-          <p:nvPr/>
-        </p:nvPicPr>
-        <p:blipFill>
-          <a:blip r:embed="rId2" cstate="print"/>
-          <a:srcRect/>
-          <a:stretch>
-            <a:fillRect/>
-          </a:stretch>
-        </p:blipFill>
-        <p:spPr bwMode="auto">
-          <a:xfrm>
-            <a:off x="186466" y="1756272"/>
-            <a:ext cx="4099096" cy="4746128"/>
-          </a:xfrm>
-          <a:prstGeom prst="rect">
-            <a:avLst/>
-          </a:prstGeom>
-          <a:noFill/>
-          <a:ln w="9525">
-            <a:noFill/>
-            <a:miter lim="800000"/>
-            <a:headEnd/>
-            <a:tailEnd/>
-          </a:ln>
-        </p:spPr>
-      </p:pic>
-      <p:sp>
-        <p:nvSpPr>
-          <p:cNvPr id="2" name="Title 1"/>
-          <p:cNvSpPr>
-            <a:spLocks noGrp="1"/>
-          </p:cNvSpPr>
-          <p:nvPr>
-            <p:ph type="title"/>
-          </p:nvPr>
-        </p:nvSpPr>
-        <p:spPr>
-          <a:xfrm>
-            <a:off x="380081" y="767851"/>
-            <a:ext cx="8229600" cy="1143000"/>
-          </a:xfrm>
-        </p:spPr>
-        <p:txBody>
-          <a:bodyPr>
-            <a:normAutofit/>
-          </a:bodyPr>
-          <a:lstStyle/>
-          <a:p>
-            <a:r>
-              <a:rPr lang="en-US" altLang="zh-TW" dirty="0" smtClean="0"/>
-              <a:t>@bind</a:t>
-            </a:r>
-            <a:endParaRPr lang="zh-TW" altLang="en-US" dirty="0"/>
-          </a:p>
-        </p:txBody>
-      </p:sp>
-      <p:sp>
-        <p:nvSpPr>
-          <p:cNvPr id="3" name="Content Placeholder 2"/>
-          <p:cNvSpPr>
-            <a:spLocks noGrp="1"/>
-          </p:cNvSpPr>
-          <p:nvPr>
-            <p:ph idx="1"/>
-          </p:nvPr>
-        </p:nvSpPr>
-        <p:spPr>
-          <a:xfrm>
-            <a:off x="4026080" y="4164375"/>
-            <a:ext cx="5042513" cy="1972019"/>
-          </a:xfrm>
-        </p:spPr>
-        <p:txBody>
-          <a:bodyPr>
-            <a:normAutofit/>
-          </a:bodyPr>
-          <a:lstStyle/>
-          <a:p>
-            <a:pPr>
-              <a:buNone/>
-            </a:pPr>
-            <a:r>
-              <a:rPr lang="en-US" altLang="zh-TW" sz="2800" dirty="0" smtClean="0">
-                <a:solidFill>
-                  <a:srgbClr val="FF0000"/>
-                </a:solidFill>
-              </a:rPr>
-              <a:t>@bind</a:t>
-            </a:r>
-            <a:r>
-              <a:rPr lang="zh-TW" altLang="en-US" sz="2800" dirty="0" smtClean="0"/>
-              <a:t>：</a:t>
-            </a:r>
-            <a:r>
-              <a:rPr lang="en-US" altLang="zh-TW" sz="2800" dirty="0" smtClean="0"/>
-              <a:t/>
-            </a:r>
-            <a:br>
-              <a:rPr lang="en-US" altLang="zh-TW" sz="2800" dirty="0" smtClean="0"/>
-            </a:br>
-            <a:r>
-              <a:rPr lang="en-US" altLang="zh-TW" sz="2400" dirty="0" smtClean="0"/>
-              <a:t>Bean</a:t>
-            </a:r>
-            <a:r>
-              <a:rPr lang="zh-TW" altLang="en-US" sz="2400" dirty="0" smtClean="0"/>
-              <a:t> </a:t>
-            </a:r>
-            <a:r>
-              <a:rPr lang="en-US" altLang="zh-TW" sz="2400" dirty="0" smtClean="0"/>
-              <a:t>prop &lt;-&gt; </a:t>
-            </a:r>
-            <a:r>
-              <a:rPr lang="en-US" altLang="zh-TW" sz="2400" dirty="0" smtClean="0"/>
-              <a:t>Component </a:t>
-            </a:r>
-            <a:r>
-              <a:rPr lang="en-US" altLang="zh-TW" sz="2400" dirty="0" smtClean="0"/>
-              <a:t>prop</a:t>
-            </a:r>
-          </a:p>
-          <a:p>
-            <a:pPr>
-              <a:buNone/>
-            </a:pPr>
-            <a:r>
-              <a:rPr lang="en-US" altLang="zh-TW" sz="2800" dirty="0" smtClean="0"/>
-              <a:t>Java bean prop need to declare </a:t>
-            </a:r>
-            <a:r>
-              <a:rPr lang="en-US" altLang="zh-TW" sz="2800" b="1" dirty="0" smtClean="0">
-                <a:solidFill>
-                  <a:srgbClr val="0576FF"/>
-                </a:solidFill>
-              </a:rPr>
-              <a:t>@</a:t>
-            </a:r>
-            <a:r>
-              <a:rPr lang="en-US" altLang="zh-TW" sz="2800" b="1" dirty="0" err="1" smtClean="0">
-                <a:solidFill>
-                  <a:srgbClr val="0576FF"/>
-                </a:solidFill>
-              </a:rPr>
-              <a:t>NotifyChange</a:t>
-            </a:r>
-            <a:endParaRPr lang="en-US" altLang="zh-TW" sz="2800" b="1" dirty="0" smtClean="0">
-              <a:solidFill>
-                <a:srgbClr val="0576FF"/>
-              </a:solidFill>
-            </a:endParaRPr>
-          </a:p>
-        </p:txBody>
-      </p:sp>
-      <p:sp>
-        <p:nvSpPr>
-          <p:cNvPr id="4" name="Slide Number Placeholder 3"/>
-          <p:cNvSpPr>
-            <a:spLocks noGrp="1"/>
-          </p:cNvSpPr>
-          <p:nvPr>
-            <p:ph type="sldNum" sz="quarter" idx="12"/>
-          </p:nvPr>
-        </p:nvSpPr>
-        <p:spPr/>
-        <p:txBody>
-          <a:bodyPr/>
-          <a:lstStyle/>
-          <a:p>
-            <a:fld id="{91974DF9-AD47-4691-BA21-BBFCE3637A9A}" type="slidenum">
-              <a:rPr kumimoji="0" lang="en-US" smtClean="0"/>
-              <a:pPr/>
-              <a:t>28</a:t>
-            </a:fld>
-            <a:endParaRPr kumimoji="0" lang="en-US"/>
-          </a:p>
-        </p:txBody>
-      </p:sp>
-      <p:pic>
-        <p:nvPicPr>
-          <p:cNvPr id="5" name="Picture 2"/>
-          <p:cNvPicPr>
-            <a:picLocks noChangeAspect="1" noChangeArrowheads="1"/>
-          </p:cNvPicPr>
-          <p:nvPr/>
-        </p:nvPicPr>
-        <p:blipFill>
-          <a:blip r:embed="rId3" cstate="print"/>
-          <a:srcRect/>
-          <a:stretch>
-            <a:fillRect/>
-          </a:stretch>
-        </p:blipFill>
-        <p:spPr bwMode="auto">
-          <a:xfrm>
-            <a:off x="4709171" y="1840470"/>
-            <a:ext cx="4359422" cy="1232579"/>
-          </a:xfrm>
-          <a:prstGeom prst="rect">
-            <a:avLst/>
-          </a:prstGeom>
-          <a:noFill/>
-          <a:ln w="9525">
-            <a:noFill/>
-            <a:miter lim="800000"/>
-            <a:headEnd/>
-            <a:tailEnd/>
-          </a:ln>
-        </p:spPr>
-      </p:pic>
-    </p:spTree>
-  </p:cSld>
-  <p:clrMapOvr>
-    <a:masterClrMapping/>
-  </p:clrMapOvr>
-  <p:timing>
-    <p:tnLst>
-      <p:par>
-        <p:cTn id="1" dur="indefinite" restart="never" nodeType="tmRoot"/>
-      </p:par>
-    </p:tnLst>
-  </p:timing>
-</p:sld>
-</file>
-
-<file path=ppt/slides/slide29.xml><?xml version="1.0" encoding="utf-8"?>
-<p:sld xmlns:a="http://schemas.openxmlformats.org/drawingml/2006/main" xmlns:r="http://schemas.openxmlformats.org/officeDocument/2006/relationships" xmlns:p="http://schemas.openxmlformats.org/presentationml/2006/main">
-  <p:cSld>
-    <p:spTree>
-      <p:nvGrpSpPr>
-        <p:cNvPr id="1" name=""/>
-        <p:cNvGrpSpPr/>
-        <p:nvPr/>
-      </p:nvGrpSpPr>
-      <p:grpSpPr>
-        <a:xfrm>
-          <a:off x="0" y="0"/>
-          <a:ext cx="0" cy="0"/>
-          <a:chOff x="0" y="0"/>
-          <a:chExt cx="0" cy="0"/>
-        </a:xfrm>
-      </p:grpSpPr>
-      <p:pic>
-        <p:nvPicPr>
           <p:cNvPr id="7171" name="Picture 3"/>
           <p:cNvPicPr>
             <a:picLocks noChangeAspect="1" noChangeArrowheads="1"/>
@@ -13321,11 +12990,7 @@
           <a:p>
             <a:r>
               <a:rPr lang="en-US" altLang="zh-TW" dirty="0" smtClean="0"/>
-              <a:t>Collection </a:t>
-            </a:r>
-            <a:r>
-              <a:rPr lang="en-US" altLang="zh-TW" dirty="0" smtClean="0"/>
-              <a:t>Binding</a:t>
+              <a:t>Collection Binding</a:t>
             </a:r>
             <a:endParaRPr lang="zh-TW" altLang="en-US" dirty="0"/>
           </a:p>
@@ -13349,7 +13014,7 @@
             <a:fld id="{91974DF9-AD47-4691-BA21-BBFCE3637A9A}" type="slidenum">
               <a:rPr kumimoji="0" lang="en-US" smtClean="0"/>
               <a:pPr/>
-              <a:t>29</a:t>
+              <a:t>28</a:t>
             </a:fld>
             <a:endParaRPr kumimoji="0" lang="en-US"/>
           </a:p>
@@ -14155,6 +13820,249 @@
 </p:sld>
 </file>
 
+<file path=ppt/slides/slide29.xml><?xml version="1.0" encoding="utf-8"?>
+<p:sld xmlns:a="http://schemas.openxmlformats.org/drawingml/2006/main" xmlns:r="http://schemas.openxmlformats.org/officeDocument/2006/relationships" xmlns:p="http://schemas.openxmlformats.org/presentationml/2006/main">
+  <p:cSld>
+    <p:spTree>
+      <p:nvGrpSpPr>
+        <p:cNvPr id="1" name=""/>
+        <p:cNvGrpSpPr/>
+        <p:nvPr/>
+      </p:nvGrpSpPr>
+      <p:grpSpPr>
+        <a:xfrm>
+          <a:off x="0" y="0"/>
+          <a:ext cx="0" cy="0"/>
+          <a:chOff x="0" y="0"/>
+          <a:chExt cx="0" cy="0"/>
+        </a:xfrm>
+      </p:grpSpPr>
+      <p:pic>
+        <p:nvPicPr>
+          <p:cNvPr id="8195" name="Picture 3"/>
+          <p:cNvPicPr>
+            <a:picLocks noChangeAspect="1" noChangeArrowheads="1"/>
+          </p:cNvPicPr>
+          <p:nvPr/>
+        </p:nvPicPr>
+        <p:blipFill>
+          <a:blip r:embed="rId2" cstate="print"/>
+          <a:srcRect/>
+          <a:stretch>
+            <a:fillRect/>
+          </a:stretch>
+        </p:blipFill>
+        <p:spPr bwMode="auto">
+          <a:xfrm>
+            <a:off x="195493" y="1800683"/>
+            <a:ext cx="8332787" cy="2082800"/>
+          </a:xfrm>
+          <a:prstGeom prst="rect">
+            <a:avLst/>
+          </a:prstGeom>
+          <a:noFill/>
+          <a:ln w="9525">
+            <a:noFill/>
+            <a:miter lim="800000"/>
+            <a:headEnd/>
+            <a:tailEnd/>
+          </a:ln>
+        </p:spPr>
+      </p:pic>
+      <p:sp>
+        <p:nvSpPr>
+          <p:cNvPr id="2" name="Title 1"/>
+          <p:cNvSpPr>
+            <a:spLocks noGrp="1"/>
+          </p:cNvSpPr>
+          <p:nvPr>
+            <p:ph type="title"/>
+          </p:nvPr>
+        </p:nvSpPr>
+        <p:spPr>
+          <a:xfrm>
+            <a:off x="457200" y="789885"/>
+            <a:ext cx="8229600" cy="1143000"/>
+          </a:xfrm>
+        </p:spPr>
+        <p:txBody>
+          <a:bodyPr>
+            <a:normAutofit/>
+          </a:bodyPr>
+          <a:lstStyle/>
+          <a:p>
+            <a:r>
+              <a:rPr lang="en-US" altLang="zh-TW" dirty="0" smtClean="0"/>
+              <a:t>Bind Properties through EL</a:t>
+            </a:r>
+            <a:endParaRPr lang="zh-TW" altLang="en-US" dirty="0"/>
+          </a:p>
+        </p:txBody>
+      </p:sp>
+      <p:sp>
+        <p:nvSpPr>
+          <p:cNvPr id="3" name="Content Placeholder 2"/>
+          <p:cNvSpPr>
+            <a:spLocks noGrp="1"/>
+          </p:cNvSpPr>
+          <p:nvPr>
+            <p:ph idx="1"/>
+          </p:nvPr>
+        </p:nvSpPr>
+        <p:spPr>
+          <a:xfrm>
+            <a:off x="4759288" y="3429828"/>
+            <a:ext cx="3927512" cy="2331994"/>
+          </a:xfrm>
+        </p:spPr>
+        <p:txBody>
+          <a:bodyPr>
+            <a:normAutofit/>
+          </a:bodyPr>
+          <a:lstStyle/>
+          <a:p>
+            <a:r>
+              <a:rPr lang="en-US" altLang="zh-TW" sz="2800" dirty="0" err="1" smtClean="0"/>
+              <a:t>Zul</a:t>
+            </a:r>
+            <a:r>
+              <a:rPr lang="en-US" altLang="zh-TW" sz="2800" dirty="0" smtClean="0"/>
+              <a:t> Annotation</a:t>
+            </a:r>
+            <a:r>
+              <a:rPr lang="zh-TW" altLang="en-US" sz="2800" dirty="0" smtClean="0"/>
+              <a:t>內使用。</a:t>
+            </a:r>
+            <a:endParaRPr lang="en-US" altLang="zh-TW" sz="2800" dirty="0" smtClean="0"/>
+          </a:p>
+          <a:p>
+            <a:r>
+              <a:rPr lang="zh-TW" altLang="en-US" sz="2800" dirty="0" smtClean="0"/>
+              <a:t>使用標準的</a:t>
+            </a:r>
+            <a:r>
+              <a:rPr lang="en-US" altLang="zh-TW" sz="2800" dirty="0" smtClean="0"/>
+              <a:t>EL</a:t>
+            </a:r>
+          </a:p>
+          <a:p>
+            <a:r>
+              <a:rPr lang="zh-TW" altLang="en-US" sz="2800" dirty="0" smtClean="0"/>
+              <a:t>跟</a:t>
+            </a:r>
+            <a:r>
+              <a:rPr lang="en-US" altLang="zh-TW" sz="2800" dirty="0" smtClean="0"/>
+              <a:t>JSF</a:t>
+            </a:r>
+            <a:r>
+              <a:rPr lang="zh-TW" altLang="en-US" sz="2800" dirty="0" smtClean="0"/>
+              <a:t>一樣</a:t>
+            </a:r>
+            <a:endParaRPr lang="en-US" altLang="zh-TW" sz="2800" dirty="0" smtClean="0"/>
+          </a:p>
+        </p:txBody>
+      </p:sp>
+      <p:sp>
+        <p:nvSpPr>
+          <p:cNvPr id="4" name="Slide Number Placeholder 3"/>
+          <p:cNvSpPr>
+            <a:spLocks noGrp="1"/>
+          </p:cNvSpPr>
+          <p:nvPr>
+            <p:ph type="sldNum" sz="quarter" idx="12"/>
+          </p:nvPr>
+        </p:nvSpPr>
+        <p:spPr/>
+        <p:txBody>
+          <a:bodyPr/>
+          <a:lstStyle/>
+          <a:p>
+            <a:fld id="{91974DF9-AD47-4691-BA21-BBFCE3637A9A}" type="slidenum">
+              <a:rPr kumimoji="0" lang="en-US" smtClean="0"/>
+              <a:pPr/>
+              <a:t>29</a:t>
+            </a:fld>
+            <a:endParaRPr kumimoji="0" lang="en-US"/>
+          </a:p>
+        </p:txBody>
+      </p:sp>
+      <p:pic>
+        <p:nvPicPr>
+          <p:cNvPr id="8196" name="Picture 4"/>
+          <p:cNvPicPr>
+            <a:picLocks noChangeAspect="1" noChangeArrowheads="1"/>
+          </p:cNvPicPr>
+          <p:nvPr/>
+        </p:nvPicPr>
+        <p:blipFill>
+          <a:blip r:embed="rId3" cstate="print"/>
+          <a:srcRect/>
+          <a:stretch>
+            <a:fillRect/>
+          </a:stretch>
+        </p:blipFill>
+        <p:spPr bwMode="auto">
+          <a:xfrm>
+            <a:off x="195493" y="4464050"/>
+            <a:ext cx="4383087" cy="1892300"/>
+          </a:xfrm>
+          <a:prstGeom prst="rect">
+            <a:avLst/>
+          </a:prstGeom>
+          <a:noFill/>
+          <a:ln w="9525">
+            <a:noFill/>
+            <a:miter lim="800000"/>
+            <a:headEnd/>
+            <a:tailEnd/>
+          </a:ln>
+        </p:spPr>
+      </p:pic>
+      <p:sp>
+        <p:nvSpPr>
+          <p:cNvPr id="8" name="TextBox 7"/>
+          <p:cNvSpPr txBox="1"/>
+          <p:nvPr/>
+        </p:nvSpPr>
+        <p:spPr>
+          <a:xfrm>
+            <a:off x="2539388" y="5761822"/>
+            <a:ext cx="1146532" cy="369332"/>
+          </a:xfrm>
+          <a:prstGeom prst="rect">
+            <a:avLst/>
+          </a:prstGeom>
+          <a:noFill/>
+        </p:spPr>
+        <p:txBody>
+          <a:bodyPr wrap="none" rtlCol="0">
+            <a:spAutoFit/>
+          </a:bodyPr>
+          <a:lstStyle/>
+          <a:p>
+            <a:r>
+              <a:rPr lang="en-US" altLang="zh-TW" dirty="0" smtClean="0"/>
+              <a:t>User.java</a:t>
+            </a:r>
+            <a:endParaRPr lang="zh-TW" altLang="en-US" dirty="0"/>
+          </a:p>
+        </p:txBody>
+      </p:sp>
+    </p:spTree>
+  </p:cSld>
+  <p:clrMapOvr>
+    <a:masterClrMapping/>
+  </p:clrMapOvr>
+  <p:timing>
+    <p:tnLst>
+      <p:par>
+        <p:cTn id="1" dur="indefinite" restart="never" nodeType="tmRoot"/>
+      </p:par>
+    </p:tnLst>
+  </p:timing>
+</p:sld>
+</file>
+
 <file path=ppt/slides/slide3.xml><?xml version="1.0" encoding="utf-8"?>
 <p:sld xmlns:a="http://schemas.openxmlformats.org/drawingml/2006/main" xmlns:r="http://schemas.openxmlformats.org/officeDocument/2006/relationships" xmlns:p="http://schemas.openxmlformats.org/presentationml/2006/main">
   <p:cSld>
@@ -14483,7 +14391,7 @@
     </p:spTree>
     <p:extLst>
       <p:ext uri="{BB962C8B-B14F-4D97-AF65-F5344CB8AC3E}">
-        <p14:creationId xmlns:p14="http://schemas.microsoft.com/office/powerpoint/2010/main" xmlns="" val="3577367637"/>
+        <p14:creationId xmlns="" xmlns:p14="http://schemas.microsoft.com/office/powerpoint/2010/main" val="3577367637"/>
       </p:ext>
     </p:extLst>
   </p:cSld>
@@ -14520,41 +14428,9 @@
           <a:chExt cx="0" cy="0"/>
         </a:xfrm>
       </p:grpSpPr>
-      <p:pic>
-        <p:nvPicPr>
-          <p:cNvPr id="8195" name="Picture 3"/>
-          <p:cNvPicPr>
-            <a:picLocks noChangeAspect="1" noChangeArrowheads="1"/>
-          </p:cNvPicPr>
-          <p:nvPr/>
-        </p:nvPicPr>
-        <p:blipFill>
-          <a:blip r:embed="rId2" cstate="print"/>
-          <a:srcRect/>
-          <a:stretch>
-            <a:fillRect/>
-          </a:stretch>
-        </p:blipFill>
-        <p:spPr bwMode="auto">
-          <a:xfrm>
-            <a:off x="195493" y="1800683"/>
-            <a:ext cx="8332787" cy="2082800"/>
-          </a:xfrm>
-          <a:prstGeom prst="rect">
-            <a:avLst/>
-          </a:prstGeom>
-          <a:noFill/>
-          <a:ln w="9525">
-            <a:noFill/>
-            <a:miter lim="800000"/>
-            <a:headEnd/>
-            <a:tailEnd/>
-          </a:ln>
-        </p:spPr>
-      </p:pic>
-      <p:sp>
-        <p:nvSpPr>
-          <p:cNvPr id="2" name="Title 1"/>
+      <p:sp>
+        <p:nvSpPr>
+          <p:cNvPr id="5" name="Title 4"/>
           <p:cNvSpPr>
             <a:spLocks noGrp="1"/>
           </p:cNvSpPr>
@@ -14562,21 +14438,21 @@
             <p:ph type="title"/>
           </p:nvPr>
         </p:nvSpPr>
-        <p:spPr>
-          <a:xfrm>
-            <a:off x="457200" y="789885"/>
-            <a:ext cx="8229600" cy="1143000"/>
-          </a:xfrm>
-        </p:spPr>
-        <p:txBody>
-          <a:bodyPr>
-            <a:normAutofit/>
-          </a:bodyPr>
+        <p:spPr/>
+        <p:txBody>
+          <a:bodyPr/>
           <a:lstStyle/>
           <a:p>
             <a:r>
               <a:rPr lang="en-US" altLang="zh-TW" dirty="0" smtClean="0"/>
-              <a:t>Bind Properties through EL</a:t>
+              <a:t>ZK MVVM: </a:t>
+            </a:r>
+            <a:br>
+              <a:rPr lang="en-US" altLang="zh-TW" dirty="0" smtClean="0"/>
+            </a:br>
+            <a:r>
+              <a:rPr lang="en-US" altLang="zh-TW" dirty="0" smtClean="0"/>
+              <a:t>User action &amp; view update</a:t>
             </a:r>
             <a:endParaRPr lang="zh-TW" altLang="en-US" dirty="0"/>
           </a:p>
@@ -14584,72 +14460,52 @@
       </p:sp>
       <p:sp>
         <p:nvSpPr>
-          <p:cNvPr id="3" name="Content Placeholder 2"/>
-          <p:cNvSpPr>
-            <a:spLocks noGrp="1"/>
-          </p:cNvSpPr>
-          <p:nvPr>
-            <p:ph idx="1"/>
-          </p:nvPr>
-        </p:nvSpPr>
-        <p:spPr>
-          <a:xfrm>
-            <a:off x="4759288" y="3429828"/>
-            <a:ext cx="3927512" cy="2331994"/>
-          </a:xfrm>
-        </p:spPr>
-        <p:txBody>
-          <a:bodyPr>
-            <a:normAutofit/>
-          </a:bodyPr>
-          <a:lstStyle/>
-          <a:p>
-            <a:r>
-              <a:rPr lang="en-US" altLang="zh-TW" sz="2800" dirty="0" err="1" smtClean="0"/>
-              <a:t>Zul</a:t>
-            </a:r>
-            <a:r>
-              <a:rPr lang="en-US" altLang="zh-TW" sz="2800" dirty="0" smtClean="0"/>
-              <a:t> Annotation</a:t>
-            </a:r>
-            <a:r>
-              <a:rPr lang="zh-TW" altLang="en-US" sz="2800" dirty="0" smtClean="0"/>
-              <a:t>內使用</a:t>
-            </a:r>
-            <a:r>
-              <a:rPr lang="zh-TW" altLang="en-US" sz="2800" dirty="0" smtClean="0"/>
-              <a:t>。</a:t>
-            </a:r>
-            <a:endParaRPr lang="en-US" altLang="zh-TW" sz="2800" dirty="0" smtClean="0"/>
-          </a:p>
-          <a:p>
-            <a:r>
-              <a:rPr lang="zh-TW" altLang="en-US" sz="2800" dirty="0" smtClean="0"/>
-              <a:t>使用標準的</a:t>
-            </a:r>
-            <a:r>
-              <a:rPr lang="en-US" altLang="zh-TW" sz="2800" dirty="0" smtClean="0"/>
-              <a:t>EL</a:t>
-            </a:r>
-          </a:p>
-          <a:p>
-            <a:r>
-              <a:rPr lang="zh-TW" altLang="en-US" sz="2800" dirty="0" smtClean="0"/>
-              <a:t>跟</a:t>
-            </a:r>
-            <a:r>
-              <a:rPr lang="en-US" altLang="zh-TW" sz="2800" dirty="0" smtClean="0"/>
-              <a:t>JSF</a:t>
-            </a:r>
-            <a:r>
-              <a:rPr lang="zh-TW" altLang="en-US" sz="2800" dirty="0" smtClean="0"/>
-              <a:t>一</a:t>
-            </a:r>
-            <a:r>
-              <a:rPr lang="zh-TW" altLang="en-US" sz="2800" dirty="0" smtClean="0"/>
-              <a:t>樣</a:t>
-            </a:r>
-            <a:endParaRPr lang="en-US" altLang="zh-TW" sz="2800" dirty="0" smtClean="0"/>
+          <p:cNvPr id="6" name="Text Placeholder 5"/>
+          <p:cNvSpPr>
+            <a:spLocks noGrp="1"/>
+          </p:cNvSpPr>
+          <p:nvPr>
+            <p:ph type="body" idx="1"/>
+          </p:nvPr>
+        </p:nvSpPr>
+        <p:spPr/>
+        <p:txBody>
+          <a:bodyPr/>
+          <a:lstStyle/>
+          <a:p>
+            <a:r>
+              <a:rPr lang="en-US" altLang="zh-TW" dirty="0" smtClean="0"/>
+              <a:t>User Action </a:t>
+            </a:r>
+            <a:r>
+              <a:rPr lang="zh-TW" altLang="en-US" dirty="0" smtClean="0"/>
+              <a:t>如何觸發</a:t>
+            </a:r>
+            <a:r>
+              <a:rPr lang="en-US" altLang="zh-TW" dirty="0" smtClean="0"/>
+              <a:t>VM </a:t>
+            </a:r>
+            <a:r>
+              <a:rPr lang="zh-TW" altLang="en-US" dirty="0" smtClean="0"/>
+              <a:t>的行為，</a:t>
+            </a:r>
+            <a:r>
+              <a:rPr lang="en-US" altLang="zh-TW" dirty="0" smtClean="0"/>
+              <a:t>VM </a:t>
+            </a:r>
+            <a:r>
+              <a:rPr lang="zh-TW" altLang="en-US" dirty="0" smtClean="0"/>
+              <a:t>的行為如何通知</a:t>
+            </a:r>
+            <a:r>
+              <a:rPr lang="en-US" altLang="zh-TW" dirty="0" smtClean="0"/>
+              <a:t>view </a:t>
+            </a:r>
+            <a:r>
+              <a:rPr lang="zh-TW" altLang="en-US" dirty="0" smtClean="0"/>
+              <a:t>更動。</a:t>
+            </a:r>
+            <a:endParaRPr lang="zh-TW" altLang="en-US" dirty="0"/>
           </a:p>
         </p:txBody>
       </p:sp>
@@ -14674,68 +14530,6 @@
               <a:t>30</a:t>
             </a:fld>
             <a:endParaRPr kumimoji="0" lang="en-US"/>
-          </a:p>
-        </p:txBody>
-      </p:sp>
-      <p:pic>
-        <p:nvPicPr>
-          <p:cNvPr id="8196" name="Picture 4"/>
-          <p:cNvPicPr>
-            <a:picLocks noChangeAspect="1" noChangeArrowheads="1"/>
-          </p:cNvPicPr>
-          <p:nvPr/>
-        </p:nvPicPr>
-        <p:blipFill>
-          <a:blip r:embed="rId3" cstate="print"/>
-          <a:srcRect/>
-          <a:stretch>
-            <a:fillRect/>
-          </a:stretch>
-        </p:blipFill>
-        <p:spPr bwMode="auto">
-          <a:xfrm>
-            <a:off x="195493" y="4464050"/>
-            <a:ext cx="4383087" cy="1892300"/>
-          </a:xfrm>
-          <a:prstGeom prst="rect">
-            <a:avLst/>
-          </a:prstGeom>
-          <a:noFill/>
-          <a:ln w="9525">
-            <a:noFill/>
-            <a:miter lim="800000"/>
-            <a:headEnd/>
-            <a:tailEnd/>
-          </a:ln>
-        </p:spPr>
-      </p:pic>
-      <p:sp>
-        <p:nvSpPr>
-          <p:cNvPr id="8" name="TextBox 7"/>
-          <p:cNvSpPr txBox="1"/>
-          <p:nvPr/>
-        </p:nvSpPr>
-        <p:spPr>
-          <a:xfrm>
-            <a:off x="2539388" y="5761822"/>
-            <a:ext cx="1146532" cy="369332"/>
-          </a:xfrm>
-          <a:prstGeom prst="rect">
-            <a:avLst/>
-          </a:prstGeom>
-          <a:noFill/>
-        </p:spPr>
-        <p:txBody>
-          <a:bodyPr wrap="none" rtlCol="0">
-            <a:spAutoFit/>
-          </a:bodyPr>
-          <a:lstStyle/>
-          <a:p>
-            <a:r>
-              <a:rPr lang="en-US" altLang="zh-TW" dirty="0" smtClean="0"/>
-              <a:t>User.java</a:t>
-            </a:r>
-            <a:endParaRPr lang="zh-TW" altLang="en-US" dirty="0"/>
           </a:p>
         </p:txBody>
       </p:sp>
@@ -14773,7 +14567,7 @@
       </p:grpSpPr>
       <p:sp>
         <p:nvSpPr>
-          <p:cNvPr id="5" name="Title 4"/>
+          <p:cNvPr id="2" name="Title 1"/>
           <p:cNvSpPr>
             <a:spLocks noGrp="1"/>
           </p:cNvSpPr>
@@ -14781,21 +14575,21 @@
             <p:ph type="title"/>
           </p:nvPr>
         </p:nvSpPr>
-        <p:spPr/>
-        <p:txBody>
-          <a:bodyPr/>
+        <p:spPr>
+          <a:xfrm>
+            <a:off x="457200" y="789885"/>
+            <a:ext cx="8229600" cy="1143000"/>
+          </a:xfrm>
+        </p:spPr>
+        <p:txBody>
+          <a:bodyPr>
+            <a:normAutofit/>
+          </a:bodyPr>
           <a:lstStyle/>
           <a:p>
             <a:r>
               <a:rPr lang="en-US" altLang="zh-TW" dirty="0" smtClean="0"/>
-              <a:t>ZK MVVM: </a:t>
-            </a:r>
-            <a:br>
-              <a:rPr lang="en-US" altLang="zh-TW" dirty="0" smtClean="0"/>
-            </a:br>
-            <a:r>
-              <a:rPr lang="en-US" altLang="zh-TW" dirty="0" smtClean="0"/>
-              <a:t>User action &amp; view update</a:t>
+              <a:t>User Action: Command</a:t>
             </a:r>
             <a:endParaRPr lang="zh-TW" altLang="en-US" dirty="0"/>
           </a:p>
@@ -14803,52 +14597,44 @@
       </p:sp>
       <p:sp>
         <p:nvSpPr>
-          <p:cNvPr id="6" name="Text Placeholder 5"/>
-          <p:cNvSpPr>
-            <a:spLocks noGrp="1"/>
-          </p:cNvSpPr>
-          <p:nvPr>
-            <p:ph type="body" idx="1"/>
-          </p:nvPr>
-        </p:nvSpPr>
-        <p:spPr/>
-        <p:txBody>
-          <a:bodyPr/>
-          <a:lstStyle/>
-          <a:p>
-            <a:r>
-              <a:rPr lang="en-US" altLang="zh-TW" dirty="0" smtClean="0"/>
-              <a:t>User Action </a:t>
-            </a:r>
-            <a:r>
-              <a:rPr lang="zh-TW" altLang="en-US" dirty="0" smtClean="0"/>
-              <a:t>如何觸發</a:t>
-            </a:r>
-            <a:r>
-              <a:rPr lang="en-US" altLang="zh-TW" dirty="0" smtClean="0"/>
-              <a:t>VM </a:t>
-            </a:r>
-            <a:r>
-              <a:rPr lang="zh-TW" altLang="en-US" dirty="0" smtClean="0"/>
-              <a:t>的行為，</a:t>
-            </a:r>
-            <a:r>
-              <a:rPr lang="en-US" altLang="zh-TW" dirty="0" smtClean="0"/>
-              <a:t>VM </a:t>
-            </a:r>
-            <a:r>
-              <a:rPr lang="zh-TW" altLang="en-US" dirty="0" smtClean="0"/>
-              <a:t>的行為如何通知</a:t>
-            </a:r>
-            <a:r>
-              <a:rPr lang="en-US" altLang="zh-TW" dirty="0" smtClean="0"/>
-              <a:t>view </a:t>
-            </a:r>
-            <a:r>
-              <a:rPr lang="zh-TW" altLang="en-US" dirty="0" smtClean="0"/>
-              <a:t>更動。</a:t>
-            </a:r>
-            <a:endParaRPr lang="zh-TW" altLang="en-US" dirty="0"/>
+          <p:cNvPr id="3" name="Content Placeholder 2"/>
+          <p:cNvSpPr>
+            <a:spLocks noGrp="1"/>
+          </p:cNvSpPr>
+          <p:nvPr>
+            <p:ph idx="1"/>
+          </p:nvPr>
+        </p:nvSpPr>
+        <p:spPr>
+          <a:xfrm>
+            <a:off x="457200" y="1821548"/>
+            <a:ext cx="8229600" cy="4057877"/>
+          </a:xfrm>
+        </p:spPr>
+        <p:txBody>
+          <a:bodyPr>
+            <a:normAutofit/>
+          </a:bodyPr>
+          <a:lstStyle/>
+          <a:p>
+            <a:pPr>
+              <a:buNone/>
+            </a:pPr>
+            <a:r>
+              <a:rPr lang="en-US" altLang="zh-TW" sz="2600" dirty="0" smtClean="0"/>
+              <a:t>Binding Collection to component with template.</a:t>
+            </a:r>
+            <a:endParaRPr lang="en-US" altLang="zh-TW" sz="2600" b="1" dirty="0" smtClean="0">
+              <a:solidFill>
+                <a:srgbClr val="FF0000"/>
+              </a:solidFill>
+            </a:endParaRPr>
+          </a:p>
+          <a:p>
+            <a:pPr>
+              <a:buNone/>
+            </a:pPr>
+            <a:endParaRPr lang="en-US" altLang="zh-TW" sz="2800" dirty="0" smtClean="0"/>
           </a:p>
         </p:txBody>
       </p:sp>
@@ -14932,7 +14718,11 @@
           <a:p>
             <a:r>
               <a:rPr lang="en-US" altLang="zh-TW" dirty="0" smtClean="0"/>
-              <a:t>User Action: Command</a:t>
+              <a:t>Bind Command </a:t>
+            </a:r>
+            <a:r>
+              <a:rPr lang="en-US" altLang="zh-TW" smtClean="0"/>
+              <a:t>through EL</a:t>
             </a:r>
             <a:endParaRPr lang="zh-TW" altLang="en-US" dirty="0"/>
           </a:p>
@@ -14964,20 +14754,21 @@
               <a:buNone/>
             </a:pPr>
             <a:r>
-              <a:rPr lang="en-US" altLang="zh-TW" sz="2600" dirty="0" smtClean="0"/>
-              <a:t>Binding Collection to component with template.</a:t>
-            </a:r>
-            <a:endParaRPr lang="en-US" altLang="zh-TW" sz="2600" b="1" dirty="0" smtClean="0">
-              <a:solidFill>
-                <a:srgbClr val="FF0000"/>
-              </a:solidFill>
-            </a:endParaRPr>
-          </a:p>
-          <a:p>
-            <a:pPr>
-              <a:buNone/>
-            </a:pPr>
-            <a:endParaRPr lang="en-US" altLang="zh-TW" sz="2800" dirty="0" smtClean="0"/>
+              <a:rPr lang="en-US" altLang="zh-TW" sz="2800" dirty="0" err="1" smtClean="0"/>
+              <a:t>onClick</a:t>
+            </a:r>
+            <a:r>
+              <a:rPr lang="en-US" altLang="zh-TW" sz="2800" dirty="0" smtClean="0"/>
+              <a:t>=“@command(empty </a:t>
+            </a:r>
+            <a:r>
+              <a:rPr lang="en-US" altLang="zh-TW" sz="2800" dirty="0" err="1" smtClean="0"/>
+              <a:t>vm.selected</a:t>
+            </a:r>
+            <a:r>
+              <a:rPr lang="en-US" altLang="zh-TW" sz="2800" dirty="0" smtClean="0"/>
+              <a:t>? ‘add’ : ‘’ )”</a:t>
+            </a:r>
           </a:p>
         </p:txBody>
       </p:sp>
@@ -15061,11 +14852,11 @@
           <a:p>
             <a:r>
               <a:rPr lang="en-US" altLang="zh-TW" dirty="0" smtClean="0"/>
-              <a:t>Bind Command </a:t>
-            </a:r>
-            <a:r>
-              <a:rPr lang="en-US" altLang="zh-TW" smtClean="0"/>
-              <a:t>through EL</a:t>
+              <a:t>Command </a:t>
+            </a:r>
+            <a:r>
+              <a:rPr lang="en-US" altLang="zh-TW" dirty="0" err="1" smtClean="0"/>
+              <a:t>Params</a:t>
             </a:r>
             <a:endParaRPr lang="zh-TW" altLang="en-US" dirty="0"/>
           </a:p>
@@ -15195,11 +14986,11 @@
           <a:p>
             <a:r>
               <a:rPr lang="en-US" altLang="zh-TW" dirty="0" smtClean="0"/>
-              <a:t>Command </a:t>
+              <a:t>Update View: @</a:t>
             </a:r>
             <a:r>
               <a:rPr lang="en-US" altLang="zh-TW" dirty="0" err="1" smtClean="0"/>
-              <a:t>Params</a:t>
+              <a:t>NotifyChange</a:t>
             </a:r>
             <a:endParaRPr lang="zh-TW" altLang="en-US" dirty="0"/>
           </a:p>
@@ -15231,20 +15022,17 @@
               <a:buNone/>
             </a:pPr>
             <a:r>
-              <a:rPr lang="en-US" altLang="zh-TW" sz="2800" dirty="0" err="1" smtClean="0"/>
-              <a:t>onClick</a:t>
-            </a:r>
-            <a:r>
               <a:rPr lang="en-US" altLang="zh-TW" sz="2800" dirty="0" smtClean="0"/>
-              <a:t>=“@command(empty </a:t>
-            </a:r>
-            <a:r>
-              <a:rPr lang="en-US" altLang="zh-TW" sz="2800" dirty="0" err="1" smtClean="0"/>
-              <a:t>vm.selected</a:t>
-            </a:r>
+              <a:t>Target name</a:t>
+            </a:r>
+          </a:p>
+          <a:p>
+            <a:pPr>
+              <a:buNone/>
+            </a:pPr>
             <a:r>
               <a:rPr lang="en-US" altLang="zh-TW" sz="2800" dirty="0" smtClean="0"/>
-              <a:t>? ‘add’ : ‘’ )”</a:t>
+              <a:t>Multiple targets</a:t>
             </a:r>
           </a:p>
         </p:txBody>
@@ -15307,7 +15095,7 @@
       </p:grpSpPr>
       <p:sp>
         <p:nvSpPr>
-          <p:cNvPr id="2" name="Title 1"/>
+          <p:cNvPr id="5" name="Title 4"/>
           <p:cNvSpPr>
             <a:spLocks noGrp="1"/>
           </p:cNvSpPr>
@@ -15315,25 +15103,14 @@
             <p:ph type="title"/>
           </p:nvPr>
         </p:nvSpPr>
-        <p:spPr>
-          <a:xfrm>
-            <a:off x="457200" y="789885"/>
-            <a:ext cx="8229600" cy="1143000"/>
-          </a:xfrm>
-        </p:spPr>
-        <p:txBody>
-          <a:bodyPr>
-            <a:normAutofit/>
-          </a:bodyPr>
+        <p:spPr/>
+        <p:txBody>
+          <a:bodyPr/>
           <a:lstStyle/>
           <a:p>
             <a:r>
               <a:rPr lang="en-US" altLang="zh-TW" dirty="0" smtClean="0"/>
-              <a:t>Update View: @</a:t>
-            </a:r>
-            <a:r>
-              <a:rPr lang="en-US" altLang="zh-TW" dirty="0" err="1" smtClean="0"/>
-              <a:t>NotifyChange</a:t>
+              <a:t>ZK MVVM: Input handling</a:t>
             </a:r>
             <a:endParaRPr lang="zh-TW" altLang="en-US" dirty="0"/>
           </a:p>
@@ -15341,42 +15118,40 @@
       </p:sp>
       <p:sp>
         <p:nvSpPr>
-          <p:cNvPr id="3" name="Content Placeholder 2"/>
-          <p:cNvSpPr>
-            <a:spLocks noGrp="1"/>
-          </p:cNvSpPr>
-          <p:nvPr>
-            <p:ph idx="1"/>
-          </p:nvPr>
-        </p:nvSpPr>
-        <p:spPr>
-          <a:xfrm>
-            <a:off x="457200" y="1821548"/>
-            <a:ext cx="8229600" cy="4057877"/>
-          </a:xfrm>
-        </p:spPr>
-        <p:txBody>
-          <a:bodyPr>
-            <a:normAutofit/>
-          </a:bodyPr>
-          <a:lstStyle/>
-          <a:p>
-            <a:pPr>
-              <a:buNone/>
-            </a:pPr>
-            <a:r>
-              <a:rPr lang="en-US" altLang="zh-TW" sz="2800" dirty="0" smtClean="0"/>
-              <a:t>Target name</a:t>
-            </a:r>
-          </a:p>
-          <a:p>
-            <a:pPr>
-              <a:buNone/>
-            </a:pPr>
-            <a:r>
-              <a:rPr lang="en-US" altLang="zh-TW" sz="2800" dirty="0" smtClean="0"/>
-              <a:t>Multiple targets</a:t>
-            </a:r>
+          <p:cNvPr id="6" name="Text Placeholder 5"/>
+          <p:cNvSpPr>
+            <a:spLocks noGrp="1"/>
+          </p:cNvSpPr>
+          <p:nvPr>
+            <p:ph type="body" idx="1"/>
+          </p:nvPr>
+        </p:nvSpPr>
+        <p:spPr/>
+        <p:txBody>
+          <a:bodyPr/>
+          <a:lstStyle/>
+          <a:p>
+            <a:r>
+              <a:rPr lang="en-US" altLang="zh-TW" dirty="0" smtClean="0"/>
+              <a:t>Input Element </a:t>
+            </a:r>
+            <a:r>
+              <a:rPr lang="zh-TW" altLang="en-US" dirty="0" smtClean="0"/>
+              <a:t>的管理、</a:t>
+            </a:r>
+            <a:r>
+              <a:rPr lang="en-US" altLang="zh-TW" dirty="0" smtClean="0"/>
+              <a:t>Form Binding </a:t>
+            </a:r>
+            <a:r>
+              <a:rPr lang="zh-TW" altLang="en-US" dirty="0" smtClean="0"/>
+              <a:t>與</a:t>
+            </a:r>
+            <a:r>
+              <a:rPr lang="en-US" altLang="zh-TW" dirty="0" smtClean="0"/>
+              <a:t>Validation</a:t>
+            </a:r>
+            <a:endParaRPr lang="zh-TW" altLang="en-US" dirty="0"/>
           </a:p>
         </p:txBody>
       </p:sp>
@@ -15438,7 +15213,7 @@
       </p:grpSpPr>
       <p:sp>
         <p:nvSpPr>
-          <p:cNvPr id="5" name="Title 4"/>
+          <p:cNvPr id="2" name="Title 1"/>
           <p:cNvSpPr>
             <a:spLocks noGrp="1"/>
           </p:cNvSpPr>
@@ -15446,14 +15221,21 @@
             <p:ph type="title"/>
           </p:nvPr>
         </p:nvSpPr>
-        <p:spPr/>
-        <p:txBody>
-          <a:bodyPr/>
+        <p:spPr>
+          <a:xfrm>
+            <a:off x="457200" y="789885"/>
+            <a:ext cx="8229600" cy="1143000"/>
+          </a:xfrm>
+        </p:spPr>
+        <p:txBody>
+          <a:bodyPr>
+            <a:normAutofit/>
+          </a:bodyPr>
           <a:lstStyle/>
           <a:p>
             <a:r>
               <a:rPr lang="en-US" altLang="zh-TW" dirty="0" smtClean="0"/>
-              <a:t>ZK MVVM: Input handling</a:t>
+              <a:t>Form Binding</a:t>
             </a:r>
             <a:endParaRPr lang="zh-TW" altLang="en-US" dirty="0"/>
           </a:p>
@@ -15461,40 +15243,33 @@
       </p:sp>
       <p:sp>
         <p:nvSpPr>
-          <p:cNvPr id="6" name="Text Placeholder 5"/>
-          <p:cNvSpPr>
-            <a:spLocks noGrp="1"/>
-          </p:cNvSpPr>
-          <p:nvPr>
-            <p:ph type="body" idx="1"/>
-          </p:nvPr>
-        </p:nvSpPr>
-        <p:spPr/>
-        <p:txBody>
-          <a:bodyPr/>
-          <a:lstStyle/>
-          <a:p>
-            <a:r>
-              <a:rPr lang="en-US" altLang="zh-TW" dirty="0" smtClean="0"/>
-              <a:t>Input Element </a:t>
-            </a:r>
-            <a:r>
-              <a:rPr lang="zh-TW" altLang="en-US" dirty="0" smtClean="0"/>
-              <a:t>的管理、</a:t>
-            </a:r>
-            <a:r>
-              <a:rPr lang="en-US" altLang="zh-TW" dirty="0" smtClean="0"/>
-              <a:t>Form Binding </a:t>
-            </a:r>
-            <a:r>
-              <a:rPr lang="zh-TW" altLang="en-US" dirty="0" smtClean="0"/>
-              <a:t>與</a:t>
-            </a:r>
-            <a:r>
-              <a:rPr lang="en-US" altLang="zh-TW" dirty="0" smtClean="0"/>
-              <a:t>Validation</a:t>
-            </a:r>
-            <a:endParaRPr lang="zh-TW" altLang="en-US" dirty="0"/>
+          <p:cNvPr id="3" name="Content Placeholder 2"/>
+          <p:cNvSpPr>
+            <a:spLocks noGrp="1"/>
+          </p:cNvSpPr>
+          <p:nvPr>
+            <p:ph idx="1"/>
+          </p:nvPr>
+        </p:nvSpPr>
+        <p:spPr>
+          <a:xfrm>
+            <a:off x="457200" y="1821548"/>
+            <a:ext cx="8229600" cy="4057877"/>
+          </a:xfrm>
+        </p:spPr>
+        <p:txBody>
+          <a:bodyPr>
+            <a:normAutofit/>
+          </a:bodyPr>
+          <a:lstStyle/>
+          <a:p>
+            <a:pPr>
+              <a:buNone/>
+            </a:pPr>
+            <a:r>
+              <a:rPr lang="en-US" altLang="zh-TW" sz="2800" dirty="0" smtClean="0"/>
+              <a:t>From Simple input example to Form binding</a:t>
+            </a:r>
           </a:p>
         </p:txBody>
       </p:sp>
@@ -15577,8 +15352,8 @@
           <a:lstStyle/>
           <a:p>
             <a:r>
-              <a:rPr lang="en-US" altLang="zh-TW" dirty="0" smtClean="0"/>
-              <a:t>Form Binding</a:t>
+              <a:rPr lang="en-US" altLang="zh-TW" dirty="0" err="1" smtClean="0"/>
+              <a:t>Validator</a:t>
             </a:r>
             <a:endParaRPr lang="zh-TW" altLang="en-US" dirty="0"/>
           </a:p>
@@ -15695,6 +15470,10 @@
           <a:lstStyle/>
           <a:p>
             <a:r>
+              <a:rPr lang="en-US" altLang="zh-TW" dirty="0" smtClean="0"/>
+              <a:t>Form </a:t>
+            </a:r>
+            <a:r>
               <a:rPr lang="en-US" altLang="zh-TW" dirty="0" err="1" smtClean="0"/>
               <a:t>Validator</a:t>
             </a:r>
@@ -15814,11 +15593,7 @@
           <a:p>
             <a:r>
               <a:rPr lang="en-US" altLang="zh-TW" dirty="0" smtClean="0"/>
-              <a:t>Form </a:t>
-            </a:r>
-            <a:r>
-              <a:rPr lang="en-US" altLang="zh-TW" dirty="0" err="1" smtClean="0"/>
-              <a:t>Validator</a:t>
+              <a:t>Validation Messages</a:t>
             </a:r>
             <a:endParaRPr lang="zh-TW" altLang="en-US" dirty="0"/>
           </a:p>
@@ -15851,7 +15626,7 @@
             </a:pPr>
             <a:r>
               <a:rPr lang="en-US" altLang="zh-TW" sz="2800" dirty="0" smtClean="0"/>
-              <a:t>From Simple input example to Form binding</a:t>
+              <a:t>ZK MVVM provides a default validation message holder</a:t>
             </a:r>
           </a:p>
         </p:txBody>
@@ -16056,7 +15831,7 @@
     </p:spTree>
     <p:extLst>
       <p:ext uri="{BB962C8B-B14F-4D97-AF65-F5344CB8AC3E}">
-        <p14:creationId xmlns:p14="http://schemas.microsoft.com/office/powerpoint/2010/main" xmlns="" val="3577367637"/>
+        <p14:creationId xmlns="" xmlns:p14="http://schemas.microsoft.com/office/powerpoint/2010/main" val="3577367637"/>
       </p:ext>
     </p:extLst>
   </p:cSld>
@@ -16095,7 +15870,7 @@
       </p:grpSpPr>
       <p:sp>
         <p:nvSpPr>
-          <p:cNvPr id="2" name="Title 1"/>
+          <p:cNvPr id="5" name="Title 4"/>
           <p:cNvSpPr>
             <a:spLocks noGrp="1"/>
           </p:cNvSpPr>
@@ -16103,21 +15878,14 @@
             <p:ph type="title"/>
           </p:nvPr>
         </p:nvSpPr>
-        <p:spPr>
-          <a:xfrm>
-            <a:off x="457200" y="789885"/>
-            <a:ext cx="8229600" cy="1143000"/>
-          </a:xfrm>
-        </p:spPr>
-        <p:txBody>
-          <a:bodyPr>
-            <a:normAutofit/>
-          </a:bodyPr>
+        <p:spPr/>
+        <p:txBody>
+          <a:bodyPr/>
           <a:lstStyle/>
           <a:p>
             <a:r>
               <a:rPr lang="en-US" altLang="zh-TW" dirty="0" smtClean="0"/>
-              <a:t>Validation Messages</a:t>
+              <a:t>Q &amp; A</a:t>
             </a:r>
             <a:endParaRPr lang="zh-TW" altLang="en-US" dirty="0"/>
           </a:p>
@@ -16125,33 +15893,24 @@
       </p:sp>
       <p:sp>
         <p:nvSpPr>
-          <p:cNvPr id="3" name="Content Placeholder 2"/>
-          <p:cNvSpPr>
-            <a:spLocks noGrp="1"/>
-          </p:cNvSpPr>
-          <p:nvPr>
-            <p:ph idx="1"/>
-          </p:nvPr>
-        </p:nvSpPr>
-        <p:spPr>
-          <a:xfrm>
-            <a:off x="457200" y="1821548"/>
-            <a:ext cx="8229600" cy="4057877"/>
-          </a:xfrm>
-        </p:spPr>
-        <p:txBody>
-          <a:bodyPr>
-            <a:normAutofit/>
-          </a:bodyPr>
-          <a:lstStyle/>
-          <a:p>
-            <a:pPr>
-              <a:buNone/>
-            </a:pPr>
-            <a:r>
-              <a:rPr lang="en-US" altLang="zh-TW" sz="2800" dirty="0" smtClean="0"/>
-              <a:t>ZK MVVM provides a default validation message holder</a:t>
-            </a:r>
+          <p:cNvPr id="6" name="Text Placeholder 5"/>
+          <p:cNvSpPr>
+            <a:spLocks noGrp="1"/>
+          </p:cNvSpPr>
+          <p:nvPr>
+            <p:ph type="body" idx="1"/>
+          </p:nvPr>
+        </p:nvSpPr>
+        <p:spPr/>
+        <p:txBody>
+          <a:bodyPr/>
+          <a:lstStyle/>
+          <a:p>
+            <a:r>
+              <a:rPr lang="zh-TW" altLang="en-US" dirty="0" smtClean="0"/>
+              <a:t>問與答</a:t>
+            </a:r>
+            <a:endParaRPr lang="zh-TW" altLang="en-US" dirty="0"/>
           </a:p>
         </p:txBody>
       </p:sp>
@@ -16228,7 +15987,14 @@
           <a:p>
             <a:r>
               <a:rPr lang="en-US" altLang="zh-TW" dirty="0" smtClean="0"/>
-              <a:t>Q &amp; A</a:t>
+              <a:t>EXTRA!</a:t>
+            </a:r>
+            <a:br>
+              <a:rPr lang="en-US" altLang="zh-TW" dirty="0" smtClean="0"/>
+            </a:br>
+            <a:r>
+              <a:rPr lang="en-US" altLang="zh-TW" dirty="0" smtClean="0"/>
+              <a:t>ZK MVVM: Communications</a:t>
             </a:r>
             <a:endParaRPr lang="zh-TW" altLang="en-US" dirty="0"/>
           </a:p>
@@ -16251,7 +16017,23 @@
           <a:p>
             <a:r>
               <a:rPr lang="zh-TW" altLang="en-US" dirty="0" smtClean="0"/>
-              <a:t>問與答</a:t>
+              <a:t>如何在</a:t>
+            </a:r>
+            <a:r>
+              <a:rPr lang="en-US" altLang="zh-TW" dirty="0" smtClean="0"/>
+              <a:t>MVC </a:t>
+            </a:r>
+            <a:r>
+              <a:rPr lang="zh-TW" altLang="en-US" dirty="0" smtClean="0"/>
+              <a:t>與 </a:t>
+            </a:r>
+            <a:r>
+              <a:rPr lang="en-US" altLang="zh-TW" dirty="0" smtClean="0"/>
+              <a:t>MVVM</a:t>
+            </a:r>
+            <a:r>
+              <a:rPr lang="zh-TW" altLang="en-US" dirty="0" smtClean="0"/>
+              <a:t>之間傳遞訊息呢？</a:t>
             </a:r>
             <a:endParaRPr lang="zh-TW" altLang="en-US" dirty="0"/>
           </a:p>
@@ -16315,7 +16097,7 @@
       </p:grpSpPr>
       <p:sp>
         <p:nvSpPr>
-          <p:cNvPr id="5" name="Title 4"/>
+          <p:cNvPr id="2" name="Title 1"/>
           <p:cNvSpPr>
             <a:spLocks noGrp="1"/>
           </p:cNvSpPr>
@@ -16323,66 +16105,71 @@
             <p:ph type="title"/>
           </p:nvPr>
         </p:nvSpPr>
-        <p:spPr/>
-        <p:txBody>
-          <a:bodyPr/>
+        <p:spPr>
+          <a:xfrm>
+            <a:off x="457200" y="789885"/>
+            <a:ext cx="8229600" cy="1143000"/>
+          </a:xfrm>
+        </p:spPr>
+        <p:txBody>
+          <a:bodyPr>
+            <a:normAutofit/>
+          </a:bodyPr>
           <a:lstStyle/>
           <a:p>
             <a:r>
               <a:rPr lang="en-US" altLang="zh-TW" dirty="0" smtClean="0"/>
-              <a:t>EXTRA!</a:t>
+              <a:t>ZK Event Queue</a:t>
+            </a:r>
+            <a:endParaRPr lang="zh-TW" altLang="en-US" dirty="0"/>
+          </a:p>
+        </p:txBody>
+      </p:sp>
+      <p:sp>
+        <p:nvSpPr>
+          <p:cNvPr id="3" name="Content Placeholder 2"/>
+          <p:cNvSpPr>
+            <a:spLocks noGrp="1"/>
+          </p:cNvSpPr>
+          <p:nvPr>
+            <p:ph idx="1"/>
+          </p:nvPr>
+        </p:nvSpPr>
+        <p:spPr>
+          <a:xfrm>
+            <a:off x="457200" y="1821548"/>
+            <a:ext cx="8229600" cy="4057877"/>
+          </a:xfrm>
+        </p:spPr>
+        <p:txBody>
+          <a:bodyPr>
+            <a:normAutofit/>
+          </a:bodyPr>
+          <a:lstStyle/>
+          <a:p>
+            <a:pPr>
+              <a:buNone/>
+            </a:pPr>
+            <a:r>
+              <a:rPr lang="en-US" altLang="zh-TW" sz="2800" dirty="0" smtClean="0"/>
+              <a:t>ZK use it’s Event Queue technology to communicate Views.</a:t>
+            </a:r>
+          </a:p>
+          <a:p>
+            <a:pPr>
+              <a:buNone/>
+            </a:pPr>
+            <a:r>
+              <a:rPr lang="en-US" altLang="zh-TW" sz="2800" dirty="0" smtClean="0"/>
+              <a:t/>
             </a:r>
             <a:br>
-              <a:rPr lang="en-US" altLang="zh-TW" dirty="0" smtClean="0"/>
+              <a:rPr lang="en-US" altLang="zh-TW" sz="2800" dirty="0" smtClean="0"/>
             </a:br>
             <a:r>
-              <a:rPr lang="en-US" altLang="zh-TW" dirty="0" smtClean="0"/>
-              <a:t>ZK </a:t>
-            </a:r>
-            <a:r>
-              <a:rPr lang="en-US" altLang="zh-TW" dirty="0" smtClean="0"/>
-              <a:t>MVVM: Communications</a:t>
-            </a:r>
-            <a:endParaRPr lang="zh-TW" altLang="en-US" dirty="0"/>
-          </a:p>
-        </p:txBody>
-      </p:sp>
-      <p:sp>
-        <p:nvSpPr>
-          <p:cNvPr id="6" name="Text Placeholder 5"/>
-          <p:cNvSpPr>
-            <a:spLocks noGrp="1"/>
-          </p:cNvSpPr>
-          <p:nvPr>
-            <p:ph type="body" idx="1"/>
-          </p:nvPr>
-        </p:nvSpPr>
-        <p:spPr/>
-        <p:txBody>
-          <a:bodyPr/>
-          <a:lstStyle/>
-          <a:p>
-            <a:r>
-              <a:rPr lang="zh-TW" altLang="en-US" dirty="0" smtClean="0"/>
-              <a:t>如何在</a:t>
-            </a:r>
-            <a:r>
-              <a:rPr lang="en-US" altLang="zh-TW" dirty="0" smtClean="0"/>
-              <a:t>MVC </a:t>
-            </a:r>
-            <a:r>
-              <a:rPr lang="zh-TW" altLang="en-US" dirty="0" smtClean="0"/>
-              <a:t>與 </a:t>
-            </a:r>
-            <a:r>
-              <a:rPr lang="en-US" altLang="zh-TW" dirty="0" smtClean="0"/>
-              <a:t>MVVM</a:t>
-            </a:r>
-            <a:r>
-              <a:rPr lang="zh-TW" altLang="en-US" dirty="0" smtClean="0"/>
-              <a:t>之間傳遞訊息呢？</a:t>
-            </a:r>
-            <a:endParaRPr lang="zh-TW" altLang="en-US" dirty="0"/>
+              <a:rPr lang="en-US" altLang="zh-TW" sz="2800" dirty="0" smtClean="0"/>
+              <a:t>Publisher, subscriber</a:t>
+            </a:r>
           </a:p>
         </p:txBody>
       </p:sp>
@@ -16466,7 +16253,7 @@
           <a:p>
             <a:r>
               <a:rPr lang="en-US" altLang="zh-TW" dirty="0" smtClean="0"/>
-              <a:t>ZK Event Queue</a:t>
+              <a:t>MVC -&gt; MVVM</a:t>
             </a:r>
             <a:endParaRPr lang="zh-TW" altLang="en-US" dirty="0"/>
           </a:p>
@@ -16499,7 +16286,7 @@
             </a:pPr>
             <a:r>
               <a:rPr lang="en-US" altLang="zh-TW" sz="2800" dirty="0" smtClean="0"/>
-              <a:t>ZK use it’s Event Queue technology to communicate Views.</a:t>
+              <a:t>MVC publish event to MVVM subscriber:</a:t>
             </a:r>
           </a:p>
           <a:p>
@@ -16514,8 +16301,29 @@
               <a:rPr lang="en-US" altLang="zh-TW" sz="2800" dirty="0" smtClean="0"/>
             </a:br>
             <a:r>
+              <a:rPr lang="en-US" altLang="zh-TW" sz="2800" dirty="0" err="1" smtClean="0"/>
+              <a:t>BindUtils#postGlobalCommand</a:t>
+            </a:r>
+            <a:r>
               <a:rPr lang="en-US" altLang="zh-TW" sz="2800" dirty="0" smtClean="0"/>
-              <a:t>Publisher, subscriber</a:t>
+              <a:t>():</a:t>
+            </a:r>
+          </a:p>
+          <a:p>
+            <a:pPr>
+              <a:buNone/>
+            </a:pPr>
+            <a:r>
+              <a:rPr lang="en-US" altLang="zh-TW" sz="2800" dirty="0" smtClean="0"/>
+              <a:t>    VM as Subscriber,  @</a:t>
+            </a:r>
+            <a:r>
+              <a:rPr lang="en-US" altLang="zh-TW" sz="2800" dirty="0" err="1" smtClean="0"/>
+              <a:t>GlobalCommand</a:t>
+            </a:r>
+            <a:r>
+              <a:rPr lang="en-US" altLang="zh-TW" sz="2800" dirty="0" smtClean="0"/>
+              <a:t>:</a:t>
             </a:r>
           </a:p>
         </p:txBody>
@@ -16600,7 +16408,7 @@
           <a:p>
             <a:r>
               <a:rPr lang="en-US" altLang="zh-TW" dirty="0" smtClean="0"/>
-              <a:t>MVC -&gt; MVVM</a:t>
+              <a:t>MVVM -&gt; MVC</a:t>
             </a:r>
             <a:endParaRPr lang="zh-TW" altLang="en-US" dirty="0"/>
           </a:p>
@@ -16624,7 +16432,7 @@
         </p:spPr>
         <p:txBody>
           <a:bodyPr>
-            <a:normAutofit/>
+            <a:normAutofit lnSpcReduction="10000"/>
           </a:bodyPr>
           <a:lstStyle/>
           <a:p>
@@ -16633,7 +16441,7 @@
             </a:pPr>
             <a:r>
               <a:rPr lang="en-US" altLang="zh-TW" sz="2800" dirty="0" smtClean="0"/>
-              <a:t>MVC publish event to MVVM subscriber:</a:t>
+              <a:t>MVVM publish event to MVC subscriber:</a:t>
             </a:r>
           </a:p>
           <a:p>
@@ -16641,19 +16449,12 @@
               <a:buNone/>
             </a:pPr>
             <a:r>
+              <a:rPr lang="en-US" altLang="zh-TW" sz="2800" dirty="0" err="1" smtClean="0"/>
+              <a:t>Zul</a:t>
+            </a:r>
+            <a:r>
               <a:rPr lang="en-US" altLang="zh-TW" sz="2800" dirty="0" smtClean="0"/>
-              <a:t/>
-            </a:r>
-            <a:br>
-              <a:rPr lang="en-US" altLang="zh-TW" sz="2800" dirty="0" smtClean="0"/>
-            </a:br>
-            <a:r>
-              <a:rPr lang="en-US" altLang="zh-TW" sz="2800" dirty="0" err="1" smtClean="0"/>
-              <a:t>BindUtils#postGlobalCommand</a:t>
-            </a:r>
-            <a:r>
-              <a:rPr lang="en-US" altLang="zh-TW" sz="2800" dirty="0" smtClean="0"/>
-              <a:t>():</a:t>
+              <a:t> Annotation: </a:t>
             </a:r>
           </a:p>
           <a:p>
@@ -16662,15 +16463,73 @@
             </a:pPr>
             <a:r>
               <a:rPr lang="en-US" altLang="zh-TW" sz="2800" dirty="0" smtClean="0"/>
-              <a:t>    VM as Subscriber,  @</a:t>
+              <a:t>	@init(</a:t>
             </a:r>
             <a:r>
               <a:rPr lang="en-US" altLang="zh-TW" sz="2800" dirty="0" err="1" smtClean="0"/>
-              <a:t>GlobalCommand</a:t>
+              <a:t>queueName</a:t>
             </a:r>
             <a:r>
               <a:rPr lang="en-US" altLang="zh-TW" sz="2800" dirty="0" smtClean="0"/>
-              <a:t>:</a:t>
+              <a:t>=‘…’)</a:t>
+            </a:r>
+          </a:p>
+          <a:p>
+            <a:pPr>
+              <a:buNone/>
+            </a:pPr>
+            <a:r>
+              <a:rPr lang="en-US" altLang="zh-TW" sz="2800" dirty="0" smtClean="0"/>
+              <a:t>	User Action trigger @global-command</a:t>
+            </a:r>
+          </a:p>
+          <a:p>
+            <a:pPr>
+              <a:buNone/>
+            </a:pPr>
+            <a:endParaRPr lang="en-US" altLang="zh-TW" sz="2800" dirty="0" smtClean="0"/>
+          </a:p>
+          <a:p>
+            <a:pPr>
+              <a:buNone/>
+            </a:pPr>
+            <a:r>
+              <a:rPr lang="en-US" altLang="zh-TW" sz="2800" dirty="0" smtClean="0"/>
+              <a:t>MVC Ctrl as Subscriber:  </a:t>
+            </a:r>
+          </a:p>
+          <a:p>
+            <a:pPr>
+              <a:buNone/>
+            </a:pPr>
+            <a:r>
+              <a:rPr lang="en-US" altLang="zh-TW" sz="2800" dirty="0" smtClean="0"/>
+              <a:t>	@Subscribe(“[</a:t>
+            </a:r>
+            <a:r>
+              <a:rPr lang="en-US" altLang="zh-TW" sz="2800" dirty="0" err="1" smtClean="0"/>
+              <a:t>queueName</a:t>
+            </a:r>
+            <a:r>
+              <a:rPr lang="en-US" altLang="zh-TW" sz="2800" dirty="0" smtClean="0"/>
+              <a:t>]”)</a:t>
+            </a:r>
+          </a:p>
+          <a:p>
+            <a:pPr>
+              <a:buNone/>
+            </a:pPr>
+            <a:r>
+              <a:rPr lang="en-US" altLang="zh-TW" sz="2800" dirty="0" smtClean="0"/>
+              <a:t>	</a:t>
+            </a:r>
+            <a:r>
+              <a:rPr lang="en-US" altLang="zh-TW" sz="2800" dirty="0" err="1" smtClean="0"/>
+              <a:t>GlobalCommandEvent#getCommand</a:t>
+            </a:r>
+            <a:r>
+              <a:rPr lang="en-US" altLang="zh-TW" sz="2800" dirty="0" smtClean="0"/>
+              <a:t>()</a:t>
             </a:r>
           </a:p>
         </p:txBody>
@@ -16743,8 +16602,8 @@
         </p:nvSpPr>
         <p:spPr>
           <a:xfrm>
-            <a:off x="457200" y="789885"/>
-            <a:ext cx="8229600" cy="1143000"/>
+            <a:off x="457200" y="791032"/>
+            <a:ext cx="8229600" cy="916885"/>
           </a:xfrm>
         </p:spPr>
         <p:txBody>
@@ -16755,129 +16614,9 @@
           <a:p>
             <a:r>
               <a:rPr lang="en-US" altLang="zh-TW" dirty="0" smtClean="0"/>
-              <a:t>MVVM -&gt; MVC</a:t>
+              <a:t>Advanced Wiring(2)</a:t>
             </a:r>
             <a:endParaRPr lang="zh-TW" altLang="en-US" dirty="0"/>
-          </a:p>
-        </p:txBody>
-      </p:sp>
-      <p:sp>
-        <p:nvSpPr>
-          <p:cNvPr id="3" name="Content Placeholder 2"/>
-          <p:cNvSpPr>
-            <a:spLocks noGrp="1"/>
-          </p:cNvSpPr>
-          <p:nvPr>
-            <p:ph idx="1"/>
-          </p:nvPr>
-        </p:nvSpPr>
-        <p:spPr>
-          <a:xfrm>
-            <a:off x="457200" y="1821548"/>
-            <a:ext cx="8229600" cy="4057877"/>
-          </a:xfrm>
-        </p:spPr>
-        <p:txBody>
-          <a:bodyPr>
-            <a:normAutofit lnSpcReduction="10000"/>
-          </a:bodyPr>
-          <a:lstStyle/>
-          <a:p>
-            <a:pPr>
-              <a:buNone/>
-            </a:pPr>
-            <a:r>
-              <a:rPr lang="en-US" altLang="zh-TW" sz="2800" dirty="0" smtClean="0"/>
-              <a:t>MVVM publish event to MVC subscriber:</a:t>
-            </a:r>
-          </a:p>
-          <a:p>
-            <a:pPr>
-              <a:buNone/>
-            </a:pPr>
-            <a:r>
-              <a:rPr lang="en-US" altLang="zh-TW" sz="2800" dirty="0" err="1" smtClean="0"/>
-              <a:t>Zul</a:t>
-            </a:r>
-            <a:r>
-              <a:rPr lang="en-US" altLang="zh-TW" sz="2800" dirty="0" smtClean="0"/>
-              <a:t> Annotation: </a:t>
-            </a:r>
-          </a:p>
-          <a:p>
-            <a:pPr>
-              <a:buNone/>
-            </a:pPr>
-            <a:r>
-              <a:rPr lang="en-US" altLang="zh-TW" sz="2800" dirty="0" smtClean="0"/>
-              <a:t>	@init(</a:t>
-            </a:r>
-            <a:r>
-              <a:rPr lang="en-US" altLang="zh-TW" sz="2800" dirty="0" err="1" smtClean="0"/>
-              <a:t>queueName</a:t>
-            </a:r>
-            <a:r>
-              <a:rPr lang="en-US" altLang="zh-TW" sz="2800" dirty="0" smtClean="0"/>
-              <a:t>=‘…’)</a:t>
-            </a:r>
-          </a:p>
-          <a:p>
-            <a:pPr>
-              <a:buNone/>
-            </a:pPr>
-            <a:r>
-              <a:rPr lang="en-US" altLang="zh-TW" sz="2800" dirty="0" smtClean="0"/>
-              <a:t>	User Action trigger @global-command</a:t>
-            </a:r>
-          </a:p>
-          <a:p>
-            <a:pPr>
-              <a:buNone/>
-            </a:pPr>
-            <a:endParaRPr lang="en-US" altLang="zh-TW" sz="2800" dirty="0" smtClean="0"/>
-          </a:p>
-          <a:p>
-            <a:pPr>
-              <a:buNone/>
-            </a:pPr>
-            <a:r>
-              <a:rPr lang="en-US" altLang="zh-TW" sz="2800" dirty="0" smtClean="0"/>
-              <a:t>MVC Ctrl as Subscriber:  </a:t>
-            </a:r>
-          </a:p>
-          <a:p>
-            <a:pPr>
-              <a:buNone/>
-            </a:pPr>
-            <a:r>
-              <a:rPr lang="en-US" altLang="zh-TW" sz="2800" dirty="0" smtClean="0"/>
-              <a:t>	@Subscribe(“[</a:t>
-            </a:r>
-            <a:r>
-              <a:rPr lang="en-US" altLang="zh-TW" sz="2800" dirty="0" err="1" smtClean="0"/>
-              <a:t>queueName</a:t>
-            </a:r>
-            <a:r>
-              <a:rPr lang="en-US" altLang="zh-TW" sz="2800" dirty="0" smtClean="0"/>
-              <a:t>]”)</a:t>
-            </a:r>
-          </a:p>
-          <a:p>
-            <a:pPr>
-              <a:buNone/>
-            </a:pPr>
-            <a:r>
-              <a:rPr lang="en-US" altLang="zh-TW" sz="2800" dirty="0" smtClean="0"/>
-              <a:t>	</a:t>
-            </a:r>
-            <a:r>
-              <a:rPr lang="en-US" altLang="zh-TW" sz="2800" dirty="0" err="1" smtClean="0"/>
-              <a:t>GlobalCommandEvent#getCommand</a:t>
-            </a:r>
-            <a:r>
-              <a:rPr lang="en-US" altLang="zh-TW" sz="2800" dirty="0" smtClean="0"/>
-              <a:t>()</a:t>
-            </a:r>
           </a:p>
         </p:txBody>
       </p:sp>
@@ -16902,6 +16641,234 @@
               <a:t>45</a:t>
             </a:fld>
             <a:endParaRPr kumimoji="0" lang="en-US"/>
+          </a:p>
+        </p:txBody>
+      </p:sp>
+      <p:sp>
+        <p:nvSpPr>
+          <p:cNvPr id="43" name="Content Placeholder 2"/>
+          <p:cNvSpPr>
+            <a:spLocks noGrp="1"/>
+          </p:cNvSpPr>
+          <p:nvPr>
+            <p:ph idx="1"/>
+          </p:nvPr>
+        </p:nvSpPr>
+        <p:spPr>
+          <a:xfrm>
+            <a:off x="290286" y="1741714"/>
+            <a:ext cx="8229600" cy="1596572"/>
+          </a:xfrm>
+        </p:spPr>
+        <p:txBody>
+          <a:bodyPr>
+            <a:normAutofit/>
+          </a:bodyPr>
+          <a:lstStyle/>
+          <a:p>
+            <a:pPr>
+              <a:buNone/>
+            </a:pPr>
+            <a:r>
+              <a:rPr lang="zh-TW" altLang="en-US" sz="2800" b="1" dirty="0" smtClean="0"/>
+              <a:t>甚至支援 </a:t>
+            </a:r>
+            <a:r>
+              <a:rPr lang="en-US" altLang="zh-TW" sz="2800" b="1" dirty="0" smtClean="0"/>
+              <a:t>Pseudo Class:</a:t>
+            </a:r>
+            <a:endParaRPr lang="en-US" altLang="zh-TW" sz="2800" dirty="0" smtClean="0"/>
+          </a:p>
+        </p:txBody>
+      </p:sp>
+      <p:pic>
+        <p:nvPicPr>
+          <p:cNvPr id="3075" name="Picture 3"/>
+          <p:cNvPicPr>
+            <a:picLocks noChangeAspect="1" noChangeArrowheads="1"/>
+          </p:cNvPicPr>
+          <p:nvPr/>
+        </p:nvPicPr>
+        <p:blipFill>
+          <a:blip r:embed="rId2" cstate="print"/>
+          <a:srcRect/>
+          <a:stretch>
+            <a:fillRect/>
+          </a:stretch>
+        </p:blipFill>
+        <p:spPr bwMode="auto">
+          <a:xfrm>
+            <a:off x="157390" y="2451618"/>
+            <a:ext cx="8986610" cy="2904935"/>
+          </a:xfrm>
+          <a:prstGeom prst="rect">
+            <a:avLst/>
+          </a:prstGeom>
+          <a:noFill/>
+          <a:ln w="9525">
+            <a:noFill/>
+            <a:miter lim="800000"/>
+            <a:headEnd/>
+            <a:tailEnd/>
+          </a:ln>
+        </p:spPr>
+      </p:pic>
+      <p:sp>
+        <p:nvSpPr>
+          <p:cNvPr id="7" name="Content Placeholder 2"/>
+          <p:cNvSpPr txBox="1">
+            <a:spLocks/>
+          </p:cNvSpPr>
+          <p:nvPr/>
+        </p:nvSpPr>
+        <p:spPr>
+          <a:xfrm>
+            <a:off x="157390" y="5356553"/>
+            <a:ext cx="8229600" cy="1190172"/>
+          </a:xfrm>
+          <a:prstGeom prst="rect">
+            <a:avLst/>
+          </a:prstGeom>
+        </p:spPr>
+        <p:txBody>
+          <a:bodyPr vert="horz" lIns="91440" tIns="45720" rIns="91440" bIns="45720" rtlCol="0">
+            <a:normAutofit/>
+          </a:bodyPr>
+          <a:lstStyle/>
+          <a:p>
+            <a:pPr marL="342900" marR="0" lvl="0" indent="-342900" algn="l" defTabSz="914400" rtl="0" eaLnBrk="1" fontAlgn="auto" latinLnBrk="0" hangingPunct="1">
+              <a:lnSpc>
+                <a:spcPct val="100000"/>
+              </a:lnSpc>
+              <a:spcBef>
+                <a:spcPct val="20000"/>
+              </a:spcBef>
+              <a:spcAft>
+                <a:spcPts val="0"/>
+              </a:spcAft>
+              <a:buClrTx/>
+              <a:buSzTx/>
+              <a:buFont typeface="Arial" pitchFamily="34" charset="0"/>
+              <a:buNone/>
+              <a:tabLst/>
+              <a:defRPr/>
+            </a:pPr>
+            <a:r>
+              <a:rPr kumimoji="0" lang="zh-TW" altLang="en-US" sz="2800" b="0" i="0" u="none" strike="noStrike" kern="1200" cap="none" spc="0" normalizeH="0" baseline="0" noProof="0" dirty="0" smtClean="0">
+                <a:ln>
+                  <a:noFill/>
+                </a:ln>
+                <a:solidFill>
+                  <a:schemeClr val="tx1"/>
+                </a:solidFill>
+                <a:effectLst/>
+                <a:uLnTx/>
+                <a:uFillTx/>
+                <a:latin typeface="+mn-lt"/>
+                <a:ea typeface="+mn-ea"/>
+                <a:cs typeface="+mn-cs"/>
+              </a:rPr>
+              <a:t>未來可以提供對</a:t>
+            </a:r>
+            <a:r>
+              <a:rPr kumimoji="0" lang="en-US" altLang="zh-TW" sz="2800" b="0" i="0" u="none" strike="noStrike" kern="1200" cap="none" spc="0" normalizeH="0" baseline="0" noProof="0" dirty="0" smtClean="0">
+                <a:ln>
+                  <a:noFill/>
+                </a:ln>
+                <a:solidFill>
+                  <a:schemeClr val="tx1"/>
+                </a:solidFill>
+                <a:effectLst/>
+                <a:uLnTx/>
+                <a:uFillTx/>
+                <a:latin typeface="+mn-lt"/>
+                <a:ea typeface="+mn-ea"/>
+                <a:cs typeface="+mn-cs"/>
+              </a:rPr>
+              <a:t>Selector Engine </a:t>
+            </a:r>
+            <a:r>
+              <a:rPr kumimoji="0" lang="zh-TW" altLang="en-US" sz="2800" b="0" i="0" u="none" strike="noStrike" kern="1200" cap="none" spc="0" normalizeH="0" baseline="0" noProof="0" dirty="0" smtClean="0">
+                <a:ln>
+                  <a:noFill/>
+                </a:ln>
+                <a:solidFill>
+                  <a:schemeClr val="tx1"/>
+                </a:solidFill>
+                <a:effectLst/>
+                <a:uLnTx/>
+                <a:uFillTx/>
+                <a:latin typeface="+mn-lt"/>
+                <a:ea typeface="+mn-ea"/>
+                <a:cs typeface="+mn-cs"/>
+              </a:rPr>
+              <a:t>的插入，對</a:t>
+            </a:r>
+            <a:r>
+              <a:rPr kumimoji="0" lang="en-US" altLang="zh-TW" sz="2800" b="0" i="0" u="none" strike="noStrike" kern="1200" cap="none" spc="0" normalizeH="0" baseline="0" noProof="0" dirty="0" err="1" smtClean="0">
+                <a:ln>
+                  <a:noFill/>
+                </a:ln>
+                <a:solidFill>
+                  <a:schemeClr val="tx1"/>
+                </a:solidFill>
+                <a:effectLst/>
+                <a:uLnTx/>
+                <a:uFillTx/>
+                <a:latin typeface="+mn-lt"/>
+                <a:ea typeface="+mn-ea"/>
+                <a:cs typeface="+mn-cs"/>
+              </a:rPr>
+              <a:t>Psudo</a:t>
+            </a:r>
+            <a:r>
+              <a:rPr kumimoji="0" lang="en-US" altLang="zh-TW" sz="2800" b="0" i="0" u="none" strike="noStrike" kern="1200" cap="none" spc="0" normalizeH="0" baseline="0" noProof="0" dirty="0" smtClean="0">
+                <a:ln>
+                  <a:noFill/>
+                </a:ln>
+                <a:solidFill>
+                  <a:schemeClr val="tx1"/>
+                </a:solidFill>
+                <a:effectLst/>
+                <a:uLnTx/>
+                <a:uFillTx/>
+                <a:latin typeface="+mn-lt"/>
+                <a:ea typeface="+mn-ea"/>
+                <a:cs typeface="+mn-cs"/>
+              </a:rPr>
+              <a:t> Class </a:t>
+            </a:r>
+            <a:r>
+              <a:rPr kumimoji="0" lang="zh-TW" altLang="en-US" sz="2800" b="0" i="0" u="none" strike="noStrike" kern="1200" cap="none" spc="0" normalizeH="0" baseline="0" noProof="0" dirty="0" smtClean="0">
+                <a:ln>
+                  <a:noFill/>
+                </a:ln>
+                <a:solidFill>
+                  <a:schemeClr val="tx1"/>
+                </a:solidFill>
+                <a:effectLst/>
+                <a:uLnTx/>
+                <a:uFillTx/>
+                <a:latin typeface="+mn-lt"/>
+                <a:ea typeface="+mn-ea"/>
+                <a:cs typeface="+mn-cs"/>
+              </a:rPr>
+              <a:t>的處理可以客製化。</a:t>
+            </a:r>
+            <a:endParaRPr kumimoji="0" lang="zh-TW" altLang="en-US" sz="2800" b="0" i="0" u="none" strike="noStrike" kern="1200" cap="none" spc="0" normalizeH="0" baseline="0" noProof="0" dirty="0">
+              <a:ln>
+                <a:noFill/>
+              </a:ln>
+              <a:solidFill>
+                <a:schemeClr val="tx1"/>
+              </a:solidFill>
+              <a:effectLst/>
+              <a:uLnTx/>
+              <a:uFillTx/>
+              <a:latin typeface="+mn-lt"/>
+              <a:ea typeface="+mn-ea"/>
+              <a:cs typeface="+mn-cs"/>
+            </a:endParaRPr>
           </a:p>
         </p:txBody>
       </p:sp>
@@ -17274,8 +17241,12 @@
               <a:t>: </a:t>
             </a:r>
             <a:r>
+              <a:rPr lang="en-US" altLang="zh-TW" sz="2800" dirty="0" err="1" smtClean="0"/>
+              <a:t>zul</a:t>
+            </a:r>
+            <a:r>
               <a:rPr lang="en-US" altLang="zh-TW" sz="2400" dirty="0" smtClean="0"/>
-              <a:t>XML </a:t>
+              <a:t>(xml) </a:t>
             </a:r>
             <a:r>
               <a:rPr lang="zh-TW" altLang="en-US" sz="2400" dirty="0" smtClean="0"/>

--- a/2012/Java EE Ajax �ج[���Τ��[�c�]�p�Ҧ����Q.pptx
+++ b/2012/Java EE Ajax �ج[���Τ��[�c�]�p�Ҧ����Q.pptx
@@ -5,10 +5,10 @@
     <p:sldMasterId id="2147483831" r:id="rId1"/>
   </p:sldMasterIdLst>
   <p:notesMasterIdLst>
-    <p:notesMasterId r:id="rId50"/>
+    <p:notesMasterId r:id="rId51"/>
   </p:notesMasterIdLst>
   <p:handoutMasterIdLst>
-    <p:handoutMasterId r:id="rId51"/>
+    <p:handoutMasterId r:id="rId52"/>
   </p:handoutMasterIdLst>
   <p:sldIdLst>
     <p:sldId id="502" r:id="rId2"/>
@@ -47,18 +47,19 @@
     <p:sldId id="521" r:id="rId35"/>
     <p:sldId id="525" r:id="rId36"/>
     <p:sldId id="528" r:id="rId37"/>
-    <p:sldId id="538" r:id="rId38"/>
-    <p:sldId id="526" r:id="rId39"/>
-    <p:sldId id="535" r:id="rId40"/>
-    <p:sldId id="540" r:id="rId41"/>
-    <p:sldId id="543" r:id="rId42"/>
-    <p:sldId id="532" r:id="rId43"/>
-    <p:sldId id="544" r:id="rId44"/>
-    <p:sldId id="542" r:id="rId45"/>
-    <p:sldId id="547" r:id="rId46"/>
-    <p:sldId id="548" r:id="rId47"/>
-    <p:sldId id="549" r:id="rId48"/>
-    <p:sldId id="550" r:id="rId49"/>
+    <p:sldId id="557" r:id="rId38"/>
+    <p:sldId id="559" r:id="rId39"/>
+    <p:sldId id="558" r:id="rId40"/>
+    <p:sldId id="542" r:id="rId41"/>
+    <p:sldId id="535" r:id="rId42"/>
+    <p:sldId id="540" r:id="rId43"/>
+    <p:sldId id="543" r:id="rId44"/>
+    <p:sldId id="532" r:id="rId45"/>
+    <p:sldId id="544" r:id="rId46"/>
+    <p:sldId id="547" r:id="rId47"/>
+    <p:sldId id="548" r:id="rId48"/>
+    <p:sldId id="549" r:id="rId49"/>
+    <p:sldId id="550" r:id="rId50"/>
   </p:sldIdLst>
   <p:sldSz cx="9144000" cy="6858000" type="screen4x3"/>
   <p:notesSz cx="7019925" cy="9305925"/>
@@ -393,7 +394,7 @@
           <a:blip r:embed="rId2" cstate="email">
             <a:extLst>
               <a:ext uri="{28A0092B-C50C-407E-A947-70E740481C1C}">
-                <a14:useLocalDpi xmlns:a14="http://schemas.microsoft.com/office/drawing/2010/main" xmlns=""/>
+                <a14:useLocalDpi xmlns="" xmlns:a14="http://schemas.microsoft.com/office/drawing/2010/main"/>
               </a:ext>
             </a:extLst>
           </a:blip>
@@ -416,14 +417,14 @@
           </a:ln>
           <a:extLst>
             <a:ext uri="{909E8E84-426E-40DD-AFC4-6F175D3DCCD1}">
-              <a14:hiddenFill xmlns:a14="http://schemas.microsoft.com/office/drawing/2010/main" xmlns="">
+              <a14:hiddenFill xmlns="" xmlns:a14="http://schemas.microsoft.com/office/drawing/2010/main">
                 <a:solidFill>
                   <a:srgbClr val="FFFFFF"/>
                 </a:solidFill>
               </a14:hiddenFill>
             </a:ext>
             <a:ext uri="{91240B29-F687-4F45-9708-019B960494DF}">
-              <a14:hiddenLine xmlns:a14="http://schemas.microsoft.com/office/drawing/2010/main" xmlns="" w="9525">
+              <a14:hiddenLine xmlns="" xmlns:a14="http://schemas.microsoft.com/office/drawing/2010/main" w="9525">
                 <a:solidFill>
                   <a:srgbClr val="000000"/>
                 </a:solidFill>
@@ -489,7 +490,7 @@
     </p:spTree>
     <p:extLst>
       <p:ext uri="{BB962C8B-B14F-4D97-AF65-F5344CB8AC3E}">
-        <p14:creationId xmlns:p14="http://schemas.microsoft.com/office/powerpoint/2010/main" xmlns="" val="628502370"/>
+        <p14:creationId xmlns="" xmlns:p14="http://schemas.microsoft.com/office/powerpoint/2010/main" val="628502370"/>
       </p:ext>
     </p:extLst>
   </p:cSld>
@@ -857,7 +858,7 @@
           <a:blip r:embed="rId2">
             <a:extLst>
               <a:ext uri="{28A0092B-C50C-407E-A947-70E740481C1C}">
-                <a14:useLocalDpi xmlns:a14="http://schemas.microsoft.com/office/drawing/2010/main" xmlns="" val="0"/>
+                <a14:useLocalDpi xmlns="" xmlns:a14="http://schemas.microsoft.com/office/drawing/2010/main" val="0"/>
               </a:ext>
             </a:extLst>
           </a:blip>
@@ -880,14 +881,14 @@
           </a:ln>
           <a:extLst>
             <a:ext uri="{909E8E84-426E-40DD-AFC4-6F175D3DCCD1}">
-              <a14:hiddenFill xmlns:a14="http://schemas.microsoft.com/office/drawing/2010/main" xmlns="">
+              <a14:hiddenFill xmlns="" xmlns:a14="http://schemas.microsoft.com/office/drawing/2010/main">
                 <a:solidFill>
                   <a:srgbClr val="FFFFFF"/>
                 </a:solidFill>
               </a14:hiddenFill>
             </a:ext>
             <a:ext uri="{91240B29-F687-4F45-9708-019B960494DF}">
-              <a14:hiddenLine xmlns:a14="http://schemas.microsoft.com/office/drawing/2010/main" xmlns="" w="9525">
+              <a14:hiddenLine xmlns="" xmlns:a14="http://schemas.microsoft.com/office/drawing/2010/main" w="9525">
                 <a:solidFill>
                   <a:srgbClr val="000000"/>
                 </a:solidFill>
@@ -902,7 +903,7 @@
     </p:spTree>
     <p:extLst>
       <p:ext uri="{BB962C8B-B14F-4D97-AF65-F5344CB8AC3E}">
-        <p14:creationId xmlns:p14="http://schemas.microsoft.com/office/powerpoint/2010/main" xmlns="" val="2527175764"/>
+        <p14:creationId xmlns="" xmlns:p14="http://schemas.microsoft.com/office/powerpoint/2010/main" val="2527175764"/>
       </p:ext>
     </p:extLst>
   </p:cSld>
@@ -1814,7 +1815,7 @@
     </p:spTree>
     <p:extLst>
       <p:ext uri="{BB962C8B-B14F-4D97-AF65-F5344CB8AC3E}">
-        <p14:creationId xmlns:p14="http://schemas.microsoft.com/office/powerpoint/2010/main" xmlns="" val="3802474555"/>
+        <p14:creationId xmlns="" xmlns:p14="http://schemas.microsoft.com/office/powerpoint/2010/main" val="3802474555"/>
       </p:ext>
     </p:extLst>
   </p:cSld>
@@ -2023,7 +2024,7 @@
     </p:spTree>
     <p:extLst>
       <p:ext uri="{BB962C8B-B14F-4D97-AF65-F5344CB8AC3E}">
-        <p14:creationId xmlns:p14="http://schemas.microsoft.com/office/powerpoint/2010/main" xmlns="" val="2496899330"/>
+        <p14:creationId xmlns="" xmlns:p14="http://schemas.microsoft.com/office/powerpoint/2010/main" val="2496899330"/>
       </p:ext>
     </p:extLst>
   </p:cSld>
@@ -2063,7 +2064,7 @@
     </p:spTree>
     <p:extLst>
       <p:ext uri="{BB962C8B-B14F-4D97-AF65-F5344CB8AC3E}">
-        <p14:creationId xmlns:p14="http://schemas.microsoft.com/office/powerpoint/2010/main" xmlns="" val="2103925258"/>
+        <p14:creationId xmlns="" xmlns:p14="http://schemas.microsoft.com/office/powerpoint/2010/main" val="2103925258"/>
       </p:ext>
     </p:extLst>
   </p:cSld>
@@ -4552,7 +4553,7 @@
             <a:lum/>
             <a:extLst>
               <a:ext uri="{28A0092B-C50C-407E-A947-70E740481C1C}">
-                <a14:useLocalDpi xmlns:a14="http://schemas.microsoft.com/office/drawing/2010/main" xmlns="" val="0"/>
+                <a14:useLocalDpi xmlns="" xmlns:a14="http://schemas.microsoft.com/office/drawing/2010/main" val="0"/>
               </a:ext>
             </a:extLst>
           </a:blip>
@@ -4572,7 +4573,7 @@
           <a:noFill/>
           <a:extLst>
             <a:ext uri="{909E8E84-426E-40DD-AFC4-6F175D3DCCD1}">
-              <a14:hiddenFill xmlns:a14="http://schemas.microsoft.com/office/drawing/2010/main" xmlns="">
+              <a14:hiddenFill xmlns="" xmlns:a14="http://schemas.microsoft.com/office/drawing/2010/main">
                 <a:solidFill>
                   <a:srgbClr val="FFFFFF"/>
                 </a:solidFill>
@@ -4692,7 +4693,7 @@
     </p:spTree>
     <p:extLst>
       <p:ext uri="{BB962C8B-B14F-4D97-AF65-F5344CB8AC3E}">
-        <p14:creationId xmlns:p14="http://schemas.microsoft.com/office/powerpoint/2010/main" xmlns="" val="3952534683"/>
+        <p14:creationId xmlns="" xmlns:p14="http://schemas.microsoft.com/office/powerpoint/2010/main" val="3952534683"/>
       </p:ext>
     </p:extLst>
   </p:cSld>
@@ -8357,11 +8358,7 @@
             </a:r>
             <a:r>
               <a:rPr lang="zh-TW" altLang="en-US" sz="2400" dirty="0" smtClean="0"/>
-              <a:t>則</a:t>
-            </a:r>
-            <a:r>
-              <a:rPr lang="zh-TW" altLang="en-US" sz="2400" dirty="0" smtClean="0"/>
-              <a:t>是元件就是</a:t>
+              <a:t>則是元件就是</a:t>
             </a:r>
             <a:r>
               <a:rPr lang="en-US" altLang="zh-TW" sz="2400" dirty="0" smtClean="0"/>
@@ -8438,11 +8435,7 @@
             </a:r>
             <a:r>
               <a:rPr lang="zh-TW" altLang="en-US" sz="2800" dirty="0" smtClean="0"/>
-              <a:t>區塊上</a:t>
-            </a:r>
-            <a:r>
-              <a:rPr lang="zh-TW" altLang="en-US" sz="2800" dirty="0" smtClean="0"/>
-              <a:t>。</a:t>
+              <a:t>區塊上。</a:t>
             </a:r>
             <a:endParaRPr lang="en-US" altLang="zh-TW" sz="2800" dirty="0" smtClean="0"/>
           </a:p>
@@ -8536,11 +8529,7 @@
             </a:r>
             <a:r>
               <a:rPr lang="zh-TW" altLang="en-US" dirty="0" smtClean="0"/>
-              <a:t>設計模</a:t>
-            </a:r>
-            <a:r>
-              <a:rPr lang="zh-TW" altLang="en-US" dirty="0" smtClean="0"/>
-              <a:t>式</a:t>
+              <a:t>設計模式</a:t>
             </a:r>
             <a:r>
               <a:rPr lang="en-US" altLang="zh-TW" dirty="0" smtClean="0"/>
@@ -8664,7 +8653,7 @@
           <a:blip r:embed="rId2" cstate="print">
             <a:extLst>
               <a:ext uri="{28A0092B-C50C-407E-A947-70E740481C1C}">
-                <a14:useLocalDpi xmlns:a14="http://schemas.microsoft.com/office/drawing/2010/main" xmlns="" val="0"/>
+                <a14:useLocalDpi xmlns="" xmlns:a14="http://schemas.microsoft.com/office/drawing/2010/main" val="0"/>
               </a:ext>
             </a:extLst>
           </a:blip>
@@ -8684,7 +8673,7 @@
           <a:noFill/>
           <a:extLst>
             <a:ext uri="{909E8E84-426E-40DD-AFC4-6F175D3DCCD1}">
-              <a14:hiddenFill xmlns:a14="http://schemas.microsoft.com/office/drawing/2010/main" xmlns="">
+              <a14:hiddenFill xmlns="" xmlns:a14="http://schemas.microsoft.com/office/drawing/2010/main">
                 <a:solidFill>
                   <a:srgbClr val="FFFFFF"/>
                 </a:solidFill>
@@ -8733,28 +8722,7 @@
                 <a:latin typeface="微軟正黑體" pitchFamily="34" charset="-120"/>
                 <a:ea typeface="微軟正黑體" pitchFamily="34" charset="-120"/>
               </a:rPr>
-              <a:t>- </a:t>
-            </a:r>
-            <a:r>
-              <a:rPr lang="zh-TW" altLang="en-US" sz="4000" dirty="0" smtClean="0">
-                <a:latin typeface="微軟正黑體" pitchFamily="34" charset="-120"/>
-                <a:ea typeface="微軟正黑體" pitchFamily="34" charset="-120"/>
-              </a:rPr>
-              <a:t>以</a:t>
-            </a:r>
-            <a:r>
-              <a:rPr lang="en-US" altLang="zh-TW" sz="4000" dirty="0" smtClean="0">
-                <a:latin typeface="微軟正黑體" pitchFamily="34" charset="-120"/>
-                <a:ea typeface="微軟正黑體" pitchFamily="34" charset="-120"/>
-              </a:rPr>
-              <a:t>ZK</a:t>
-            </a:r>
-            <a:r>
-              <a:rPr lang="zh-TW" altLang="en-US" sz="4000" dirty="0" smtClean="0">
-                <a:latin typeface="微軟正黑體" pitchFamily="34" charset="-120"/>
-                <a:ea typeface="微軟正黑體" pitchFamily="34" charset="-120"/>
-              </a:rPr>
-              <a:t>為例</a:t>
+              <a:t>– ZK &amp; JSF </a:t>
             </a:r>
             <a:endParaRPr lang="zh-TW" altLang="en-US" sz="4000" dirty="0">
               <a:latin typeface="微軟正黑體" pitchFamily="34" charset="-120"/>
@@ -11044,11 +11012,7 @@
             </a:r>
             <a:r>
               <a:rPr lang="zh-TW" altLang="en-US" dirty="0" smtClean="0"/>
-              <a:t>宣</a:t>
-            </a:r>
-            <a:r>
-              <a:rPr lang="zh-TW" altLang="en-US" dirty="0" smtClean="0"/>
-              <a:t>告 </a:t>
+              <a:t>宣告 </a:t>
             </a:r>
             <a:r>
               <a:rPr lang="en-US" altLang="zh-TW" dirty="0" smtClean="0"/>
@@ -11641,15 +11605,7 @@
             </a:r>
             <a:r>
               <a:rPr lang="zh-TW" altLang="en-US" sz="2400" dirty="0" smtClean="0"/>
-              <a:t>在畫面中哪裡開始</a:t>
-            </a:r>
-            <a:r>
-              <a:rPr lang="zh-TW" altLang="en-US" sz="2400" dirty="0" smtClean="0"/>
-              <a:t>使用是明確宣告的</a:t>
-            </a:r>
-            <a:r>
-              <a:rPr lang="zh-TW" altLang="en-US" sz="2400" dirty="0" smtClean="0"/>
-              <a:t>，</a:t>
+              <a:t>在畫面中哪裡開始使用是明確宣告的，</a:t>
             </a:r>
             <a:r>
               <a:rPr lang="en-US" altLang="zh-TW" sz="2400" dirty="0" smtClean="0"/>
@@ -11686,11 +11642,7 @@
             </a:r>
             <a:r>
               <a:rPr lang="zh-TW" altLang="en-US" sz="2800" dirty="0" smtClean="0"/>
-              <a:t>宣告簡單、易用</a:t>
-            </a:r>
-            <a:r>
-              <a:rPr lang="zh-TW" altLang="en-US" sz="2800" dirty="0" smtClean="0"/>
-              <a:t>。</a:t>
+              <a:t>宣告簡單、易用。</a:t>
             </a:r>
             <a:endParaRPr lang="en-US" altLang="zh-TW" sz="2800" dirty="0" smtClean="0"/>
           </a:p>
@@ -12497,11 +12449,7 @@
           <a:p>
             <a:r>
               <a:rPr lang="en-US" altLang="zh-TW" dirty="0" smtClean="0"/>
-              <a:t>ZK @bind </a:t>
-            </a:r>
-            <a:r>
-              <a:rPr lang="en-US" altLang="zh-TW" dirty="0" smtClean="0"/>
-              <a:t>&amp; @load</a:t>
+              <a:t>ZK @bind &amp; @load</a:t>
             </a:r>
             <a:endParaRPr lang="zh-TW" altLang="en-US" dirty="0"/>
           </a:p>
@@ -13740,15 +13688,7 @@
             </a:r>
             <a:r>
               <a:rPr lang="zh-TW" altLang="en-US" sz="2400" dirty="0" smtClean="0"/>
-              <a:t>在畫面中哪裡開始</a:t>
-            </a:r>
-            <a:r>
-              <a:rPr lang="zh-TW" altLang="en-US" sz="2400" dirty="0" smtClean="0"/>
-              <a:t>使用是明確宣告的</a:t>
-            </a:r>
-            <a:r>
-              <a:rPr lang="zh-TW" altLang="en-US" sz="2400" dirty="0" smtClean="0"/>
-              <a:t>，</a:t>
+              <a:t>在畫面中哪裡開始使用是明確宣告的，</a:t>
             </a:r>
             <a:r>
               <a:rPr lang="en-US" altLang="zh-TW" sz="2400" dirty="0" smtClean="0"/>
@@ -13785,11 +13725,7 @@
             </a:r>
             <a:r>
               <a:rPr lang="zh-TW" altLang="en-US" sz="2800" dirty="0" smtClean="0"/>
-              <a:t>宣告簡單、易用</a:t>
-            </a:r>
-            <a:r>
-              <a:rPr lang="zh-TW" altLang="en-US" sz="2800" dirty="0" smtClean="0"/>
-              <a:t>。</a:t>
+              <a:t>宣告簡單、易用。</a:t>
             </a:r>
             <a:endParaRPr lang="en-US" altLang="zh-TW" sz="2800" dirty="0" smtClean="0"/>
           </a:p>
@@ -14209,7 +14145,7 @@
     </p:spTree>
     <p:extLst>
       <p:ext uri="{BB962C8B-B14F-4D97-AF65-F5344CB8AC3E}">
-        <p14:creationId xmlns:p14="http://schemas.microsoft.com/office/powerpoint/2010/main" xmlns="" val="3577367637"/>
+        <p14:creationId xmlns="" xmlns:p14="http://schemas.microsoft.com/office/powerpoint/2010/main" val="3577367637"/>
       </p:ext>
     </p:extLst>
   </p:cSld>
@@ -14444,46 +14380,72 @@
         </p:spPr>
         <p:txBody>
           <a:bodyPr>
-            <a:normAutofit fontScale="92500" lnSpcReduction="20000"/>
+            <a:normAutofit fontScale="92500" lnSpcReduction="10000"/>
           </a:bodyPr>
           <a:lstStyle/>
           <a:p>
             <a:r>
-              <a:rPr lang="en-US" altLang="zh-TW" sz="2800" dirty="0" err="1" smtClean="0"/>
-              <a:t>Zul</a:t>
-            </a:r>
-            <a:r>
               <a:rPr lang="en-US" altLang="zh-TW" sz="2800" dirty="0" smtClean="0"/>
-              <a:t> Annotation</a:t>
+              <a:t>JSF</a:t>
             </a:r>
             <a:r>
               <a:rPr lang="zh-TW" altLang="en-US" sz="2800" dirty="0" smtClean="0"/>
-              <a:t>內使用。</a:t>
+              <a:t>中</a:t>
+            </a:r>
+            <a:r>
+              <a:rPr lang="en-US" altLang="zh-TW" sz="2800" dirty="0" smtClean="0"/>
+              <a:t>Object </a:t>
+            </a:r>
+            <a:r>
+              <a:rPr lang="zh-TW" altLang="en-US" sz="2800" dirty="0" smtClean="0"/>
+              <a:t>與</a:t>
+            </a:r>
+            <a:r>
+              <a:rPr lang="en-US" altLang="zh-TW" sz="2800" dirty="0" smtClean="0"/>
+              <a:t>Object </a:t>
+            </a:r>
+            <a:r>
+              <a:rPr lang="zh-TW" altLang="en-US" sz="2800" dirty="0" smtClean="0"/>
+              <a:t>之</a:t>
+            </a:r>
+            <a:r>
+              <a:rPr lang="zh-TW" altLang="en-US" sz="2800" dirty="0" smtClean="0"/>
+              <a:t>間的</a:t>
+            </a:r>
+            <a:r>
+              <a:rPr lang="en-US" altLang="zh-TW" sz="2800" dirty="0" smtClean="0"/>
+              <a:t>Binding </a:t>
+            </a:r>
+            <a:r>
+              <a:rPr lang="zh-TW" altLang="en-US" sz="2800" dirty="0" smtClean="0"/>
+              <a:t>關係其實隔了一層</a:t>
+            </a:r>
+            <a:r>
+              <a:rPr lang="en-US" altLang="zh-TW" sz="2800" dirty="0" smtClean="0"/>
+              <a:t>EL Evaluation</a:t>
+            </a:r>
+            <a:r>
+              <a:rPr lang="zh-TW" altLang="en-US" sz="2800" dirty="0" smtClean="0"/>
+              <a:t>。</a:t>
             </a:r>
             <a:endParaRPr lang="en-US" altLang="zh-TW" sz="2800" dirty="0" smtClean="0"/>
           </a:p>
           <a:p>
             <a:r>
               <a:rPr lang="zh-TW" altLang="en-US" sz="2800" dirty="0" smtClean="0"/>
-              <a:t>使用標準的</a:t>
+              <a:t>比早期</a:t>
+            </a:r>
+            <a:r>
+              <a:rPr lang="en-US" altLang="zh-TW" sz="2800" dirty="0" smtClean="0"/>
+              <a:t>JSP2.0</a:t>
+            </a:r>
+            <a:r>
+              <a:rPr lang="zh-TW" altLang="en-US" sz="2800" dirty="0" smtClean="0"/>
+              <a:t>更強大的</a:t>
             </a:r>
             <a:r>
               <a:rPr lang="en-US" altLang="zh-TW" sz="2800" dirty="0" smtClean="0"/>
               <a:t>EL</a:t>
-            </a:r>
-          </a:p>
-          <a:p>
-            <a:r>
-              <a:rPr lang="zh-TW" altLang="en-US" sz="2800" dirty="0" smtClean="0"/>
-              <a:t>跟</a:t>
-            </a:r>
-            <a:r>
-              <a:rPr lang="en-US" altLang="zh-TW" sz="2800" dirty="0" smtClean="0"/>
-              <a:t>JSF</a:t>
-            </a:r>
-            <a:r>
-              <a:rPr lang="zh-TW" altLang="en-US" sz="2800" dirty="0" smtClean="0"/>
-              <a:t>一樣</a:t>
             </a:r>
             <a:endParaRPr lang="en-US" altLang="zh-TW" sz="2800" dirty="0" smtClean="0"/>
           </a:p>
@@ -14510,6 +14472,129 @@
               <a:t>31</a:t>
             </a:fld>
             <a:endParaRPr kumimoji="0" lang="en-US"/>
+          </a:p>
+        </p:txBody>
+      </p:sp>
+      <p:sp>
+        <p:nvSpPr>
+          <p:cNvPr id="7" name="Rectangle 6"/>
+          <p:cNvSpPr/>
+          <p:nvPr/>
+        </p:nvSpPr>
+        <p:spPr>
+          <a:xfrm>
+            <a:off x="1707615" y="3360145"/>
+            <a:ext cx="4638102" cy="958701"/>
+          </a:xfrm>
+          <a:prstGeom prst="rect">
+            <a:avLst/>
+          </a:prstGeom>
+          <a:noFill/>
+          <a:ln w="19050">
+            <a:solidFill>
+              <a:srgbClr val="FF0000"/>
+            </a:solidFill>
+          </a:ln>
+        </p:spPr>
+        <p:style>
+          <a:lnRef idx="2">
+            <a:schemeClr val="accent1">
+              <a:shade val="50000"/>
+            </a:schemeClr>
+          </a:lnRef>
+          <a:fillRef idx="1">
+            <a:schemeClr val="accent1"/>
+          </a:fillRef>
+          <a:effectRef idx="0">
+            <a:schemeClr val="accent1"/>
+          </a:effectRef>
+          <a:fontRef idx="minor">
+            <a:schemeClr val="lt1"/>
+          </a:fontRef>
+        </p:style>
+        <p:txBody>
+          <a:bodyPr rtlCol="0" anchor="ctr"/>
+          <a:lstStyle/>
+          <a:p>
+            <a:pPr algn="ctr"/>
+            <a:endParaRPr lang="zh-TW" altLang="en-US"/>
+          </a:p>
+        </p:txBody>
+      </p:sp>
+      <p:cxnSp>
+        <p:nvCxnSpPr>
+          <p:cNvPr id="8" name="Straight Arrow Connector 7"/>
+          <p:cNvCxnSpPr>
+            <a:stCxn id="7" idx="0"/>
+            <a:endCxn id="9" idx="1"/>
+          </p:cNvCxnSpPr>
+          <p:nvPr/>
+        </p:nvCxnSpPr>
+        <p:spPr>
+          <a:xfrm flipV="1">
+            <a:off x="4026666" y="2784647"/>
+            <a:ext cx="754684" cy="575498"/>
+          </a:xfrm>
+          <a:prstGeom prst="straightConnector1">
+            <a:avLst/>
+          </a:prstGeom>
+          <a:ln w="12700">
+            <a:solidFill>
+              <a:srgbClr val="FF0000"/>
+            </a:solidFill>
+            <a:tailEnd type="arrow"/>
+          </a:ln>
+        </p:spPr>
+        <p:style>
+          <a:lnRef idx="1">
+            <a:schemeClr val="accent1"/>
+          </a:lnRef>
+          <a:fillRef idx="0">
+            <a:schemeClr val="accent1"/>
+          </a:fillRef>
+          <a:effectRef idx="0">
+            <a:schemeClr val="accent1"/>
+          </a:effectRef>
+          <a:fontRef idx="minor">
+            <a:schemeClr val="tx1"/>
+          </a:fontRef>
+        </p:style>
+      </p:cxnSp>
+      <p:sp>
+        <p:nvSpPr>
+          <p:cNvPr id="9" name="TextBox 8"/>
+          <p:cNvSpPr txBox="1"/>
+          <p:nvPr/>
+        </p:nvSpPr>
+        <p:spPr>
+          <a:xfrm>
+            <a:off x="4781350" y="2599981"/>
+            <a:ext cx="1150700" cy="369332"/>
+          </a:xfrm>
+          <a:prstGeom prst="rect">
+            <a:avLst/>
+          </a:prstGeom>
+          <a:noFill/>
+        </p:spPr>
+        <p:txBody>
+          <a:bodyPr wrap="none" rtlCol="0">
+            <a:spAutoFit/>
+          </a:bodyPr>
+          <a:lstStyle/>
+          <a:p>
+            <a:r>
+              <a:rPr lang="en-US" altLang="zh-TW" dirty="0" smtClean="0">
+                <a:solidFill>
+                  <a:srgbClr val="FF0000"/>
+                </a:solidFill>
+              </a:rPr>
+              <a:t>EL usage</a:t>
+            </a:r>
+            <a:endParaRPr lang="zh-TW" altLang="en-US" dirty="0">
+              <a:solidFill>
+                <a:srgbClr val="FF0000"/>
+              </a:solidFill>
+            </a:endParaRPr>
           </a:p>
         </p:txBody>
       </p:sp>
@@ -14601,7 +14686,11 @@
           <a:p>
             <a:r>
               <a:rPr lang="en-US" altLang="zh-TW" dirty="0" smtClean="0"/>
-              <a:t>Bind Properties through EL</a:t>
+              <a:t>ZK Binding through </a:t>
+            </a:r>
+            <a:r>
+              <a:rPr lang="en-US" altLang="zh-TW" dirty="0" smtClean="0"/>
+              <a:t>EL</a:t>
             </a:r>
             <a:endParaRPr lang="zh-TW" altLang="en-US" dirty="0"/>
           </a:p>
@@ -14619,7 +14708,7 @@
         </p:nvSpPr>
         <p:spPr>
           <a:xfrm>
-            <a:off x="4759288" y="3429828"/>
+            <a:off x="4759288" y="3799160"/>
             <a:ext cx="3927512" cy="2331994"/>
           </a:xfrm>
         </p:spPr>
@@ -14630,12 +14719,20 @@
           <a:lstStyle/>
           <a:p>
             <a:r>
+              <a:rPr lang="zh-TW" altLang="en-US" sz="2800" dirty="0" smtClean="0"/>
+              <a:t>在</a:t>
+            </a:r>
+            <a:r>
               <a:rPr lang="en-US" altLang="zh-TW" sz="2800" dirty="0" err="1" smtClean="0"/>
               <a:t>Zul</a:t>
             </a:r>
             <a:r>
               <a:rPr lang="en-US" altLang="zh-TW" sz="2800" dirty="0" smtClean="0"/>
-              <a:t> Annotation</a:t>
+              <a:t> </a:t>
+            </a:r>
+            <a:r>
+              <a:rPr lang="en-US" altLang="zh-TW" sz="2800" dirty="0" smtClean="0"/>
+              <a:t>Annotation</a:t>
             </a:r>
             <a:r>
               <a:rPr lang="zh-TW" altLang="en-US" sz="2800" dirty="0" smtClean="0"/>
@@ -14646,25 +14743,27 @@
           <a:p>
             <a:r>
               <a:rPr lang="zh-TW" altLang="en-US" sz="2800" dirty="0" smtClean="0"/>
-              <a:t>使用標準的</a:t>
+              <a:t>跟</a:t>
+            </a:r>
+            <a:r>
+              <a:rPr lang="en-US" altLang="zh-TW" sz="2800" dirty="0" smtClean="0"/>
+              <a:t>JSF</a:t>
+            </a:r>
+            <a:r>
+              <a:rPr lang="zh-TW" altLang="en-US" sz="2800" dirty="0" smtClean="0"/>
+              <a:t>一</a:t>
+            </a:r>
+            <a:r>
+              <a:rPr lang="zh-TW" altLang="en-US" sz="2800" dirty="0" smtClean="0"/>
+              <a:t>樣</a:t>
+            </a:r>
+            <a:r>
+              <a:rPr lang="zh-TW" altLang="en-US" sz="2800" dirty="0" smtClean="0"/>
+              <a:t>的標準</a:t>
             </a:r>
             <a:r>
               <a:rPr lang="en-US" altLang="zh-TW" sz="2800" dirty="0" smtClean="0"/>
               <a:t>EL</a:t>
-            </a:r>
-          </a:p>
-          <a:p>
-            <a:r>
-              <a:rPr lang="zh-TW" altLang="en-US" sz="2800" dirty="0" smtClean="0"/>
-              <a:t>跟</a:t>
-            </a:r>
-            <a:r>
-              <a:rPr lang="en-US" altLang="zh-TW" sz="2800" dirty="0" smtClean="0"/>
-              <a:t>JSF</a:t>
-            </a:r>
-            <a:r>
-              <a:rPr lang="zh-TW" altLang="en-US" sz="2800" dirty="0" smtClean="0"/>
-              <a:t>一樣</a:t>
             </a:r>
             <a:endParaRPr lang="en-US" altLang="zh-TW" sz="2800" dirty="0" smtClean="0"/>
           </a:p>
@@ -14711,7 +14810,7 @@
         </p:blipFill>
         <p:spPr bwMode="auto">
           <a:xfrm>
-            <a:off x="195493" y="4464050"/>
+            <a:off x="0" y="3883483"/>
             <a:ext cx="4383087" cy="1892300"/>
           </a:xfrm>
           <a:prstGeom prst="rect">
@@ -14726,36 +14825,6 @@
           </a:ln>
         </p:spPr>
       </p:pic>
-      <p:sp>
-        <p:nvSpPr>
-          <p:cNvPr id="8" name="TextBox 7"/>
-          <p:cNvSpPr txBox="1"/>
-          <p:nvPr/>
-        </p:nvSpPr>
-        <p:spPr>
-          <a:xfrm>
-            <a:off x="2539388" y="5761822"/>
-            <a:ext cx="1146532" cy="369332"/>
-          </a:xfrm>
-          <a:prstGeom prst="rect">
-            <a:avLst/>
-          </a:prstGeom>
-          <a:noFill/>
-        </p:spPr>
-        <p:txBody>
-          <a:bodyPr wrap="none" rtlCol="0">
-            <a:spAutoFit/>
-          </a:bodyPr>
-          <a:lstStyle/>
-          <a:p>
-            <a:r>
-              <a:rPr lang="en-US" altLang="zh-TW" dirty="0" smtClean="0"/>
-              <a:t>User.java</a:t>
-            </a:r>
-            <a:endParaRPr lang="zh-TW" altLang="en-US" dirty="0"/>
-          </a:p>
-        </p:txBody>
-      </p:sp>
     </p:spTree>
   </p:cSld>
   <p:clrMapOvr>
@@ -14805,11 +14874,7 @@
           <a:p>
             <a:r>
               <a:rPr lang="en-US" altLang="zh-TW" dirty="0" smtClean="0"/>
-              <a:t>User </a:t>
-            </a:r>
-            <a:r>
-              <a:rPr lang="en-US" altLang="zh-TW" dirty="0" smtClean="0"/>
-              <a:t>action &amp; view update</a:t>
+              <a:t>User action &amp; view update</a:t>
             </a:r>
             <a:endParaRPr lang="zh-TW" altLang="en-US" dirty="0"/>
           </a:p>
@@ -14934,7 +14999,7 @@
         </p:nvSpPr>
         <p:spPr>
           <a:xfrm>
-            <a:off x="457200" y="789885"/>
+            <a:off x="457200" y="646664"/>
             <a:ext cx="8229600" cy="1143000"/>
           </a:xfrm>
         </p:spPr>
@@ -14964,8 +15029,8 @@
         </p:nvSpPr>
         <p:spPr>
           <a:xfrm>
-            <a:off x="457200" y="1821548"/>
-            <a:ext cx="8229600" cy="4057877"/>
+            <a:off x="457200" y="4153359"/>
+            <a:ext cx="8229600" cy="1726066"/>
           </a:xfrm>
         </p:spPr>
         <p:txBody>
@@ -14974,22 +15039,41 @@
           </a:bodyPr>
           <a:lstStyle/>
           <a:p>
-            <a:pPr>
-              <a:buNone/>
+            <a:pPr marL="514350" indent="-514350">
+              <a:buFont typeface="+mj-lt"/>
+              <a:buAutoNum type="arabicPeriod"/>
             </a:pPr>
             <a:r>
               <a:rPr lang="en-US" altLang="zh-TW" sz="2800" dirty="0" smtClean="0"/>
-              <a:t>User Action : </a:t>
-            </a:r>
-            <a:r>
-              <a:rPr lang="en-US" altLang="zh-TW" sz="2800" dirty="0" err="1" smtClean="0"/>
-              <a:t>ActionListener</a:t>
-            </a:r>
-            <a:endParaRPr lang="en-US" altLang="zh-TW" sz="2800" b="1" dirty="0" smtClean="0">
-              <a:solidFill>
-                <a:srgbClr val="FF0000"/>
-              </a:solidFill>
-            </a:endParaRPr>
+              <a:t>“Command” Button + Action Listener Binding</a:t>
+            </a:r>
+          </a:p>
+          <a:p>
+            <a:pPr marL="514350" indent="-514350">
+              <a:buFont typeface="+mj-lt"/>
+              <a:buAutoNum type="arabicPeriod"/>
+            </a:pPr>
+            <a:r>
+              <a:rPr lang="zh-TW" altLang="en-US" sz="2800" dirty="0" smtClean="0"/>
+              <a:t>通知所</a:t>
+            </a:r>
+            <a:r>
+              <a:rPr lang="zh-TW" altLang="en-US" sz="2800" dirty="0" smtClean="0"/>
+              <a:t>有用到</a:t>
+            </a:r>
+            <a:r>
+              <a:rPr lang="en-US" altLang="zh-TW" sz="2800" dirty="0" smtClean="0"/>
+              <a:t>backing bean(view model)</a:t>
+            </a:r>
+            <a:r>
+              <a:rPr lang="zh-TW" altLang="en-US" sz="2800" dirty="0" smtClean="0"/>
+              <a:t>的</a:t>
+            </a:r>
+            <a:r>
+              <a:rPr lang="en-US" altLang="zh-TW" sz="2800" dirty="0" smtClean="0"/>
+              <a:t>Bindings</a:t>
+            </a:r>
+            <a:endParaRPr lang="en-US" altLang="zh-TW" sz="2800" dirty="0" smtClean="0"/>
           </a:p>
           <a:p>
             <a:pPr>
@@ -15040,7 +15124,7 @@
         </p:blipFill>
         <p:spPr bwMode="auto">
           <a:xfrm>
-            <a:off x="4035144" y="3110840"/>
+            <a:off x="4035144" y="2020157"/>
             <a:ext cx="5074352" cy="1782973"/>
           </a:xfrm>
           <a:prstGeom prst="rect">
@@ -15072,7 +15156,7 @@
         </p:blipFill>
         <p:spPr bwMode="auto">
           <a:xfrm>
-            <a:off x="291592" y="2829464"/>
+            <a:off x="291592" y="1738781"/>
             <a:ext cx="3760804" cy="2550064"/>
           </a:xfrm>
           <a:prstGeom prst="rect">
@@ -15095,10 +15179,10 @@
         </p:nvGrpSpPr>
         <p:grpSpPr>
           <a:xfrm>
-            <a:off x="1299715" y="4306016"/>
-            <a:ext cx="7093787" cy="731806"/>
-            <a:chOff x="1299715" y="4306016"/>
-            <a:chExt cx="7093787" cy="731806"/>
+            <a:off x="1299715" y="3061095"/>
+            <a:ext cx="7093787" cy="886044"/>
+            <a:chOff x="1299715" y="4151778"/>
+            <a:chExt cx="7093787" cy="886044"/>
           </a:xfrm>
         </p:grpSpPr>
         <p:sp>
@@ -15118,9 +15202,7 @@
             <a:noFill/>
             <a:ln w="15875">
               <a:solidFill>
-                <a:srgbClr val="FF0000">
-                  <a:alpha val="52000"/>
-                </a:srgbClr>
+                <a:srgbClr val="FF0000"/>
               </a:solidFill>
             </a:ln>
           </p:spPr>
@@ -15160,8 +15242,8 @@
           </p:nvCxnSpPr>
           <p:spPr>
             <a:xfrm flipV="1">
-              <a:off x="3674852" y="4482140"/>
-              <a:ext cx="1250832" cy="456478"/>
+              <a:off x="3674852" y="4418477"/>
+              <a:ext cx="974266" cy="520141"/>
             </a:xfrm>
             <a:prstGeom prst="bentConnector3">
               <a:avLst>
@@ -15237,8 +15319,8 @@
           </p:nvSpPr>
           <p:spPr>
             <a:xfrm>
-              <a:off x="4925684" y="4306016"/>
-              <a:ext cx="3467818" cy="352247"/>
+              <a:off x="4649118" y="4151778"/>
+              <a:ext cx="3744384" cy="533398"/>
             </a:xfrm>
             <a:prstGeom prst="rect">
               <a:avLst/>
@@ -15246,9 +15328,7 @@
             <a:noFill/>
             <a:ln w="15875">
               <a:solidFill>
-                <a:srgbClr val="FF0000">
-                  <a:alpha val="52000"/>
-                </a:srgbClr>
+                <a:srgbClr val="FF0000"/>
               </a:solidFill>
             </a:ln>
           </p:spPr>
@@ -15286,7 +15366,7 @@
         </p:nvGrpSpPr>
         <p:grpSpPr>
           <a:xfrm>
-            <a:off x="1405550" y="3375720"/>
+            <a:off x="1405550" y="2285037"/>
             <a:ext cx="6332344" cy="661443"/>
             <a:chOff x="1405550" y="3375720"/>
             <a:chExt cx="6332344" cy="661443"/>
@@ -15309,9 +15389,7 @@
             <a:noFill/>
             <a:ln w="15875">
               <a:solidFill>
-                <a:srgbClr val="FF0000">
-                  <a:alpha val="52000"/>
-                </a:srgbClr>
+                <a:srgbClr val="FF0000"/>
               </a:solidFill>
             </a:ln>
           </p:spPr>
@@ -15357,9 +15435,7 @@
             <a:noFill/>
             <a:ln w="15875">
               <a:solidFill>
-                <a:srgbClr val="FF0000">
-                  <a:alpha val="52000"/>
-                </a:srgbClr>
+                <a:srgbClr val="FF0000"/>
               </a:solidFill>
             </a:ln>
           </p:spPr>
@@ -15545,56 +15621,46 @@
                                   </p:childTnLst>
                                 </p:cTn>
                               </p:par>
-                            </p:childTnLst>
-                          </p:cTn>
-                        </p:par>
-                      </p:childTnLst>
-                    </p:cTn>
-                  </p:par>
-                  <p:par>
-                    <p:cTn id="8" fill="hold">
-                      <p:stCondLst>
-                        <p:cond delay="indefinite"/>
-                      </p:stCondLst>
-                      <p:childTnLst>
-                        <p:par>
-                          <p:cTn id="9" fill="hold">
-                            <p:stCondLst>
-                              <p:cond delay="0"/>
-                            </p:stCondLst>
-                            <p:childTnLst>
                               <p:par>
-                                <p:cTn id="10" presetID="4" presetClass="exit" presetSubtype="16" fill="hold" nodeType="clickEffect">
+                                <p:cTn id="8" presetID="4" presetClass="entr" presetSubtype="16" fill="hold" nodeType="withEffect">
                                   <p:stCondLst>
                                     <p:cond delay="0"/>
                                   </p:stCondLst>
                                   <p:childTnLst>
-                                    <p:animEffect transition="out" filter="box(in)">
-                                      <p:cBhvr>
-                                        <p:cTn id="11" dur="500"/>
-                                        <p:tgtEl>
-                                          <p:spTgt spid="25"/>
-                                        </p:tgtEl>
-                                      </p:cBhvr>
-                                    </p:animEffect>
                                     <p:set>
                                       <p:cBhvr>
-                                        <p:cTn id="12" dur="1" fill="hold">
+                                        <p:cTn id="9" dur="1" fill="hold">
                                           <p:stCondLst>
-                                            <p:cond delay="499"/>
+                                            <p:cond delay="0"/>
                                           </p:stCondLst>
                                         </p:cTn>
                                         <p:tgtEl>
-                                          <p:spTgt spid="25"/>
+                                          <p:spTgt spid="3">
+                                            <p:txEl>
+                                              <p:pRg st="0" end="0"/>
+                                            </p:txEl>
+                                          </p:spTgt>
                                         </p:tgtEl>
                                         <p:attrNameLst>
                                           <p:attrName>style.visibility</p:attrName>
                                         </p:attrNameLst>
                                       </p:cBhvr>
                                       <p:to>
-                                        <p:strVal val="hidden"/>
+                                        <p:strVal val="visible"/>
                                       </p:to>
                                     </p:set>
+                                    <p:animEffect transition="in" filter="box(in)">
+                                      <p:cBhvr>
+                                        <p:cTn id="10" dur="500"/>
+                                        <p:tgtEl>
+                                          <p:spTgt spid="3">
+                                            <p:txEl>
+                                              <p:pRg st="0" end="0"/>
+                                            </p:txEl>
+                                          </p:spTgt>
+                                        </p:tgtEl>
+                                      </p:cBhvr>
+                                    </p:animEffect>
                                   </p:childTnLst>
                                 </p:cTn>
                               </p:par>
@@ -15605,26 +15671,26 @@
                     </p:cTn>
                   </p:par>
                   <p:par>
-                    <p:cTn id="13" fill="hold">
+                    <p:cTn id="11" fill="hold">
                       <p:stCondLst>
                         <p:cond delay="indefinite"/>
                       </p:stCondLst>
                       <p:childTnLst>
                         <p:par>
-                          <p:cTn id="14" fill="hold">
+                          <p:cTn id="12" fill="hold">
                             <p:stCondLst>
                               <p:cond delay="0"/>
                             </p:stCondLst>
                             <p:childTnLst>
                               <p:par>
-                                <p:cTn id="15" presetID="4" presetClass="entr" presetSubtype="16" fill="hold" nodeType="clickEffect">
+                                <p:cTn id="13" presetID="4" presetClass="entr" presetSubtype="16" fill="hold" nodeType="clickEffect">
                                   <p:stCondLst>
                                     <p:cond delay="0"/>
                                   </p:stCondLst>
                                   <p:childTnLst>
                                     <p:set>
                                       <p:cBhvr>
-                                        <p:cTn id="16" dur="1" fill="hold">
+                                        <p:cTn id="14" dur="1" fill="hold">
                                           <p:stCondLst>
                                             <p:cond delay="0"/>
                                           </p:stCondLst>
@@ -15642,9 +15708,52 @@
                                     </p:set>
                                     <p:animEffect transition="in" filter="box(in)">
                                       <p:cBhvr>
-                                        <p:cTn id="17" dur="500"/>
+                                        <p:cTn id="15" dur="500"/>
                                         <p:tgtEl>
                                           <p:spTgt spid="24"/>
+                                        </p:tgtEl>
+                                      </p:cBhvr>
+                                    </p:animEffect>
+                                  </p:childTnLst>
+                                </p:cTn>
+                              </p:par>
+                              <p:par>
+                                <p:cTn id="16" presetID="4" presetClass="entr" presetSubtype="16" fill="hold" nodeType="withEffect">
+                                  <p:stCondLst>
+                                    <p:cond delay="0"/>
+                                  </p:stCondLst>
+                                  <p:childTnLst>
+                                    <p:set>
+                                      <p:cBhvr>
+                                        <p:cTn id="17" dur="1" fill="hold">
+                                          <p:stCondLst>
+                                            <p:cond delay="0"/>
+                                          </p:stCondLst>
+                                        </p:cTn>
+                                        <p:tgtEl>
+                                          <p:spTgt spid="3">
+                                            <p:txEl>
+                                              <p:pRg st="1" end="1"/>
+                                            </p:txEl>
+                                          </p:spTgt>
+                                        </p:tgtEl>
+                                        <p:attrNameLst>
+                                          <p:attrName>style.visibility</p:attrName>
+                                        </p:attrNameLst>
+                                      </p:cBhvr>
+                                      <p:to>
+                                        <p:strVal val="visible"/>
+                                      </p:to>
+                                    </p:set>
+                                    <p:animEffect transition="in" filter="box(in)">
+                                      <p:cBhvr>
+                                        <p:cTn id="18" dur="500"/>
+                                        <p:tgtEl>
+                                          <p:spTgt spid="3">
+                                            <p:txEl>
+                                              <p:pRg st="1" end="1"/>
+                                            </p:txEl>
+                                          </p:spTgt>
                                         </p:tgtEl>
                                       </p:cBhvr>
                                     </p:animEffect>
@@ -15699,6 +15808,38 @@
           <a:chExt cx="0" cy="0"/>
         </a:xfrm>
       </p:grpSpPr>
+      <p:pic>
+        <p:nvPicPr>
+          <p:cNvPr id="1029" name="Picture 5"/>
+          <p:cNvPicPr>
+            <a:picLocks noChangeAspect="1" noChangeArrowheads="1"/>
+          </p:cNvPicPr>
+          <p:nvPr/>
+        </p:nvPicPr>
+        <p:blipFill>
+          <a:blip r:embed="rId2" cstate="print"/>
+          <a:srcRect/>
+          <a:stretch>
+            <a:fillRect/>
+          </a:stretch>
+        </p:blipFill>
+        <p:spPr bwMode="auto">
+          <a:xfrm>
+            <a:off x="395177" y="2401677"/>
+            <a:ext cx="3669590" cy="2056022"/>
+          </a:xfrm>
+          <a:prstGeom prst="rect">
+            <a:avLst/>
+          </a:prstGeom>
+          <a:noFill/>
+          <a:ln w="9525">
+            <a:noFill/>
+            <a:miter lim="800000"/>
+            <a:headEnd/>
+            <a:tailEnd/>
+          </a:ln>
+        </p:spPr>
+      </p:pic>
       <p:sp>
         <p:nvSpPr>
           <p:cNvPr id="2" name="Title 1"/>
@@ -15723,11 +15864,7 @@
           <a:p>
             <a:r>
               <a:rPr lang="en-US" altLang="zh-TW" dirty="0" smtClean="0"/>
-              <a:t>ZK Event Trigger: </a:t>
-            </a:r>
-            <a:r>
-              <a:rPr lang="en-US" altLang="zh-TW" dirty="0" smtClean="0"/>
-              <a:t>Command</a:t>
+              <a:t>ZK Event Trigger: Command</a:t>
             </a:r>
             <a:endParaRPr lang="zh-TW" altLang="en-US" dirty="0"/>
           </a:p>
@@ -15745,8 +15882,8 @@
         </p:nvSpPr>
         <p:spPr>
           <a:xfrm>
-            <a:off x="457200" y="1821548"/>
-            <a:ext cx="8229600" cy="4057877"/>
+            <a:off x="457200" y="4457699"/>
+            <a:ext cx="8229600" cy="1678696"/>
           </a:xfrm>
         </p:spPr>
         <p:txBody>
@@ -15755,24 +15892,148 @@
           </a:bodyPr>
           <a:lstStyle/>
           <a:p>
+            <a:pPr marL="514350" indent="-514350">
+              <a:buFont typeface="+mj-lt"/>
+              <a:buAutoNum type="arabicPeriod"/>
+            </a:pPr>
+            <a:r>
+              <a:rPr lang="en-US" altLang="zh-TW" sz="2600" dirty="0" smtClean="0"/>
+              <a:t>User Action </a:t>
+            </a:r>
+            <a:r>
+              <a:rPr lang="zh-TW" altLang="en-US" sz="2600" dirty="0" smtClean="0"/>
+              <a:t>透過</a:t>
+            </a:r>
+            <a:r>
+              <a:rPr lang="en-US" altLang="zh-TW" sz="2600" dirty="0" smtClean="0"/>
+              <a:t>binding </a:t>
+            </a:r>
+            <a:r>
+              <a:rPr lang="zh-TW" altLang="en-US" sz="2600" dirty="0" smtClean="0"/>
+              <a:t>關係觸發</a:t>
+            </a:r>
+            <a:r>
+              <a:rPr lang="en-US" altLang="zh-TW" sz="2600" dirty="0" smtClean="0"/>
+              <a:t> Command Method     </a:t>
+            </a:r>
+            <a:r>
+              <a:rPr lang="en-US" altLang="zh-TW" sz="2600" b="1" dirty="0" smtClean="0">
+                <a:solidFill>
+                  <a:srgbClr val="0062BC"/>
+                </a:solidFill>
+              </a:rPr>
+              <a:t>Java</a:t>
+            </a:r>
+            <a:r>
+              <a:rPr lang="en-US" altLang="zh-TW" sz="2600" dirty="0" smtClean="0">
+                <a:solidFill>
+                  <a:srgbClr val="0062BC"/>
+                </a:solidFill>
+              </a:rPr>
+              <a:t> </a:t>
+            </a:r>
+            <a:r>
+              <a:rPr lang="en-US" altLang="zh-TW" sz="2600" dirty="0" smtClean="0">
+                <a:solidFill>
+                  <a:srgbClr val="0062BC"/>
+                </a:solidFill>
+              </a:rPr>
+              <a:t>@Command</a:t>
+            </a:r>
+            <a:r>
+              <a:rPr lang="en-US" altLang="zh-TW" sz="2600" b="1" dirty="0" smtClean="0">
+                <a:solidFill>
+                  <a:srgbClr val="0062BC"/>
+                </a:solidFill>
+              </a:rPr>
+              <a:t>  </a:t>
+            </a:r>
+            <a:r>
+              <a:rPr lang="en-US" altLang="zh-TW" sz="2600" b="1" dirty="0" smtClean="0"/>
+              <a:t>&lt;-</a:t>
+            </a:r>
+            <a:r>
+              <a:rPr lang="en-US" altLang="zh-TW" sz="2600" b="1" dirty="0" smtClean="0">
+                <a:solidFill>
+                  <a:srgbClr val="0062BC"/>
+                </a:solidFill>
+              </a:rPr>
+              <a:t> </a:t>
+            </a:r>
+            <a:r>
+              <a:rPr lang="en-US" altLang="zh-TW" sz="2600" b="1" dirty="0" err="1" smtClean="0">
+                <a:solidFill>
+                  <a:srgbClr val="FF0000"/>
+                </a:solidFill>
+              </a:rPr>
+              <a:t>Zul</a:t>
+            </a:r>
+            <a:r>
+              <a:rPr lang="en-US" altLang="zh-TW" sz="2600" b="1" dirty="0" smtClean="0">
+                <a:solidFill>
+                  <a:srgbClr val="FF0000"/>
+                </a:solidFill>
+              </a:rPr>
+              <a:t> </a:t>
+            </a:r>
+            <a:r>
+              <a:rPr lang="en-US" altLang="zh-TW" sz="2600" dirty="0" smtClean="0">
+                <a:solidFill>
+                  <a:srgbClr val="FF0000"/>
+                </a:solidFill>
+              </a:rPr>
+              <a:t>@</a:t>
+            </a:r>
+            <a:r>
+              <a:rPr lang="en-US" altLang="zh-TW" sz="2600" dirty="0" smtClean="0">
+                <a:solidFill>
+                  <a:srgbClr val="FF0000"/>
+                </a:solidFill>
+              </a:rPr>
+              <a:t>command</a:t>
+            </a:r>
+            <a:endParaRPr lang="en-US" altLang="zh-TW" sz="2600" dirty="0" smtClean="0"/>
+          </a:p>
+          <a:p>
+            <a:pPr marL="514350" indent="-514350">
+              <a:buFont typeface="+mj-lt"/>
+              <a:buAutoNum type="arabicPeriod"/>
+            </a:pPr>
+            <a:r>
+              <a:rPr lang="en-US" altLang="zh-TW" sz="2600" dirty="0" err="1" smtClean="0"/>
+              <a:t>Vm</a:t>
+            </a:r>
+            <a:r>
+              <a:rPr lang="en-US" altLang="zh-TW" sz="2600" dirty="0" smtClean="0"/>
+              <a:t> Object </a:t>
+            </a:r>
+            <a:r>
+              <a:rPr lang="zh-TW" altLang="en-US" sz="2600" dirty="0" smtClean="0"/>
+              <a:t>通知 所有跟</a:t>
+            </a:r>
+            <a:r>
+              <a:rPr lang="en-US" altLang="zh-TW" sz="2600" dirty="0" smtClean="0"/>
+              <a:t>VM </a:t>
+            </a:r>
+            <a:r>
+              <a:rPr lang="zh-TW" altLang="en-US" sz="2600" dirty="0" smtClean="0"/>
+              <a:t>有關的</a:t>
+            </a:r>
+            <a:r>
+              <a:rPr lang="en-US" altLang="zh-TW" sz="2600" dirty="0" smtClean="0"/>
+              <a:t>UI </a:t>
+            </a:r>
+            <a:r>
+              <a:rPr lang="zh-TW" altLang="en-US" sz="2600" dirty="0" smtClean="0"/>
+              <a:t>元件。</a:t>
+            </a:r>
+            <a:endParaRPr lang="en-US" altLang="zh-TW" sz="2600" dirty="0" smtClean="0"/>
+          </a:p>
+          <a:p>
             <a:pPr>
               <a:buNone/>
             </a:pPr>
-            <a:r>
-              <a:rPr lang="en-US" altLang="zh-TW" sz="2600" dirty="0" smtClean="0"/>
-              <a:t>Binding Collection to component with template.</a:t>
-            </a:r>
-            <a:endParaRPr lang="en-US" altLang="zh-TW" sz="2600" b="1" dirty="0" smtClean="0">
-              <a:solidFill>
-                <a:srgbClr val="FF0000"/>
-              </a:solidFill>
-            </a:endParaRPr>
-          </a:p>
-          <a:p>
-            <a:pPr>
-              <a:buNone/>
-            </a:pPr>
-            <a:endParaRPr lang="en-US" altLang="zh-TW" sz="2800" dirty="0" smtClean="0"/>
+            <a:endParaRPr lang="en-US" altLang="zh-TW" sz="2600" dirty="0" smtClean="0"/>
           </a:p>
         </p:txBody>
       </p:sp>
@@ -15800,6 +16061,334 @@
           </a:p>
         </p:txBody>
       </p:sp>
+      <p:pic>
+        <p:nvPicPr>
+          <p:cNvPr id="1028" name="Picture 4"/>
+          <p:cNvPicPr>
+            <a:picLocks noChangeAspect="1" noChangeArrowheads="1"/>
+          </p:cNvPicPr>
+          <p:nvPr/>
+        </p:nvPicPr>
+        <p:blipFill>
+          <a:blip r:embed="rId3" cstate="print"/>
+          <a:srcRect/>
+          <a:stretch>
+            <a:fillRect/>
+          </a:stretch>
+        </p:blipFill>
+        <p:spPr bwMode="auto">
+          <a:xfrm>
+            <a:off x="3528004" y="2894882"/>
+            <a:ext cx="5582102" cy="1138687"/>
+          </a:xfrm>
+          <a:prstGeom prst="rect">
+            <a:avLst/>
+          </a:prstGeom>
+          <a:noFill/>
+          <a:ln w="9525">
+            <a:noFill/>
+            <a:miter lim="800000"/>
+            <a:headEnd/>
+            <a:tailEnd/>
+          </a:ln>
+        </p:spPr>
+      </p:pic>
+      <p:grpSp>
+        <p:nvGrpSpPr>
+          <p:cNvPr id="30" name="Group 29"/>
+          <p:cNvGrpSpPr/>
+          <p:nvPr/>
+        </p:nvGrpSpPr>
+        <p:grpSpPr>
+          <a:xfrm>
+            <a:off x="435166" y="3338114"/>
+            <a:ext cx="6615741" cy="632448"/>
+            <a:chOff x="435166" y="3338114"/>
+            <a:chExt cx="6615741" cy="632448"/>
+          </a:xfrm>
+        </p:grpSpPr>
+        <p:sp>
+          <p:nvSpPr>
+            <p:cNvPr id="9" name="Rectangle 8"/>
+            <p:cNvSpPr/>
+            <p:nvPr/>
+          </p:nvSpPr>
+          <p:spPr>
+            <a:xfrm>
+              <a:off x="435166" y="3338114"/>
+              <a:ext cx="2375137" cy="192795"/>
+            </a:xfrm>
+            <a:prstGeom prst="rect">
+              <a:avLst/>
+            </a:prstGeom>
+            <a:noFill/>
+            <a:ln w="15875">
+              <a:solidFill>
+                <a:srgbClr val="FF0000"/>
+              </a:solidFill>
+            </a:ln>
+          </p:spPr>
+          <p:style>
+            <a:lnRef idx="2">
+              <a:schemeClr val="accent1">
+                <a:shade val="50000"/>
+              </a:schemeClr>
+            </a:lnRef>
+            <a:fillRef idx="1">
+              <a:schemeClr val="accent1"/>
+            </a:fillRef>
+            <a:effectRef idx="0">
+              <a:schemeClr val="accent1"/>
+            </a:effectRef>
+            <a:fontRef idx="minor">
+              <a:schemeClr val="lt1"/>
+            </a:fontRef>
+          </p:style>
+          <p:txBody>
+            <a:bodyPr rtlCol="0" anchor="ctr"/>
+            <a:lstStyle/>
+            <a:p>
+              <a:pPr algn="ctr"/>
+              <a:endParaRPr lang="zh-TW" altLang="en-US"/>
+            </a:p>
+          </p:txBody>
+        </p:sp>
+        <p:sp>
+          <p:nvSpPr>
+            <p:cNvPr id="12" name="Rectangle 11"/>
+            <p:cNvSpPr/>
+            <p:nvPr/>
+          </p:nvSpPr>
+          <p:spPr>
+            <a:xfrm>
+              <a:off x="3583089" y="3618315"/>
+              <a:ext cx="3467818" cy="352247"/>
+            </a:xfrm>
+            <a:prstGeom prst="rect">
+              <a:avLst/>
+            </a:prstGeom>
+            <a:noFill/>
+            <a:ln w="15875">
+              <a:solidFill>
+                <a:srgbClr val="FF0000"/>
+              </a:solidFill>
+            </a:ln>
+          </p:spPr>
+          <p:style>
+            <a:lnRef idx="2">
+              <a:schemeClr val="accent1">
+                <a:shade val="50000"/>
+              </a:schemeClr>
+            </a:lnRef>
+            <a:fillRef idx="1">
+              <a:schemeClr val="accent1"/>
+            </a:fillRef>
+            <a:effectRef idx="0">
+              <a:schemeClr val="accent1"/>
+            </a:effectRef>
+            <a:fontRef idx="minor">
+              <a:schemeClr val="lt1"/>
+            </a:fontRef>
+          </p:style>
+          <p:txBody>
+            <a:bodyPr rtlCol="0" anchor="ctr"/>
+            <a:lstStyle/>
+            <a:p>
+              <a:pPr algn="ctr"/>
+              <a:endParaRPr lang="zh-TW" altLang="en-US"/>
+            </a:p>
+          </p:txBody>
+        </p:sp>
+        <p:cxnSp>
+          <p:nvCxnSpPr>
+            <p:cNvPr id="26" name="Elbow Connector 25"/>
+            <p:cNvCxnSpPr>
+              <a:stCxn id="12" idx="1"/>
+              <a:endCxn id="9" idx="3"/>
+            </p:cNvCxnSpPr>
+            <p:nvPr/>
+          </p:nvCxnSpPr>
+          <p:spPr>
+            <a:xfrm rot="10800000">
+              <a:off x="2810303" y="3434513"/>
+              <a:ext cx="772786" cy="359927"/>
+            </a:xfrm>
+            <a:prstGeom prst="bentConnector3">
+              <a:avLst>
+                <a:gd name="adj1" fmla="val 50000"/>
+              </a:avLst>
+            </a:prstGeom>
+            <a:ln w="12700">
+              <a:solidFill>
+                <a:srgbClr val="FF0000"/>
+              </a:solidFill>
+              <a:tailEnd type="arrow"/>
+            </a:ln>
+          </p:spPr>
+          <p:style>
+            <a:lnRef idx="1">
+              <a:schemeClr val="accent1"/>
+            </a:lnRef>
+            <a:fillRef idx="0">
+              <a:schemeClr val="accent1"/>
+            </a:fillRef>
+            <a:effectRef idx="0">
+              <a:schemeClr val="accent1"/>
+            </a:effectRef>
+            <a:fontRef idx="minor">
+              <a:schemeClr val="tx1"/>
+            </a:fontRef>
+          </p:style>
+        </p:cxnSp>
+      </p:grpSp>
+      <p:grpSp>
+        <p:nvGrpSpPr>
+          <p:cNvPr id="31" name="Group 30"/>
+          <p:cNvGrpSpPr/>
+          <p:nvPr/>
+        </p:nvGrpSpPr>
+        <p:grpSpPr>
+          <a:xfrm>
+            <a:off x="422311" y="2894882"/>
+            <a:ext cx="8687794" cy="636027"/>
+            <a:chOff x="422311" y="2894882"/>
+            <a:chExt cx="8687794" cy="636027"/>
+          </a:xfrm>
+        </p:grpSpPr>
+        <p:sp>
+          <p:nvSpPr>
+            <p:cNvPr id="18" name="Rectangle 17"/>
+            <p:cNvSpPr/>
+            <p:nvPr/>
+          </p:nvSpPr>
+          <p:spPr>
+            <a:xfrm>
+              <a:off x="422311" y="3148987"/>
+              <a:ext cx="2375137" cy="192795"/>
+            </a:xfrm>
+            <a:prstGeom prst="rect">
+              <a:avLst/>
+            </a:prstGeom>
+            <a:noFill/>
+            <a:ln w="15875">
+              <a:solidFill>
+                <a:srgbClr val="FF0000"/>
+              </a:solidFill>
+            </a:ln>
+          </p:spPr>
+          <p:style>
+            <a:lnRef idx="2">
+              <a:schemeClr val="accent1">
+                <a:shade val="50000"/>
+              </a:schemeClr>
+            </a:lnRef>
+            <a:fillRef idx="1">
+              <a:schemeClr val="accent1"/>
+            </a:fillRef>
+            <a:effectRef idx="0">
+              <a:schemeClr val="accent1"/>
+            </a:effectRef>
+            <a:fontRef idx="minor">
+              <a:schemeClr val="lt1"/>
+            </a:fontRef>
+          </p:style>
+          <p:txBody>
+            <a:bodyPr rtlCol="0" anchor="ctr"/>
+            <a:lstStyle/>
+            <a:p>
+              <a:pPr algn="ctr"/>
+              <a:endParaRPr lang="zh-TW" altLang="en-US"/>
+            </a:p>
+          </p:txBody>
+        </p:sp>
+        <p:sp>
+          <p:nvSpPr>
+            <p:cNvPr id="20" name="Rectangle 19"/>
+            <p:cNvSpPr/>
+            <p:nvPr/>
+          </p:nvSpPr>
+          <p:spPr>
+            <a:xfrm>
+              <a:off x="3583088" y="2894882"/>
+              <a:ext cx="5527017" cy="636027"/>
+            </a:xfrm>
+            <a:prstGeom prst="rect">
+              <a:avLst/>
+            </a:prstGeom>
+            <a:noFill/>
+            <a:ln w="15875">
+              <a:solidFill>
+                <a:srgbClr val="FF0000"/>
+              </a:solidFill>
+            </a:ln>
+          </p:spPr>
+          <p:style>
+            <a:lnRef idx="2">
+              <a:schemeClr val="accent1">
+                <a:shade val="50000"/>
+              </a:schemeClr>
+            </a:lnRef>
+            <a:fillRef idx="1">
+              <a:schemeClr val="accent1"/>
+            </a:fillRef>
+            <a:effectRef idx="0">
+              <a:schemeClr val="accent1"/>
+            </a:effectRef>
+            <a:fontRef idx="minor">
+              <a:schemeClr val="lt1"/>
+            </a:fontRef>
+          </p:style>
+          <p:txBody>
+            <a:bodyPr rtlCol="0" anchor="ctr"/>
+            <a:lstStyle/>
+            <a:p>
+              <a:pPr algn="ctr"/>
+              <a:endParaRPr lang="zh-TW" altLang="en-US"/>
+            </a:p>
+          </p:txBody>
+        </p:sp>
+        <p:cxnSp>
+          <p:nvCxnSpPr>
+            <p:cNvPr id="27" name="Elbow Connector 26"/>
+            <p:cNvCxnSpPr>
+              <a:stCxn id="18" idx="3"/>
+              <a:endCxn id="20" idx="1"/>
+            </p:cNvCxnSpPr>
+            <p:nvPr/>
+          </p:nvCxnSpPr>
+          <p:spPr>
+            <a:xfrm flipV="1">
+              <a:off x="2797448" y="3212896"/>
+              <a:ext cx="785640" cy="32489"/>
+            </a:xfrm>
+            <a:prstGeom prst="bentConnector3">
+              <a:avLst>
+                <a:gd name="adj1" fmla="val 50000"/>
+              </a:avLst>
+            </a:prstGeom>
+            <a:ln w="12700">
+              <a:solidFill>
+                <a:srgbClr val="FF0000"/>
+              </a:solidFill>
+              <a:tailEnd type="arrow"/>
+            </a:ln>
+          </p:spPr>
+          <p:style>
+            <a:lnRef idx="1">
+              <a:schemeClr val="accent1"/>
+            </a:lnRef>
+            <a:fillRef idx="0">
+              <a:schemeClr val="accent1"/>
+            </a:fillRef>
+            <a:effectRef idx="0">
+              <a:schemeClr val="accent1"/>
+            </a:effectRef>
+            <a:fontRef idx="minor">
+              <a:schemeClr val="tx1"/>
+            </a:fontRef>
+          </p:style>
+        </p:cxnSp>
+      </p:grpSp>
     </p:spTree>
   </p:cSld>
   <p:clrMapOvr>
@@ -15808,7 +16397,222 @@
   <p:timing>
     <p:tnLst>
       <p:par>
-        <p:cTn id="1" dur="indefinite" restart="never" nodeType="tmRoot"/>
+        <p:cTn id="1" dur="indefinite" restart="never" nodeType="tmRoot">
+          <p:childTnLst>
+            <p:seq concurrent="1" nextAc="seek">
+              <p:cTn id="2" dur="indefinite" nodeType="mainSeq">
+                <p:childTnLst>
+                  <p:par>
+                    <p:cTn id="3" fill="hold">
+                      <p:stCondLst>
+                        <p:cond delay="indefinite"/>
+                      </p:stCondLst>
+                      <p:childTnLst>
+                        <p:par>
+                          <p:cTn id="4" fill="hold">
+                            <p:stCondLst>
+                              <p:cond delay="0"/>
+                            </p:stCondLst>
+                            <p:childTnLst>
+                              <p:par>
+                                <p:cTn id="5" presetID="4" presetClass="entr" presetSubtype="16" fill="hold" nodeType="clickEffect">
+                                  <p:stCondLst>
+                                    <p:cond delay="0"/>
+                                  </p:stCondLst>
+                                  <p:childTnLst>
+                                    <p:set>
+                                      <p:cBhvr>
+                                        <p:cTn id="6" dur="1" fill="hold">
+                                          <p:stCondLst>
+                                            <p:cond delay="0"/>
+                                          </p:stCondLst>
+                                        </p:cTn>
+                                        <p:tgtEl>
+                                          <p:spTgt spid="30"/>
+                                        </p:tgtEl>
+                                        <p:attrNameLst>
+                                          <p:attrName>style.visibility</p:attrName>
+                                        </p:attrNameLst>
+                                      </p:cBhvr>
+                                      <p:to>
+                                        <p:strVal val="visible"/>
+                                      </p:to>
+                                    </p:set>
+                                    <p:animEffect transition="in" filter="box(in)">
+                                      <p:cBhvr>
+                                        <p:cTn id="7" dur="500"/>
+                                        <p:tgtEl>
+                                          <p:spTgt spid="30"/>
+                                        </p:tgtEl>
+                                      </p:cBhvr>
+                                    </p:animEffect>
+                                  </p:childTnLst>
+                                </p:cTn>
+                              </p:par>
+                              <p:par>
+                                <p:cTn id="8" presetID="4" presetClass="entr" presetSubtype="16" fill="hold" nodeType="withEffect">
+                                  <p:stCondLst>
+                                    <p:cond delay="0"/>
+                                  </p:stCondLst>
+                                  <p:childTnLst>
+                                    <p:set>
+                                      <p:cBhvr>
+                                        <p:cTn id="9" dur="1" fill="hold">
+                                          <p:stCondLst>
+                                            <p:cond delay="0"/>
+                                          </p:stCondLst>
+                                        </p:cTn>
+                                        <p:tgtEl>
+                                          <p:spTgt spid="3">
+                                            <p:txEl>
+                                              <p:pRg st="0" end="0"/>
+                                            </p:txEl>
+                                          </p:spTgt>
+                                        </p:tgtEl>
+                                        <p:attrNameLst>
+                                          <p:attrName>style.visibility</p:attrName>
+                                        </p:attrNameLst>
+                                      </p:cBhvr>
+                                      <p:to>
+                                        <p:strVal val="visible"/>
+                                      </p:to>
+                                    </p:set>
+                                    <p:animEffect transition="in" filter="box(in)">
+                                      <p:cBhvr>
+                                        <p:cTn id="10" dur="500"/>
+                                        <p:tgtEl>
+                                          <p:spTgt spid="3">
+                                            <p:txEl>
+                                              <p:pRg st="0" end="0"/>
+                                            </p:txEl>
+                                          </p:spTgt>
+                                        </p:tgtEl>
+                                      </p:cBhvr>
+                                    </p:animEffect>
+                                  </p:childTnLst>
+                                </p:cTn>
+                              </p:par>
+                            </p:childTnLst>
+                          </p:cTn>
+                        </p:par>
+                      </p:childTnLst>
+                    </p:cTn>
+                  </p:par>
+                  <p:par>
+                    <p:cTn id="11" fill="hold">
+                      <p:stCondLst>
+                        <p:cond delay="indefinite"/>
+                      </p:stCondLst>
+                      <p:childTnLst>
+                        <p:par>
+                          <p:cTn id="12" fill="hold">
+                            <p:stCondLst>
+                              <p:cond delay="0"/>
+                            </p:stCondLst>
+                            <p:childTnLst>
+                              <p:par>
+                                <p:cTn id="13" presetID="4" presetClass="entr" presetSubtype="16" fill="hold" nodeType="clickEffect">
+                                  <p:stCondLst>
+                                    <p:cond delay="0"/>
+                                  </p:stCondLst>
+                                  <p:childTnLst>
+                                    <p:set>
+                                      <p:cBhvr>
+                                        <p:cTn id="14" dur="1" fill="hold">
+                                          <p:stCondLst>
+                                            <p:cond delay="0"/>
+                                          </p:stCondLst>
+                                        </p:cTn>
+                                        <p:tgtEl>
+                                          <p:spTgt spid="3">
+                                            <p:txEl>
+                                              <p:pRg st="1" end="1"/>
+                                            </p:txEl>
+                                          </p:spTgt>
+                                        </p:tgtEl>
+                                        <p:attrNameLst>
+                                          <p:attrName>style.visibility</p:attrName>
+                                        </p:attrNameLst>
+                                      </p:cBhvr>
+                                      <p:to>
+                                        <p:strVal val="visible"/>
+                                      </p:to>
+                                    </p:set>
+                                    <p:animEffect transition="in" filter="box(in)">
+                                      <p:cBhvr>
+                                        <p:cTn id="15" dur="500"/>
+                                        <p:tgtEl>
+                                          <p:spTgt spid="3">
+                                            <p:txEl>
+                                              <p:pRg st="1" end="1"/>
+                                            </p:txEl>
+                                          </p:spTgt>
+                                        </p:tgtEl>
+                                      </p:cBhvr>
+                                    </p:animEffect>
+                                  </p:childTnLst>
+                                </p:cTn>
+                              </p:par>
+                              <p:par>
+                                <p:cTn id="16" presetID="4" presetClass="entr" presetSubtype="16" fill="hold" nodeType="withEffect">
+                                  <p:stCondLst>
+                                    <p:cond delay="0"/>
+                                  </p:stCondLst>
+                                  <p:childTnLst>
+                                    <p:set>
+                                      <p:cBhvr>
+                                        <p:cTn id="17" dur="1" fill="hold">
+                                          <p:stCondLst>
+                                            <p:cond delay="0"/>
+                                          </p:stCondLst>
+                                        </p:cTn>
+                                        <p:tgtEl>
+                                          <p:spTgt spid="31"/>
+                                        </p:tgtEl>
+                                        <p:attrNameLst>
+                                          <p:attrName>style.visibility</p:attrName>
+                                        </p:attrNameLst>
+                                      </p:cBhvr>
+                                      <p:to>
+                                        <p:strVal val="visible"/>
+                                      </p:to>
+                                    </p:set>
+                                    <p:animEffect transition="in" filter="box(in)">
+                                      <p:cBhvr>
+                                        <p:cTn id="18" dur="500"/>
+                                        <p:tgtEl>
+                                          <p:spTgt spid="31"/>
+                                        </p:tgtEl>
+                                      </p:cBhvr>
+                                    </p:animEffect>
+                                  </p:childTnLst>
+                                </p:cTn>
+                              </p:par>
+                            </p:childTnLst>
+                          </p:cTn>
+                        </p:par>
+                      </p:childTnLst>
+                    </p:cTn>
+                  </p:par>
+                </p:childTnLst>
+              </p:cTn>
+              <p:prevCondLst>
+                <p:cond evt="onPrev" delay="0">
+                  <p:tgtEl>
+                    <p:sldTgt/>
+                  </p:tgtEl>
+                </p:cond>
+              </p:prevCondLst>
+              <p:nextCondLst>
+                <p:cond evt="onNext" delay="0">
+                  <p:tgtEl>
+                    <p:sldTgt/>
+                  </p:tgtEl>
+                </p:cond>
+              </p:nextCondLst>
+            </p:seq>
+          </p:childTnLst>
+        </p:cTn>
       </p:par>
     </p:tnLst>
   </p:timing>
@@ -15878,8 +16682,8 @@
         </p:nvSpPr>
         <p:spPr>
           <a:xfrm>
-            <a:off x="457200" y="1821548"/>
-            <a:ext cx="8229600" cy="4057877"/>
+            <a:off x="457200" y="3437263"/>
+            <a:ext cx="8229600" cy="2442162"/>
           </a:xfrm>
         </p:spPr>
         <p:txBody>
@@ -15892,21 +16696,104 @@
               <a:buNone/>
             </a:pPr>
             <a:r>
+              <a:rPr lang="zh-TW" altLang="en-US" sz="2800" dirty="0" smtClean="0"/>
+              <a:t>在</a:t>
+            </a:r>
+            <a:r>
+              <a:rPr lang="en-US" altLang="zh-TW" sz="2800" dirty="0" smtClean="0"/>
+              <a:t>ZK </a:t>
+            </a:r>
+            <a:r>
+              <a:rPr lang="zh-TW" altLang="en-US" sz="2800" dirty="0" smtClean="0"/>
+              <a:t>裡：</a:t>
+            </a:r>
+            <a:endParaRPr lang="en-US" altLang="zh-TW" sz="2800" dirty="0" smtClean="0"/>
+          </a:p>
+          <a:p>
+            <a:pPr marL="514350" indent="-514350">
+              <a:buFont typeface="+mj-lt"/>
+              <a:buAutoNum type="arabicPeriod"/>
+            </a:pPr>
+            <a:r>
+              <a:rPr lang="zh-TW" altLang="en-US" sz="2800" dirty="0" smtClean="0"/>
+              <a:t>一個</a:t>
+            </a:r>
+            <a:r>
+              <a:rPr lang="en-US" altLang="zh-TW" sz="2800" dirty="0" smtClean="0"/>
+              <a:t>UI</a:t>
+            </a:r>
+            <a:r>
+              <a:rPr lang="zh-TW" altLang="en-US" sz="2800" dirty="0" smtClean="0"/>
+              <a:t>元件可以支援多種</a:t>
+            </a:r>
+            <a:r>
+              <a:rPr lang="en-US" altLang="zh-TW" sz="2800" dirty="0" smtClean="0"/>
+              <a:t>Action</a:t>
+            </a:r>
+            <a:r>
+              <a:rPr lang="zh-TW" altLang="en-US" sz="2800" dirty="0" smtClean="0"/>
+              <a:t>。</a:t>
+            </a:r>
+            <a:endParaRPr lang="en-US" altLang="zh-TW" sz="2800" dirty="0" smtClean="0"/>
+          </a:p>
+          <a:p>
+            <a:pPr marL="514350" indent="-514350">
+              <a:buFont typeface="+mj-lt"/>
+              <a:buAutoNum type="arabicPeriod"/>
+            </a:pPr>
+            <a:r>
+              <a:rPr lang="en-US" altLang="zh-TW" sz="2800" dirty="0" smtClean="0"/>
+              <a:t>Command</a:t>
+            </a:r>
+            <a:r>
+              <a:rPr lang="zh-TW" altLang="en-US" sz="2800" dirty="0" smtClean="0"/>
+              <a:t>與</a:t>
+            </a:r>
+            <a:r>
               <a:rPr lang="en-US" altLang="zh-TW" sz="2800" dirty="0" err="1" smtClean="0"/>
-              <a:t>onClick</a:t>
+              <a:t>vm</a:t>
             </a:r>
             <a:r>
               <a:rPr lang="en-US" altLang="zh-TW" sz="2800" dirty="0" smtClean="0"/>
-              <a:t>=“@command(empty </a:t>
-            </a:r>
-            <a:r>
-              <a:rPr lang="en-US" altLang="zh-TW" sz="2800" dirty="0" err="1" smtClean="0"/>
-              <a:t>vm.selected</a:t>
+              <a:t> method </a:t>
+            </a:r>
+            <a:r>
+              <a:rPr lang="zh-TW" altLang="en-US" sz="2800" dirty="0" smtClean="0"/>
+              <a:t>之間的</a:t>
             </a:r>
             <a:r>
               <a:rPr lang="en-US" altLang="zh-TW" sz="2800" dirty="0" smtClean="0"/>
-              <a:t>? ‘add’ : ‘’ )”</a:t>
-            </a:r>
+              <a:t>Bindings </a:t>
+            </a:r>
+            <a:r>
+              <a:rPr lang="zh-TW" altLang="en-US" sz="2800" dirty="0" smtClean="0"/>
+              <a:t>是透過</a:t>
+            </a:r>
+            <a:r>
+              <a:rPr lang="en-US" altLang="zh-TW" sz="2800" dirty="0" smtClean="0"/>
+              <a:t>String</a:t>
+            </a:r>
+            <a:r>
+              <a:rPr lang="zh-TW" altLang="en-US" sz="2800" dirty="0" smtClean="0"/>
+              <a:t>，使得</a:t>
+            </a:r>
+            <a:r>
+              <a:rPr lang="en-US" altLang="zh-TW" sz="2800" dirty="0" smtClean="0"/>
+              <a:t>Command </a:t>
+            </a:r>
+            <a:r>
+              <a:rPr lang="zh-TW" altLang="en-US" sz="2800" dirty="0" smtClean="0"/>
+              <a:t>觸發與執行之間可以有</a:t>
+            </a:r>
+            <a:r>
+              <a:rPr lang="en-US" altLang="zh-TW" sz="2800" dirty="0" smtClean="0"/>
+              <a:t>EL</a:t>
+            </a:r>
+            <a:r>
+              <a:rPr lang="zh-TW" altLang="en-US" sz="2800" dirty="0" smtClean="0"/>
+              <a:t>介入。</a:t>
+            </a:r>
+            <a:endParaRPr lang="en-US" altLang="zh-TW" sz="2800" dirty="0" smtClean="0"/>
           </a:p>
         </p:txBody>
       </p:sp>
@@ -15934,6 +16821,38 @@
           </a:p>
         </p:txBody>
       </p:sp>
+      <p:pic>
+        <p:nvPicPr>
+          <p:cNvPr id="2052" name="Picture 4"/>
+          <p:cNvPicPr>
+            <a:picLocks noChangeAspect="1" noChangeArrowheads="1"/>
+          </p:cNvPicPr>
+          <p:nvPr/>
+        </p:nvPicPr>
+        <p:blipFill>
+          <a:blip r:embed="rId2" cstate="print"/>
+          <a:srcRect/>
+          <a:stretch>
+            <a:fillRect/>
+          </a:stretch>
+        </p:blipFill>
+        <p:spPr bwMode="auto">
+          <a:xfrm>
+            <a:off x="773113" y="2171700"/>
+            <a:ext cx="7596187" cy="838200"/>
+          </a:xfrm>
+          <a:prstGeom prst="rect">
+            <a:avLst/>
+          </a:prstGeom>
+          <a:noFill/>
+          <a:ln w="9525">
+            <a:noFill/>
+            <a:miter lim="800000"/>
+            <a:headEnd/>
+            <a:tailEnd/>
+          </a:ln>
+        </p:spPr>
+      </p:pic>
     </p:spTree>
   </p:cSld>
   <p:clrMapOvr>
@@ -15989,12 +16908,8 @@
           <a:lstStyle/>
           <a:p>
             <a:r>
-              <a:rPr lang="en-US" altLang="zh-TW" dirty="0" smtClean="0"/>
-              <a:t>Command </a:t>
-            </a:r>
-            <a:r>
-              <a:rPr lang="en-US" altLang="zh-TW" dirty="0" err="1" smtClean="0"/>
-              <a:t>Params</a:t>
+              <a:rPr lang="zh-TW" altLang="en-US" dirty="0" smtClean="0"/>
+              <a:t>比較</a:t>
             </a:r>
             <a:endParaRPr lang="zh-TW" altLang="en-US" dirty="0"/>
           </a:p>
@@ -16026,21 +16941,124 @@
               <a:buNone/>
             </a:pPr>
             <a:r>
-              <a:rPr lang="en-US" altLang="zh-TW" sz="2800" dirty="0" err="1" smtClean="0"/>
-              <a:t>onClick</a:t>
+              <a:rPr lang="zh-TW" altLang="en-US" sz="2800" dirty="0" smtClean="0"/>
+              <a:t>綁定</a:t>
             </a:r>
             <a:r>
               <a:rPr lang="en-US" altLang="zh-TW" sz="2800" dirty="0" smtClean="0"/>
-              <a:t>=“@command(empty </a:t>
-            </a:r>
-            <a:r>
-              <a:rPr lang="en-US" altLang="zh-TW" sz="2800" dirty="0" err="1" smtClean="0"/>
-              <a:t>vm.selected</a:t>
+              <a:t>bean </a:t>
             </a:r>
             <a:r>
               <a:rPr lang="en-US" altLang="zh-TW" sz="2800" dirty="0" smtClean="0"/>
-              <a:t>? ‘add’ : ‘’ )”</a:t>
-            </a:r>
+              <a:t>method</a:t>
+            </a:r>
+            <a:r>
+              <a:rPr lang="zh-TW" altLang="en-US" sz="2800" dirty="0" smtClean="0"/>
+              <a:t>的</a:t>
+            </a:r>
+            <a:r>
+              <a:rPr lang="zh-TW" altLang="en-US" sz="2800" dirty="0" smtClean="0"/>
+              <a:t>方</a:t>
+            </a:r>
+            <a:r>
+              <a:rPr lang="zh-TW" altLang="en-US" sz="2800" dirty="0" smtClean="0"/>
+              <a:t>式：</a:t>
+            </a:r>
+            <a:endParaRPr lang="en-US" altLang="zh-TW" sz="2800" dirty="0" smtClean="0"/>
+          </a:p>
+          <a:p>
+            <a:r>
+              <a:rPr lang="en-US" altLang="zh-TW" sz="2400" dirty="0" smtClean="0"/>
+              <a:t>JSF </a:t>
+            </a:r>
+            <a:r>
+              <a:rPr lang="zh-TW" altLang="en-US" sz="2400" dirty="0" smtClean="0"/>
+              <a:t>在</a:t>
+            </a:r>
+            <a:r>
+              <a:rPr lang="en-US" altLang="zh-TW" sz="2400" dirty="0" smtClean="0"/>
+              <a:t>UI</a:t>
+            </a:r>
+            <a:r>
+              <a:rPr lang="zh-TW" altLang="en-US" sz="2400" dirty="0" smtClean="0"/>
+              <a:t>元件上指定 </a:t>
+            </a:r>
+            <a:r>
+              <a:rPr lang="en-US" altLang="zh-TW" sz="2400" dirty="0" err="1" smtClean="0"/>
+              <a:t>ActionListener</a:t>
+            </a:r>
+            <a:r>
+              <a:rPr lang="en-US" altLang="zh-TW" sz="2400" dirty="0" smtClean="0"/>
+              <a:t> </a:t>
+            </a:r>
+            <a:r>
+              <a:rPr lang="zh-TW" altLang="en-US" sz="2400" dirty="0" smtClean="0"/>
+              <a:t>屬性。</a:t>
+            </a:r>
+            <a:endParaRPr lang="en-US" altLang="zh-TW" sz="2400" dirty="0" smtClean="0"/>
+          </a:p>
+          <a:p>
+            <a:r>
+              <a:rPr lang="en-US" altLang="zh-TW" sz="2400" dirty="0" smtClean="0"/>
+              <a:t>ZK  </a:t>
+            </a:r>
+            <a:r>
+              <a:rPr lang="zh-TW" altLang="en-US" sz="2400" dirty="0" smtClean="0"/>
+              <a:t>是以</a:t>
+            </a:r>
+            <a:r>
+              <a:rPr lang="en-US" altLang="zh-TW" sz="2400" dirty="0" smtClean="0"/>
+              <a:t>UI</a:t>
+            </a:r>
+            <a:r>
+              <a:rPr lang="zh-TW" altLang="en-US" sz="2400" dirty="0" smtClean="0"/>
+              <a:t>元件</a:t>
+            </a:r>
+            <a:r>
+              <a:rPr lang="zh-TW" altLang="en-US" sz="2400" dirty="0" smtClean="0"/>
+              <a:t>事件名稱來綁定。</a:t>
+            </a:r>
+            <a:endParaRPr lang="en-US" altLang="zh-TW" sz="2400" dirty="0" smtClean="0"/>
+          </a:p>
+          <a:p>
+            <a:pPr>
+              <a:buNone/>
+            </a:pPr>
+            <a:r>
+              <a:rPr lang="zh-TW" altLang="en-US" sz="2800" dirty="0" smtClean="0"/>
+              <a:t>使用差別：</a:t>
+            </a:r>
+            <a:endParaRPr lang="en-US" altLang="zh-TW" sz="2800" dirty="0" smtClean="0"/>
+          </a:p>
+          <a:p>
+            <a:r>
+              <a:rPr lang="en-US" altLang="zh-TW" sz="2800" dirty="0" smtClean="0"/>
+              <a:t>JSF</a:t>
+            </a:r>
+            <a:r>
+              <a:rPr lang="zh-TW" altLang="en-US" sz="2800" dirty="0" smtClean="0"/>
+              <a:t>統一。</a:t>
+            </a:r>
+            <a:endParaRPr lang="en-US" altLang="zh-TW" sz="2800" dirty="0" smtClean="0"/>
+          </a:p>
+          <a:p>
+            <a:r>
+              <a:rPr lang="en-US" altLang="zh-TW" sz="2800" dirty="0" smtClean="0"/>
+              <a:t>ZK </a:t>
+            </a:r>
+            <a:r>
+              <a:rPr lang="zh-TW" altLang="en-US" sz="2800" dirty="0" smtClean="0"/>
+              <a:t>當</a:t>
+            </a:r>
+            <a:r>
+              <a:rPr lang="en-US" altLang="zh-TW" sz="2800" dirty="0" smtClean="0"/>
+              <a:t>UI</a:t>
+            </a:r>
+            <a:r>
+              <a:rPr lang="zh-TW" altLang="en-US" sz="2800" dirty="0" smtClean="0"/>
+              <a:t>元件應該支援多種事件時比較靈活。</a:t>
+            </a:r>
+            <a:endParaRPr lang="en-US" altLang="zh-TW" sz="2800" dirty="0" smtClean="0"/>
           </a:p>
         </p:txBody>
       </p:sp>
@@ -16102,7 +17120,7 @@
       </p:grpSpPr>
       <p:sp>
         <p:nvSpPr>
-          <p:cNvPr id="2" name="Title 1"/>
+          <p:cNvPr id="5" name="Title 4"/>
           <p:cNvSpPr>
             <a:spLocks noGrp="1"/>
           </p:cNvSpPr>
@@ -16110,25 +17128,14 @@
             <p:ph type="title"/>
           </p:nvPr>
         </p:nvSpPr>
-        <p:spPr>
-          <a:xfrm>
-            <a:off x="457200" y="789885"/>
-            <a:ext cx="8229600" cy="1143000"/>
-          </a:xfrm>
-        </p:spPr>
-        <p:txBody>
-          <a:bodyPr>
-            <a:normAutofit/>
-          </a:bodyPr>
-          <a:lstStyle/>
-          <a:p>
-            <a:r>
-              <a:rPr lang="en-US" altLang="zh-TW" dirty="0" smtClean="0"/>
-              <a:t>Update View: @</a:t>
-            </a:r>
-            <a:r>
-              <a:rPr lang="en-US" altLang="zh-TW" dirty="0" err="1" smtClean="0"/>
-              <a:t>NotifyChange</a:t>
+        <p:spPr/>
+        <p:txBody>
+          <a:bodyPr/>
+          <a:lstStyle/>
+          <a:p>
+            <a:r>
+              <a:rPr lang="zh-TW" altLang="en-US" dirty="0" smtClean="0"/>
+              <a:t>結語</a:t>
             </a:r>
             <a:endParaRPr lang="zh-TW" altLang="en-US" dirty="0"/>
           </a:p>
@@ -16136,42 +17143,52 @@
       </p:sp>
       <p:sp>
         <p:nvSpPr>
-          <p:cNvPr id="3" name="Content Placeholder 2"/>
+          <p:cNvPr id="6" name="Text Placeholder 5"/>
           <p:cNvSpPr>
             <a:spLocks noGrp="1"/>
           </p:cNvSpPr>
           <p:nvPr>
-            <p:ph idx="1"/>
+            <p:ph type="body" idx="1"/>
           </p:nvPr>
         </p:nvSpPr>
-        <p:spPr>
-          <a:xfrm>
-            <a:off x="457200" y="1821548"/>
-            <a:ext cx="8229600" cy="4057877"/>
-          </a:xfrm>
-        </p:spPr>
-        <p:txBody>
-          <a:bodyPr>
-            <a:normAutofit/>
-          </a:bodyPr>
-          <a:lstStyle/>
-          <a:p>
-            <a:pPr>
-              <a:buNone/>
-            </a:pPr>
-            <a:r>
-              <a:rPr lang="en-US" altLang="zh-TW" sz="2800" dirty="0" smtClean="0"/>
-              <a:t>Target name</a:t>
-            </a:r>
-          </a:p>
-          <a:p>
-            <a:pPr>
-              <a:buNone/>
-            </a:pPr>
-            <a:r>
-              <a:rPr lang="en-US" altLang="zh-TW" sz="2800" dirty="0" smtClean="0"/>
-              <a:t>Multiple targets</a:t>
-            </a:r>
+        <p:spPr/>
+        <p:txBody>
+          <a:bodyPr/>
+          <a:lstStyle/>
+          <a:p>
+            <a:r>
+              <a:rPr lang="en-US" altLang="zh-TW" dirty="0" smtClean="0"/>
+              <a:t>User Action </a:t>
+            </a:r>
+            <a:r>
+              <a:rPr lang="zh-TW" altLang="en-US" dirty="0" smtClean="0"/>
+              <a:t>如何觸發</a:t>
+            </a:r>
+            <a:r>
+              <a:rPr lang="en-US" altLang="zh-TW" dirty="0" smtClean="0"/>
+              <a:t>VM </a:t>
+            </a:r>
+            <a:r>
+              <a:rPr lang="zh-TW" altLang="en-US" dirty="0" smtClean="0"/>
+              <a:t>的行為，</a:t>
+            </a:r>
+            <a:r>
+              <a:rPr lang="en-US" altLang="zh-TW" dirty="0" smtClean="0"/>
+              <a:t>VM </a:t>
+            </a:r>
+            <a:r>
+              <a:rPr lang="zh-TW" altLang="en-US" dirty="0" smtClean="0"/>
+              <a:t>的行為如何通知</a:t>
+            </a:r>
+            <a:r>
+              <a:rPr lang="en-US" altLang="zh-TW" dirty="0" smtClean="0"/>
+              <a:t>view </a:t>
+            </a:r>
+            <a:r>
+              <a:rPr lang="zh-TW" altLang="en-US" dirty="0" smtClean="0"/>
+              <a:t>更動。</a:t>
+            </a:r>
+            <a:endParaRPr lang="zh-TW" altLang="en-US" dirty="0"/>
           </a:p>
         </p:txBody>
       </p:sp>
@@ -16233,7 +17250,7 @@
       </p:grpSpPr>
       <p:sp>
         <p:nvSpPr>
-          <p:cNvPr id="5" name="Title 4"/>
+          <p:cNvPr id="2" name="Title 1"/>
           <p:cNvSpPr>
             <a:spLocks noGrp="1"/>
           </p:cNvSpPr>
@@ -16241,14 +17258,21 @@
             <p:ph type="title"/>
           </p:nvPr>
         </p:nvSpPr>
-        <p:spPr/>
-        <p:txBody>
-          <a:bodyPr/>
-          <a:lstStyle/>
-          <a:p>
-            <a:r>
-              <a:rPr lang="en-US" altLang="zh-TW" dirty="0" smtClean="0"/>
-              <a:t>ZK MVVM: Input handling</a:t>
+        <p:spPr>
+          <a:xfrm>
+            <a:off x="457200" y="789885"/>
+            <a:ext cx="8229600" cy="1143000"/>
+          </a:xfrm>
+        </p:spPr>
+        <p:txBody>
+          <a:bodyPr>
+            <a:normAutofit/>
+          </a:bodyPr>
+          <a:lstStyle/>
+          <a:p>
+            <a:r>
+              <a:rPr lang="zh-TW" altLang="en-US" dirty="0" smtClean="0"/>
+              <a:t>結語</a:t>
             </a:r>
             <a:endParaRPr lang="zh-TW" altLang="en-US" dirty="0"/>
           </a:p>
@@ -16256,40 +17280,148 @@
       </p:sp>
       <p:sp>
         <p:nvSpPr>
-          <p:cNvPr id="6" name="Text Placeholder 5"/>
+          <p:cNvPr id="3" name="Content Placeholder 2"/>
           <p:cNvSpPr>
             <a:spLocks noGrp="1"/>
           </p:cNvSpPr>
           <p:nvPr>
-            <p:ph type="body" idx="1"/>
+            <p:ph idx="1"/>
           </p:nvPr>
         </p:nvSpPr>
-        <p:spPr/>
-        <p:txBody>
-          <a:bodyPr/>
-          <a:lstStyle/>
-          <a:p>
-            <a:r>
-              <a:rPr lang="en-US" altLang="zh-TW" dirty="0" smtClean="0"/>
-              <a:t>Input Element </a:t>
-            </a:r>
-            <a:r>
-              <a:rPr lang="zh-TW" altLang="en-US" dirty="0" smtClean="0"/>
-              <a:t>的管理、</a:t>
-            </a:r>
-            <a:r>
-              <a:rPr lang="en-US" altLang="zh-TW" dirty="0" smtClean="0"/>
-              <a:t>Form Binding </a:t>
-            </a:r>
-            <a:r>
-              <a:rPr lang="zh-TW" altLang="en-US" dirty="0" smtClean="0"/>
+        <p:spPr>
+          <a:xfrm>
+            <a:off x="457200" y="1821548"/>
+            <a:ext cx="8229600" cy="4057877"/>
+          </a:xfrm>
+        </p:spPr>
+        <p:txBody>
+          <a:bodyPr>
+            <a:normAutofit lnSpcReduction="10000"/>
+          </a:bodyPr>
+          <a:lstStyle/>
+          <a:p>
+            <a:pPr marL="514350" indent="-514350"/>
+            <a:r>
+              <a:rPr lang="en-US" altLang="zh-TW" sz="2800" dirty="0" smtClean="0"/>
+              <a:t>Java </a:t>
+            </a:r>
+            <a:r>
+              <a:rPr lang="zh-TW" altLang="en-US" sz="2800" dirty="0" smtClean="0"/>
+              <a:t>世界的</a:t>
+            </a:r>
+            <a:r>
+              <a:rPr lang="en-US" altLang="zh-TW" sz="2800" dirty="0" smtClean="0"/>
+              <a:t>MVC </a:t>
+            </a:r>
+            <a:r>
+              <a:rPr lang="zh-TW" altLang="en-US" sz="2800" dirty="0" smtClean="0"/>
+              <a:t>模式，借鏡</a:t>
+            </a:r>
+            <a:r>
+              <a:rPr lang="en-US" altLang="zh-TW" sz="2800" dirty="0" smtClean="0"/>
+              <a:t>CSS </a:t>
+            </a:r>
+            <a:r>
+              <a:rPr lang="en-US" altLang="zh-TW" sz="2800" dirty="0" smtClean="0"/>
+              <a:t>Selector</a:t>
+            </a:r>
+            <a:r>
+              <a:rPr lang="zh-TW" altLang="en-US" sz="2800" dirty="0" smtClean="0"/>
+              <a:t>的規格，其實可以有很多特別的模式能夠探討的。也許我們在寫</a:t>
+            </a:r>
+            <a:r>
+              <a:rPr lang="en-US" altLang="zh-TW" sz="2800" dirty="0" smtClean="0"/>
+              <a:t>MVC</a:t>
+            </a:r>
+            <a:r>
+              <a:rPr lang="zh-TW" altLang="en-US" sz="2800" dirty="0" smtClean="0"/>
+              <a:t>的時候也應該參考看看</a:t>
+            </a:r>
+            <a:r>
+              <a:rPr lang="en-US" altLang="zh-TW" sz="2800" dirty="0" smtClean="0"/>
+              <a:t>JS</a:t>
+            </a:r>
+            <a:r>
+              <a:rPr lang="zh-TW" altLang="en-US" sz="2800" dirty="0" smtClean="0"/>
+              <a:t>世界裡的模式。</a:t>
+            </a:r>
+            <a:endParaRPr lang="en-US" altLang="zh-TW" sz="2800" dirty="0" smtClean="0"/>
+          </a:p>
+          <a:p>
+            <a:pPr marL="514350" indent="-514350"/>
+            <a:r>
+              <a:rPr lang="en-US" altLang="zh-TW" sz="2800" dirty="0" smtClean="0"/>
+              <a:t>ZK</a:t>
+            </a:r>
+            <a:r>
+              <a:rPr lang="zh-TW" altLang="en-US" sz="2800" dirty="0" smtClean="0"/>
+              <a:t>的</a:t>
+            </a:r>
+            <a:r>
+              <a:rPr lang="en-US" altLang="zh-TW" sz="2800" dirty="0" smtClean="0"/>
+              <a:t> MVC</a:t>
+            </a:r>
+            <a:r>
+              <a:rPr lang="zh-TW" altLang="en-US" sz="2800" dirty="0" smtClean="0"/>
               <a:t>與</a:t>
             </a:r>
             <a:r>
-              <a:rPr lang="en-US" altLang="zh-TW" dirty="0" smtClean="0"/>
-              <a:t>Validation</a:t>
-            </a:r>
-            <a:endParaRPr lang="zh-TW" altLang="en-US" dirty="0"/>
+              <a:rPr lang="en-US" altLang="zh-TW" sz="2800" dirty="0" smtClean="0"/>
+              <a:t>Composite </a:t>
+            </a:r>
+            <a:r>
+              <a:rPr lang="zh-TW" altLang="en-US" sz="2800" dirty="0" smtClean="0"/>
+              <a:t>其實互為表</a:t>
+            </a:r>
+            <a:r>
+              <a:rPr lang="zh-TW" altLang="en-US" sz="2800" dirty="0" smtClean="0"/>
+              <a:t>裡、唇齒相依，在一個</a:t>
+            </a:r>
+            <a:r>
+              <a:rPr lang="en-US" altLang="zh-TW" sz="2800" dirty="0" smtClean="0"/>
+              <a:t>Application</a:t>
+            </a:r>
+            <a:r>
+              <a:rPr lang="zh-TW" altLang="en-US" sz="2800" dirty="0" smtClean="0"/>
+              <a:t>的開發中都是需要的。</a:t>
+            </a:r>
+            <a:endParaRPr lang="en-US" altLang="zh-TW" sz="2800" dirty="0" smtClean="0"/>
+          </a:p>
+          <a:p>
+            <a:pPr marL="514350" indent="-514350"/>
+            <a:r>
+              <a:rPr lang="en-US" altLang="zh-TW" sz="2800" dirty="0" smtClean="0"/>
+              <a:t>MVVM</a:t>
+            </a:r>
+            <a:r>
+              <a:rPr lang="zh-TW" altLang="en-US" sz="2800" dirty="0" smtClean="0"/>
+              <a:t>在</a:t>
+            </a:r>
+            <a:r>
+              <a:rPr lang="en-US" altLang="zh-TW" sz="2800" dirty="0" smtClean="0"/>
+              <a:t>Java Web UI</a:t>
+            </a:r>
+            <a:r>
+              <a:rPr lang="zh-TW" altLang="en-US" sz="2800" dirty="0" smtClean="0"/>
+              <a:t>的世界裡已經是標準</a:t>
+            </a:r>
+            <a:r>
+              <a:rPr lang="en-US" altLang="zh-TW" sz="2800" dirty="0" smtClean="0"/>
+              <a:t>(JSF)</a:t>
+            </a:r>
+            <a:r>
+              <a:rPr lang="zh-TW" altLang="en-US" sz="2800" dirty="0" smtClean="0"/>
+              <a:t>，評量</a:t>
+            </a:r>
+            <a:r>
+              <a:rPr lang="en-US" altLang="zh-TW" sz="2800" dirty="0" smtClean="0"/>
+              <a:t>Java UI Framework</a:t>
+            </a:r>
+            <a:r>
+              <a:rPr lang="zh-TW" altLang="en-US" sz="2800" dirty="0" smtClean="0"/>
+              <a:t>時，這方面的支援應該得要納入考量。</a:t>
+            </a:r>
+            <a:endParaRPr lang="en-US" altLang="zh-TW" sz="2800" dirty="0" smtClean="0"/>
           </a:p>
         </p:txBody>
       </p:sp>
@@ -16325,7 +17457,213 @@
   <p:timing>
     <p:tnLst>
       <p:par>
-        <p:cTn id="1" dur="indefinite" restart="never" nodeType="tmRoot"/>
+        <p:cTn id="1" dur="indefinite" restart="never" nodeType="tmRoot">
+          <p:childTnLst>
+            <p:seq concurrent="1" nextAc="seek">
+              <p:cTn id="2" dur="indefinite" nodeType="mainSeq">
+                <p:childTnLst>
+                  <p:par>
+                    <p:cTn id="3" fill="hold">
+                      <p:stCondLst>
+                        <p:cond delay="indefinite"/>
+                      </p:stCondLst>
+                      <p:childTnLst>
+                        <p:par>
+                          <p:cTn id="4" fill="hold">
+                            <p:stCondLst>
+                              <p:cond delay="0"/>
+                            </p:stCondLst>
+                            <p:childTnLst>
+                              <p:par>
+                                <p:cTn id="5" presetID="4" presetClass="entr" presetSubtype="16" fill="hold" nodeType="clickEffect">
+                                  <p:stCondLst>
+                                    <p:cond delay="0"/>
+                                  </p:stCondLst>
+                                  <p:childTnLst>
+                                    <p:set>
+                                      <p:cBhvr>
+                                        <p:cTn id="6" dur="1" fill="hold">
+                                          <p:stCondLst>
+                                            <p:cond delay="0"/>
+                                          </p:stCondLst>
+                                        </p:cTn>
+                                        <p:tgtEl>
+                                          <p:spTgt spid="3">
+                                            <p:txEl>
+                                              <p:pRg st="0" end="0"/>
+                                            </p:txEl>
+                                          </p:spTgt>
+                                        </p:tgtEl>
+                                        <p:attrNameLst>
+                                          <p:attrName>style.visibility</p:attrName>
+                                        </p:attrNameLst>
+                                      </p:cBhvr>
+                                      <p:to>
+                                        <p:strVal val="visible"/>
+                                      </p:to>
+                                    </p:set>
+                                    <p:animEffect transition="in" filter="box(in)">
+                                      <p:cBhvr>
+                                        <p:cTn id="7" dur="500"/>
+                                        <p:tgtEl>
+                                          <p:spTgt spid="3">
+                                            <p:txEl>
+                                              <p:pRg st="0" end="0"/>
+                                            </p:txEl>
+                                          </p:spTgt>
+                                        </p:tgtEl>
+                                      </p:cBhvr>
+                                    </p:animEffect>
+                                  </p:childTnLst>
+                                </p:cTn>
+                              </p:par>
+                            </p:childTnLst>
+                          </p:cTn>
+                        </p:par>
+                      </p:childTnLst>
+                    </p:cTn>
+                  </p:par>
+                  <p:par>
+                    <p:cTn id="8" fill="hold">
+                      <p:stCondLst>
+                        <p:cond delay="indefinite"/>
+                      </p:stCondLst>
+                      <p:childTnLst>
+                        <p:par>
+                          <p:cTn id="9" fill="hold">
+                            <p:stCondLst>
+                              <p:cond delay="0"/>
+                            </p:stCondLst>
+                            <p:childTnLst>
+                              <p:par>
+                                <p:cTn id="10" presetID="4" presetClass="entr" presetSubtype="16" fill="hold" nodeType="clickEffect">
+                                  <p:stCondLst>
+                                    <p:cond delay="0"/>
+                                  </p:stCondLst>
+                                  <p:childTnLst>
+                                    <p:set>
+                                      <p:cBhvr>
+                                        <p:cTn id="11" dur="1" fill="hold">
+                                          <p:stCondLst>
+                                            <p:cond delay="0"/>
+                                          </p:stCondLst>
+                                        </p:cTn>
+                                        <p:tgtEl>
+                                          <p:spTgt spid="3">
+                                            <p:txEl>
+                                              <p:pRg st="1" end="1"/>
+                                            </p:txEl>
+                                          </p:spTgt>
+                                        </p:tgtEl>
+                                        <p:attrNameLst>
+                                          <p:attrName>style.visibility</p:attrName>
+                                        </p:attrNameLst>
+                                      </p:cBhvr>
+                                      <p:to>
+                                        <p:strVal val="visible"/>
+                                      </p:to>
+                                    </p:set>
+                                    <p:animEffect transition="in" filter="box(in)">
+                                      <p:cBhvr>
+                                        <p:cTn id="12" dur="500"/>
+                                        <p:tgtEl>
+                                          <p:spTgt spid="3">
+                                            <p:txEl>
+                                              <p:pRg st="1" end="1"/>
+                                            </p:txEl>
+                                          </p:spTgt>
+                                        </p:tgtEl>
+                                      </p:cBhvr>
+                                    </p:animEffect>
+                                  </p:childTnLst>
+                                </p:cTn>
+                              </p:par>
+                            </p:childTnLst>
+                          </p:cTn>
+                        </p:par>
+                      </p:childTnLst>
+                    </p:cTn>
+                  </p:par>
+                  <p:par>
+                    <p:cTn id="13" fill="hold">
+                      <p:stCondLst>
+                        <p:cond delay="indefinite"/>
+                      </p:stCondLst>
+                      <p:childTnLst>
+                        <p:par>
+                          <p:cTn id="14" fill="hold">
+                            <p:stCondLst>
+                              <p:cond delay="0"/>
+                            </p:stCondLst>
+                            <p:childTnLst>
+                              <p:par>
+                                <p:cTn id="15" presetID="4" presetClass="entr" presetSubtype="16" fill="hold" nodeType="clickEffect">
+                                  <p:stCondLst>
+                                    <p:cond delay="0"/>
+                                  </p:stCondLst>
+                                  <p:childTnLst>
+                                    <p:set>
+                                      <p:cBhvr>
+                                        <p:cTn id="16" dur="1" fill="hold">
+                                          <p:stCondLst>
+                                            <p:cond delay="0"/>
+                                          </p:stCondLst>
+                                        </p:cTn>
+                                        <p:tgtEl>
+                                          <p:spTgt spid="3">
+                                            <p:txEl>
+                                              <p:pRg st="2" end="2"/>
+                                            </p:txEl>
+                                          </p:spTgt>
+                                        </p:tgtEl>
+                                        <p:attrNameLst>
+                                          <p:attrName>style.visibility</p:attrName>
+                                        </p:attrNameLst>
+                                      </p:cBhvr>
+                                      <p:to>
+                                        <p:strVal val="visible"/>
+                                      </p:to>
+                                    </p:set>
+                                    <p:animEffect transition="in" filter="box(in)">
+                                      <p:cBhvr>
+                                        <p:cTn id="17" dur="500"/>
+                                        <p:tgtEl>
+                                          <p:spTgt spid="3">
+                                            <p:txEl>
+                                              <p:pRg st="2" end="2"/>
+                                            </p:txEl>
+                                          </p:spTgt>
+                                        </p:tgtEl>
+                                      </p:cBhvr>
+                                    </p:animEffect>
+                                  </p:childTnLst>
+                                </p:cTn>
+                              </p:par>
+                            </p:childTnLst>
+                          </p:cTn>
+                        </p:par>
+                      </p:childTnLst>
+                    </p:cTn>
+                  </p:par>
+                </p:childTnLst>
+              </p:cTn>
+              <p:prevCondLst>
+                <p:cond evt="onPrev" delay="0">
+                  <p:tgtEl>
+                    <p:sldTgt/>
+                  </p:tgtEl>
+                </p:cond>
+              </p:prevCondLst>
+              <p:nextCondLst>
+                <p:cond evt="onNext" delay="0">
+                  <p:tgtEl>
+                    <p:sldTgt/>
+                  </p:tgtEl>
+                </p:cond>
+              </p:nextCondLst>
+            </p:seq>
+          </p:childTnLst>
+        </p:cTn>
       </p:par>
     </p:tnLst>
   </p:timing>
@@ -16489,7 +17827,7 @@
     </p:spTree>
     <p:extLst>
       <p:ext uri="{BB962C8B-B14F-4D97-AF65-F5344CB8AC3E}">
-        <p14:creationId xmlns:p14="http://schemas.microsoft.com/office/powerpoint/2010/main" xmlns="" val="3577367637"/>
+        <p14:creationId xmlns="" xmlns:p14="http://schemas.microsoft.com/office/powerpoint/2010/main" val="3577367637"/>
       </p:ext>
     </p:extLst>
   </p:cSld>
@@ -16528,7 +17866,7 @@
       </p:grpSpPr>
       <p:sp>
         <p:nvSpPr>
-          <p:cNvPr id="2" name="Title 1"/>
+          <p:cNvPr id="5" name="Title 4"/>
           <p:cNvSpPr>
             <a:spLocks noGrp="1"/>
           </p:cNvSpPr>
@@ -16536,21 +17874,14 @@
             <p:ph type="title"/>
           </p:nvPr>
         </p:nvSpPr>
-        <p:spPr>
-          <a:xfrm>
-            <a:off x="457200" y="789885"/>
-            <a:ext cx="8229600" cy="1143000"/>
-          </a:xfrm>
-        </p:spPr>
-        <p:txBody>
-          <a:bodyPr>
-            <a:normAutofit/>
-          </a:bodyPr>
+        <p:spPr/>
+        <p:txBody>
+          <a:bodyPr/>
           <a:lstStyle/>
           <a:p>
             <a:r>
               <a:rPr lang="en-US" altLang="zh-TW" dirty="0" smtClean="0"/>
-              <a:t>Form Binding</a:t>
+              <a:t>Q &amp; A</a:t>
             </a:r>
             <a:endParaRPr lang="zh-TW" altLang="en-US" dirty="0"/>
           </a:p>
@@ -16558,33 +17889,24 @@
       </p:sp>
       <p:sp>
         <p:nvSpPr>
-          <p:cNvPr id="3" name="Content Placeholder 2"/>
+          <p:cNvPr id="6" name="Text Placeholder 5"/>
           <p:cNvSpPr>
             <a:spLocks noGrp="1"/>
           </p:cNvSpPr>
           <p:nvPr>
-            <p:ph idx="1"/>
+            <p:ph type="body" idx="1"/>
           </p:nvPr>
         </p:nvSpPr>
-        <p:spPr>
-          <a:xfrm>
-            <a:off x="457200" y="1821548"/>
-            <a:ext cx="8229600" cy="4057877"/>
-          </a:xfrm>
-        </p:spPr>
-        <p:txBody>
-          <a:bodyPr>
-            <a:normAutofit/>
-          </a:bodyPr>
-          <a:lstStyle/>
-          <a:p>
-            <a:pPr>
-              <a:buNone/>
-            </a:pPr>
-            <a:r>
-              <a:rPr lang="en-US" altLang="zh-TW" sz="2800" dirty="0" smtClean="0"/>
-              <a:t>From Simple input example to Form binding</a:t>
-            </a:r>
+        <p:spPr/>
+        <p:txBody>
+          <a:bodyPr/>
+          <a:lstStyle/>
+          <a:p>
+            <a:r>
+              <a:rPr lang="zh-TW" altLang="en-US" dirty="0" smtClean="0"/>
+              <a:t>問與答</a:t>
+            </a:r>
+            <a:endParaRPr lang="zh-TW" altLang="en-US" dirty="0"/>
           </a:p>
         </p:txBody>
       </p:sp>
@@ -16646,7 +17968,7 @@
       </p:grpSpPr>
       <p:sp>
         <p:nvSpPr>
-          <p:cNvPr id="2" name="Title 1"/>
+          <p:cNvPr id="5" name="Title 4"/>
           <p:cNvSpPr>
             <a:spLocks noGrp="1"/>
           </p:cNvSpPr>
@@ -16654,21 +17976,14 @@
             <p:ph type="title"/>
           </p:nvPr>
         </p:nvSpPr>
-        <p:spPr>
-          <a:xfrm>
-            <a:off x="457200" y="789885"/>
-            <a:ext cx="8229600" cy="1143000"/>
-          </a:xfrm>
-        </p:spPr>
-        <p:txBody>
-          <a:bodyPr>
-            <a:normAutofit/>
-          </a:bodyPr>
-          <a:lstStyle/>
-          <a:p>
-            <a:r>
-              <a:rPr lang="en-US" altLang="zh-TW" dirty="0" err="1" smtClean="0"/>
-              <a:t>Validator</a:t>
+        <p:spPr/>
+        <p:txBody>
+          <a:bodyPr/>
+          <a:lstStyle/>
+          <a:p>
+            <a:r>
+              <a:rPr lang="en-US" altLang="zh-TW" dirty="0" smtClean="0"/>
+              <a:t>ZK MVVM: Input handling</a:t>
             </a:r>
             <a:endParaRPr lang="zh-TW" altLang="en-US" dirty="0"/>
           </a:p>
@@ -16676,33 +17991,40 @@
       </p:sp>
       <p:sp>
         <p:nvSpPr>
-          <p:cNvPr id="3" name="Content Placeholder 2"/>
+          <p:cNvPr id="6" name="Text Placeholder 5"/>
           <p:cNvSpPr>
             <a:spLocks noGrp="1"/>
           </p:cNvSpPr>
           <p:nvPr>
-            <p:ph idx="1"/>
+            <p:ph type="body" idx="1"/>
           </p:nvPr>
         </p:nvSpPr>
-        <p:spPr>
-          <a:xfrm>
-            <a:off x="457200" y="1821548"/>
-            <a:ext cx="8229600" cy="4057877"/>
-          </a:xfrm>
-        </p:spPr>
-        <p:txBody>
-          <a:bodyPr>
-            <a:normAutofit/>
-          </a:bodyPr>
-          <a:lstStyle/>
-          <a:p>
-            <a:pPr>
-              <a:buNone/>
-            </a:pPr>
-            <a:r>
-              <a:rPr lang="en-US" altLang="zh-TW" sz="2800" dirty="0" smtClean="0"/>
-              <a:t>From Simple input example to Form binding</a:t>
-            </a:r>
+        <p:spPr/>
+        <p:txBody>
+          <a:bodyPr/>
+          <a:lstStyle/>
+          <a:p>
+            <a:r>
+              <a:rPr lang="en-US" altLang="zh-TW" dirty="0" smtClean="0"/>
+              <a:t>Input Element </a:t>
+            </a:r>
+            <a:r>
+              <a:rPr lang="zh-TW" altLang="en-US" dirty="0" smtClean="0"/>
+              <a:t>的管理、</a:t>
+            </a:r>
+            <a:r>
+              <a:rPr lang="en-US" altLang="zh-TW" dirty="0" smtClean="0"/>
+              <a:t>Form Binding </a:t>
+            </a:r>
+            <a:r>
+              <a:rPr lang="zh-TW" altLang="en-US" dirty="0" smtClean="0"/>
+              <a:t>與</a:t>
+            </a:r>
+            <a:r>
+              <a:rPr lang="en-US" altLang="zh-TW" dirty="0" smtClean="0"/>
+              <a:t>Validation</a:t>
+            </a:r>
+            <a:endParaRPr lang="zh-TW" altLang="en-US" dirty="0"/>
           </a:p>
         </p:txBody>
       </p:sp>
@@ -16786,11 +18108,7 @@
           <a:p>
             <a:r>
               <a:rPr lang="en-US" altLang="zh-TW" dirty="0" smtClean="0"/>
-              <a:t>Form </a:t>
-            </a:r>
-            <a:r>
-              <a:rPr lang="en-US" altLang="zh-TW" dirty="0" err="1" smtClean="0"/>
-              <a:t>Validator</a:t>
+              <a:t>Form Binding</a:t>
             </a:r>
             <a:endParaRPr lang="zh-TW" altLang="en-US" dirty="0"/>
           </a:p>
@@ -16907,8 +18225,8 @@
           <a:lstStyle/>
           <a:p>
             <a:r>
-              <a:rPr lang="en-US" altLang="zh-TW" dirty="0" smtClean="0"/>
-              <a:t>Validation Messages</a:t>
+              <a:rPr lang="en-US" altLang="zh-TW" dirty="0" err="1" smtClean="0"/>
+              <a:t>Validator</a:t>
             </a:r>
             <a:endParaRPr lang="zh-TW" altLang="en-US" dirty="0"/>
           </a:p>
@@ -16941,7 +18259,7 @@
             </a:pPr>
             <a:r>
               <a:rPr lang="en-US" altLang="zh-TW" sz="2800" dirty="0" smtClean="0"/>
-              <a:t>ZK MVVM provides a default validation message holder</a:t>
+              <a:t>From Simple input example to Form binding</a:t>
             </a:r>
           </a:p>
         </p:txBody>
@@ -17004,7 +18322,7 @@
       </p:grpSpPr>
       <p:sp>
         <p:nvSpPr>
-          <p:cNvPr id="5" name="Title 4"/>
+          <p:cNvPr id="2" name="Title 1"/>
           <p:cNvSpPr>
             <a:spLocks noGrp="1"/>
           </p:cNvSpPr>
@@ -17012,14 +18330,25 @@
             <p:ph type="title"/>
           </p:nvPr>
         </p:nvSpPr>
-        <p:spPr/>
-        <p:txBody>
-          <a:bodyPr/>
+        <p:spPr>
+          <a:xfrm>
+            <a:off x="457200" y="789885"/>
+            <a:ext cx="8229600" cy="1143000"/>
+          </a:xfrm>
+        </p:spPr>
+        <p:txBody>
+          <a:bodyPr>
+            <a:normAutofit/>
+          </a:bodyPr>
           <a:lstStyle/>
           <a:p>
             <a:r>
               <a:rPr lang="en-US" altLang="zh-TW" dirty="0" smtClean="0"/>
-              <a:t>Q &amp; A</a:t>
+              <a:t>Form </a:t>
+            </a:r>
+            <a:r>
+              <a:rPr lang="en-US" altLang="zh-TW" dirty="0" err="1" smtClean="0"/>
+              <a:t>Validator</a:t>
             </a:r>
             <a:endParaRPr lang="zh-TW" altLang="en-US" dirty="0"/>
           </a:p>
@@ -17027,24 +18356,33 @@
       </p:sp>
       <p:sp>
         <p:nvSpPr>
-          <p:cNvPr id="6" name="Text Placeholder 5"/>
+          <p:cNvPr id="3" name="Content Placeholder 2"/>
           <p:cNvSpPr>
             <a:spLocks noGrp="1"/>
           </p:cNvSpPr>
           <p:nvPr>
-            <p:ph type="body" idx="1"/>
+            <p:ph idx="1"/>
           </p:nvPr>
         </p:nvSpPr>
-        <p:spPr/>
-        <p:txBody>
-          <a:bodyPr/>
-          <a:lstStyle/>
-          <a:p>
-            <a:r>
-              <a:rPr lang="zh-TW" altLang="en-US" dirty="0" smtClean="0"/>
-              <a:t>問與答</a:t>
-            </a:r>
-            <a:endParaRPr lang="zh-TW" altLang="en-US" dirty="0"/>
+        <p:spPr>
+          <a:xfrm>
+            <a:off x="457200" y="1821548"/>
+            <a:ext cx="8229600" cy="4057877"/>
+          </a:xfrm>
+        </p:spPr>
+        <p:txBody>
+          <a:bodyPr>
+            <a:normAutofit/>
+          </a:bodyPr>
+          <a:lstStyle/>
+          <a:p>
+            <a:pPr>
+              <a:buNone/>
+            </a:pPr>
+            <a:r>
+              <a:rPr lang="en-US" altLang="zh-TW" sz="2800" dirty="0" smtClean="0"/>
+              <a:t>From Simple input example to Form binding</a:t>
+            </a:r>
           </a:p>
         </p:txBody>
       </p:sp>
@@ -17106,7 +18444,7 @@
       </p:grpSpPr>
       <p:sp>
         <p:nvSpPr>
-          <p:cNvPr id="5" name="Title 4"/>
+          <p:cNvPr id="2" name="Title 1"/>
           <p:cNvSpPr>
             <a:spLocks noGrp="1"/>
           </p:cNvSpPr>
@@ -17114,21 +18452,21 @@
             <p:ph type="title"/>
           </p:nvPr>
         </p:nvSpPr>
-        <p:spPr/>
-        <p:txBody>
-          <a:bodyPr/>
+        <p:spPr>
+          <a:xfrm>
+            <a:off x="457200" y="789885"/>
+            <a:ext cx="8229600" cy="1143000"/>
+          </a:xfrm>
+        </p:spPr>
+        <p:txBody>
+          <a:bodyPr>
+            <a:normAutofit/>
+          </a:bodyPr>
           <a:lstStyle/>
           <a:p>
             <a:r>
               <a:rPr lang="en-US" altLang="zh-TW" dirty="0" smtClean="0"/>
-              <a:t>EXTRA!</a:t>
-            </a:r>
-            <a:br>
-              <a:rPr lang="en-US" altLang="zh-TW" dirty="0" smtClean="0"/>
-            </a:br>
-            <a:r>
-              <a:rPr lang="en-US" altLang="zh-TW" dirty="0" smtClean="0"/>
-              <a:t>ZK MVVM: Communications</a:t>
+              <a:t>Validation Messages</a:t>
             </a:r>
             <a:endParaRPr lang="zh-TW" altLang="en-US" dirty="0"/>
           </a:p>
@@ -17136,40 +18474,33 @@
       </p:sp>
       <p:sp>
         <p:nvSpPr>
-          <p:cNvPr id="6" name="Text Placeholder 5"/>
+          <p:cNvPr id="3" name="Content Placeholder 2"/>
           <p:cNvSpPr>
             <a:spLocks noGrp="1"/>
           </p:cNvSpPr>
           <p:nvPr>
-            <p:ph type="body" idx="1"/>
+            <p:ph idx="1"/>
           </p:nvPr>
         </p:nvSpPr>
-        <p:spPr/>
-        <p:txBody>
-          <a:bodyPr/>
-          <a:lstStyle/>
-          <a:p>
-            <a:r>
-              <a:rPr lang="zh-TW" altLang="en-US" dirty="0" smtClean="0"/>
-              <a:t>如何在</a:t>
-            </a:r>
-            <a:r>
-              <a:rPr lang="en-US" altLang="zh-TW" dirty="0" smtClean="0"/>
-              <a:t>MVC </a:t>
-            </a:r>
-            <a:r>
-              <a:rPr lang="zh-TW" altLang="en-US" dirty="0" smtClean="0"/>
-              <a:t>與 </a:t>
-            </a:r>
-            <a:r>
-              <a:rPr lang="en-US" altLang="zh-TW" dirty="0" smtClean="0"/>
-              <a:t>MVVM</a:t>
-            </a:r>
-            <a:r>
-              <a:rPr lang="zh-TW" altLang="en-US" dirty="0" smtClean="0"/>
-              <a:t>之間傳遞訊息呢？</a:t>
-            </a:r>
-            <a:endParaRPr lang="zh-TW" altLang="en-US" dirty="0"/>
+        <p:spPr>
+          <a:xfrm>
+            <a:off x="457200" y="1821548"/>
+            <a:ext cx="8229600" cy="4057877"/>
+          </a:xfrm>
+        </p:spPr>
+        <p:txBody>
+          <a:bodyPr>
+            <a:normAutofit/>
+          </a:bodyPr>
+          <a:lstStyle/>
+          <a:p>
+            <a:pPr>
+              <a:buNone/>
+            </a:pPr>
+            <a:r>
+              <a:rPr lang="en-US" altLang="zh-TW" sz="2800" dirty="0" smtClean="0"/>
+              <a:t>ZK MVVM provides a default validation message holder</a:t>
+            </a:r>
           </a:p>
         </p:txBody>
       </p:sp>
@@ -17231,7 +18562,7 @@
       </p:grpSpPr>
       <p:sp>
         <p:nvSpPr>
-          <p:cNvPr id="2" name="Title 1"/>
+          <p:cNvPr id="5" name="Title 4"/>
           <p:cNvSpPr>
             <a:spLocks noGrp="1"/>
           </p:cNvSpPr>
@@ -17239,21 +18570,21 @@
             <p:ph type="title"/>
           </p:nvPr>
         </p:nvSpPr>
-        <p:spPr>
-          <a:xfrm>
-            <a:off x="457200" y="789885"/>
-            <a:ext cx="8229600" cy="1143000"/>
-          </a:xfrm>
-        </p:spPr>
-        <p:txBody>
-          <a:bodyPr>
-            <a:normAutofit/>
-          </a:bodyPr>
+        <p:spPr/>
+        <p:txBody>
+          <a:bodyPr/>
           <a:lstStyle/>
           <a:p>
             <a:r>
               <a:rPr lang="en-US" altLang="zh-TW" dirty="0" smtClean="0"/>
-              <a:t>ZK Event Queue</a:t>
+              <a:t>EXTRA!</a:t>
+            </a:r>
+            <a:br>
+              <a:rPr lang="en-US" altLang="zh-TW" dirty="0" smtClean="0"/>
+            </a:br>
+            <a:r>
+              <a:rPr lang="en-US" altLang="zh-TW" dirty="0" smtClean="0"/>
+              <a:t>ZK MVVM: Communications</a:t>
             </a:r>
             <a:endParaRPr lang="zh-TW" altLang="en-US" dirty="0"/>
           </a:p>
@@ -17261,49 +18592,40 @@
       </p:sp>
       <p:sp>
         <p:nvSpPr>
-          <p:cNvPr id="3" name="Content Placeholder 2"/>
+          <p:cNvPr id="6" name="Text Placeholder 5"/>
           <p:cNvSpPr>
             <a:spLocks noGrp="1"/>
           </p:cNvSpPr>
           <p:nvPr>
-            <p:ph idx="1"/>
+            <p:ph type="body" idx="1"/>
           </p:nvPr>
         </p:nvSpPr>
-        <p:spPr>
-          <a:xfrm>
-            <a:off x="457200" y="1821548"/>
-            <a:ext cx="8229600" cy="4057877"/>
-          </a:xfrm>
-        </p:spPr>
-        <p:txBody>
-          <a:bodyPr>
-            <a:normAutofit/>
-          </a:bodyPr>
-          <a:lstStyle/>
-          <a:p>
-            <a:pPr>
-              <a:buNone/>
-            </a:pPr>
-            <a:r>
-              <a:rPr lang="en-US" altLang="zh-TW" sz="2800" dirty="0" smtClean="0"/>
-              <a:t>ZK use it’s Event Queue technology to communicate Views.</a:t>
-            </a:r>
-          </a:p>
-          <a:p>
-            <a:pPr>
-              <a:buNone/>
-            </a:pPr>
-            <a:r>
-              <a:rPr lang="en-US" altLang="zh-TW" sz="2800" dirty="0" smtClean="0"/>
-              <a:t/>
-            </a:r>
-            <a:br>
-              <a:rPr lang="en-US" altLang="zh-TW" sz="2800" dirty="0" smtClean="0"/>
-            </a:br>
-            <a:r>
-              <a:rPr lang="en-US" altLang="zh-TW" sz="2800" dirty="0" smtClean="0"/>
-              <a:t>Publisher, subscriber</a:t>
-            </a:r>
+        <p:spPr/>
+        <p:txBody>
+          <a:bodyPr/>
+          <a:lstStyle/>
+          <a:p>
+            <a:r>
+              <a:rPr lang="zh-TW" altLang="en-US" dirty="0" smtClean="0"/>
+              <a:t>如何在</a:t>
+            </a:r>
+            <a:r>
+              <a:rPr lang="en-US" altLang="zh-TW" dirty="0" smtClean="0"/>
+              <a:t>MVC </a:t>
+            </a:r>
+            <a:r>
+              <a:rPr lang="zh-TW" altLang="en-US" dirty="0" smtClean="0"/>
+              <a:t>與 </a:t>
+            </a:r>
+            <a:r>
+              <a:rPr lang="en-US" altLang="zh-TW" dirty="0" smtClean="0"/>
+              <a:t>MVVM</a:t>
+            </a:r>
+            <a:r>
+              <a:rPr lang="zh-TW" altLang="en-US" dirty="0" smtClean="0"/>
+              <a:t>之間傳遞訊息呢？</a:t>
+            </a:r>
+            <a:endParaRPr lang="zh-TW" altLang="en-US" dirty="0"/>
           </a:p>
         </p:txBody>
       </p:sp>
@@ -17387,7 +18709,7 @@
           <a:p>
             <a:r>
               <a:rPr lang="en-US" altLang="zh-TW" dirty="0" smtClean="0"/>
-              <a:t>MVC -&gt; MVVM</a:t>
+              <a:t>ZK Event Queue</a:t>
             </a:r>
             <a:endParaRPr lang="zh-TW" altLang="en-US" dirty="0"/>
           </a:p>
@@ -17420,7 +18742,7 @@
             </a:pPr>
             <a:r>
               <a:rPr lang="en-US" altLang="zh-TW" sz="2800" dirty="0" smtClean="0"/>
-              <a:t>MVC publish event to MVVM subscriber:</a:t>
+              <a:t>ZK use it’s Event Queue technology to communicate Views.</a:t>
             </a:r>
           </a:p>
           <a:p>
@@ -17435,29 +18757,8 @@
               <a:rPr lang="en-US" altLang="zh-TW" sz="2800" dirty="0" smtClean="0"/>
             </a:br>
             <a:r>
-              <a:rPr lang="en-US" altLang="zh-TW" sz="2800" dirty="0" err="1" smtClean="0"/>
-              <a:t>BindUtils#postGlobalCommand</a:t>
-            </a:r>
-            <a:r>
               <a:rPr lang="en-US" altLang="zh-TW" sz="2800" dirty="0" smtClean="0"/>
-              <a:t>():</a:t>
-            </a:r>
-          </a:p>
-          <a:p>
-            <a:pPr>
-              <a:buNone/>
-            </a:pPr>
-            <a:r>
-              <a:rPr lang="en-US" altLang="zh-TW" sz="2800" dirty="0" smtClean="0"/>
-              <a:t>    VM as Subscriber,  @</a:t>
-            </a:r>
-            <a:r>
-              <a:rPr lang="en-US" altLang="zh-TW" sz="2800" dirty="0" err="1" smtClean="0"/>
-              <a:t>GlobalCommand</a:t>
-            </a:r>
-            <a:r>
-              <a:rPr lang="en-US" altLang="zh-TW" sz="2800" dirty="0" smtClean="0"/>
-              <a:t>:</a:t>
+              <a:t>Publisher, subscriber</a:t>
             </a:r>
           </a:p>
         </p:txBody>
@@ -17542,7 +18843,7 @@
           <a:p>
             <a:r>
               <a:rPr lang="en-US" altLang="zh-TW" dirty="0" smtClean="0"/>
-              <a:t>MVVM -&gt; MVC</a:t>
+              <a:t>MVC -&gt; MVVM</a:t>
             </a:r>
             <a:endParaRPr lang="zh-TW" altLang="en-US" dirty="0"/>
           </a:p>
@@ -17566,7 +18867,7 @@
         </p:spPr>
         <p:txBody>
           <a:bodyPr>
-            <a:normAutofit lnSpcReduction="10000"/>
+            <a:normAutofit/>
           </a:bodyPr>
           <a:lstStyle/>
           <a:p>
@@ -17575,7 +18876,7 @@
             </a:pPr>
             <a:r>
               <a:rPr lang="en-US" altLang="zh-TW" sz="2800" dirty="0" smtClean="0"/>
-              <a:t>MVVM publish event to MVC subscriber:</a:t>
+              <a:t>MVC publish event to MVVM subscriber:</a:t>
             </a:r>
           </a:p>
           <a:p>
@@ -17583,12 +18884,19 @@
               <a:buNone/>
             </a:pPr>
             <a:r>
+              <a:rPr lang="en-US" altLang="zh-TW" sz="2800" dirty="0" smtClean="0"/>
+              <a:t/>
+            </a:r>
+            <a:br>
+              <a:rPr lang="en-US" altLang="zh-TW" sz="2800" dirty="0" smtClean="0"/>
+            </a:br>
+            <a:r>
               <a:rPr lang="en-US" altLang="zh-TW" sz="2800" dirty="0" err="1" smtClean="0"/>
-              <a:t>Zul</a:t>
+              <a:t>BindUtils#postGlobalCommand</a:t>
             </a:r>
             <a:r>
               <a:rPr lang="en-US" altLang="zh-TW" sz="2800" dirty="0" smtClean="0"/>
-              <a:t> Annotation: </a:t>
+              <a:t>():</a:t>
             </a:r>
           </a:p>
           <a:p>
@@ -17597,73 +18905,15 @@
             </a:pPr>
             <a:r>
               <a:rPr lang="en-US" altLang="zh-TW" sz="2800" dirty="0" smtClean="0"/>
-              <a:t>	@init(</a:t>
+              <a:t>    VM as Subscriber,  @</a:t>
             </a:r>
             <a:r>
               <a:rPr lang="en-US" altLang="zh-TW" sz="2800" dirty="0" err="1" smtClean="0"/>
-              <a:t>queueName</a:t>
+              <a:t>GlobalCommand</a:t>
             </a:r>
             <a:r>
               <a:rPr lang="en-US" altLang="zh-TW" sz="2800" dirty="0" smtClean="0"/>
-              <a:t>=‘…’)</a:t>
-            </a:r>
-          </a:p>
-          <a:p>
-            <a:pPr>
-              <a:buNone/>
-            </a:pPr>
-            <a:r>
-              <a:rPr lang="en-US" altLang="zh-TW" sz="2800" dirty="0" smtClean="0"/>
-              <a:t>	User Action trigger @global-command</a:t>
-            </a:r>
-          </a:p>
-          <a:p>
-            <a:pPr>
-              <a:buNone/>
-            </a:pPr>
-            <a:endParaRPr lang="en-US" altLang="zh-TW" sz="2800" dirty="0" smtClean="0"/>
-          </a:p>
-          <a:p>
-            <a:pPr>
-              <a:buNone/>
-            </a:pPr>
-            <a:r>
-              <a:rPr lang="en-US" altLang="zh-TW" sz="2800" dirty="0" smtClean="0"/>
-              <a:t>MVC Ctrl as Subscriber:  </a:t>
-            </a:r>
-          </a:p>
-          <a:p>
-            <a:pPr>
-              <a:buNone/>
-            </a:pPr>
-            <a:r>
-              <a:rPr lang="en-US" altLang="zh-TW" sz="2800" dirty="0" smtClean="0"/>
-              <a:t>	@Subscribe(“[</a:t>
-            </a:r>
-            <a:r>
-              <a:rPr lang="en-US" altLang="zh-TW" sz="2800" dirty="0" err="1" smtClean="0"/>
-              <a:t>queueName</a:t>
-            </a:r>
-            <a:r>
-              <a:rPr lang="en-US" altLang="zh-TW" sz="2800" dirty="0" smtClean="0"/>
-              <a:t>]”)</a:t>
-            </a:r>
-          </a:p>
-          <a:p>
-            <a:pPr>
-              <a:buNone/>
-            </a:pPr>
-            <a:r>
-              <a:rPr lang="en-US" altLang="zh-TW" sz="2800" dirty="0" smtClean="0"/>
-              <a:t>	</a:t>
-            </a:r>
-            <a:r>
-              <a:rPr lang="en-US" altLang="zh-TW" sz="2800" dirty="0" err="1" smtClean="0"/>
-              <a:t>GlobalCommandEvent#getCommand</a:t>
-            </a:r>
-            <a:r>
-              <a:rPr lang="en-US" altLang="zh-TW" sz="2800" dirty="0" smtClean="0"/>
-              <a:t>()</a:t>
+              <a:t>:</a:t>
             </a:r>
           </a:p>
         </p:txBody>
@@ -17687,6 +18937,212 @@
               <a:rPr kumimoji="0" lang="en-US" smtClean="0"/>
               <a:pPr/>
               <a:t>48</a:t>
+            </a:fld>
+            <a:endParaRPr kumimoji="0" lang="en-US"/>
+          </a:p>
+        </p:txBody>
+      </p:sp>
+    </p:spTree>
+  </p:cSld>
+  <p:clrMapOvr>
+    <a:masterClrMapping/>
+  </p:clrMapOvr>
+  <p:timing>
+    <p:tnLst>
+      <p:par>
+        <p:cTn id="1" dur="indefinite" restart="never" nodeType="tmRoot"/>
+      </p:par>
+    </p:tnLst>
+  </p:timing>
+</p:sld>
+</file>
+
+<file path=ppt/slides/slide49.xml><?xml version="1.0" encoding="utf-8"?>
+<p:sld xmlns:a="http://schemas.openxmlformats.org/drawingml/2006/main" xmlns:r="http://schemas.openxmlformats.org/officeDocument/2006/relationships" xmlns:p="http://schemas.openxmlformats.org/presentationml/2006/main">
+  <p:cSld>
+    <p:spTree>
+      <p:nvGrpSpPr>
+        <p:cNvPr id="1" name=""/>
+        <p:cNvGrpSpPr/>
+        <p:nvPr/>
+      </p:nvGrpSpPr>
+      <p:grpSpPr>
+        <a:xfrm>
+          <a:off x="0" y="0"/>
+          <a:ext cx="0" cy="0"/>
+          <a:chOff x="0" y="0"/>
+          <a:chExt cx="0" cy="0"/>
+        </a:xfrm>
+      </p:grpSpPr>
+      <p:sp>
+        <p:nvSpPr>
+          <p:cNvPr id="2" name="Title 1"/>
+          <p:cNvSpPr>
+            <a:spLocks noGrp="1"/>
+          </p:cNvSpPr>
+          <p:nvPr>
+            <p:ph type="title"/>
+          </p:nvPr>
+        </p:nvSpPr>
+        <p:spPr>
+          <a:xfrm>
+            <a:off x="457200" y="789885"/>
+            <a:ext cx="8229600" cy="1143000"/>
+          </a:xfrm>
+        </p:spPr>
+        <p:txBody>
+          <a:bodyPr>
+            <a:normAutofit/>
+          </a:bodyPr>
+          <a:lstStyle/>
+          <a:p>
+            <a:r>
+              <a:rPr lang="en-US" altLang="zh-TW" dirty="0" smtClean="0"/>
+              <a:t>MVVM -&gt; MVC</a:t>
+            </a:r>
+            <a:endParaRPr lang="zh-TW" altLang="en-US" dirty="0"/>
+          </a:p>
+        </p:txBody>
+      </p:sp>
+      <p:sp>
+        <p:nvSpPr>
+          <p:cNvPr id="3" name="Content Placeholder 2"/>
+          <p:cNvSpPr>
+            <a:spLocks noGrp="1"/>
+          </p:cNvSpPr>
+          <p:nvPr>
+            <p:ph idx="1"/>
+          </p:nvPr>
+        </p:nvSpPr>
+        <p:spPr>
+          <a:xfrm>
+            <a:off x="457200" y="1821548"/>
+            <a:ext cx="8229600" cy="4057877"/>
+          </a:xfrm>
+        </p:spPr>
+        <p:txBody>
+          <a:bodyPr>
+            <a:normAutofit lnSpcReduction="10000"/>
+          </a:bodyPr>
+          <a:lstStyle/>
+          <a:p>
+            <a:pPr>
+              <a:buNone/>
+            </a:pPr>
+            <a:r>
+              <a:rPr lang="en-US" altLang="zh-TW" sz="2800" dirty="0" smtClean="0"/>
+              <a:t>MVVM publish event to MVC subscriber:</a:t>
+            </a:r>
+          </a:p>
+          <a:p>
+            <a:pPr>
+              <a:buNone/>
+            </a:pPr>
+            <a:r>
+              <a:rPr lang="en-US" altLang="zh-TW" sz="2800" dirty="0" err="1" smtClean="0"/>
+              <a:t>Zul</a:t>
+            </a:r>
+            <a:r>
+              <a:rPr lang="en-US" altLang="zh-TW" sz="2800" dirty="0" smtClean="0"/>
+              <a:t> Annotation: </a:t>
+            </a:r>
+          </a:p>
+          <a:p>
+            <a:pPr>
+              <a:buNone/>
+            </a:pPr>
+            <a:r>
+              <a:rPr lang="en-US" altLang="zh-TW" sz="2800" dirty="0" smtClean="0"/>
+              <a:t>	@init(</a:t>
+            </a:r>
+            <a:r>
+              <a:rPr lang="en-US" altLang="zh-TW" sz="2800" dirty="0" err="1" smtClean="0"/>
+              <a:t>queueName</a:t>
+            </a:r>
+            <a:r>
+              <a:rPr lang="en-US" altLang="zh-TW" sz="2800" dirty="0" smtClean="0"/>
+              <a:t>=‘…’)</a:t>
+            </a:r>
+          </a:p>
+          <a:p>
+            <a:pPr>
+              <a:buNone/>
+            </a:pPr>
+            <a:r>
+              <a:rPr lang="en-US" altLang="zh-TW" sz="2800" dirty="0" smtClean="0"/>
+              <a:t>	User Action trigger @global-command</a:t>
+            </a:r>
+          </a:p>
+          <a:p>
+            <a:pPr>
+              <a:buNone/>
+            </a:pPr>
+            <a:endParaRPr lang="en-US" altLang="zh-TW" sz="2800" dirty="0" smtClean="0"/>
+          </a:p>
+          <a:p>
+            <a:pPr>
+              <a:buNone/>
+            </a:pPr>
+            <a:r>
+              <a:rPr lang="en-US" altLang="zh-TW" sz="2800" dirty="0" smtClean="0"/>
+              <a:t>MVC Ctrl as Subscriber:  </a:t>
+            </a:r>
+          </a:p>
+          <a:p>
+            <a:pPr>
+              <a:buNone/>
+            </a:pPr>
+            <a:r>
+              <a:rPr lang="en-US" altLang="zh-TW" sz="2800" dirty="0" smtClean="0"/>
+              <a:t>	@Subscribe(“[</a:t>
+            </a:r>
+            <a:r>
+              <a:rPr lang="en-US" altLang="zh-TW" sz="2800" dirty="0" err="1" smtClean="0"/>
+              <a:t>queueName</a:t>
+            </a:r>
+            <a:r>
+              <a:rPr lang="en-US" altLang="zh-TW" sz="2800" dirty="0" smtClean="0"/>
+              <a:t>]”)</a:t>
+            </a:r>
+          </a:p>
+          <a:p>
+            <a:pPr>
+              <a:buNone/>
+            </a:pPr>
+            <a:r>
+              <a:rPr lang="en-US" altLang="zh-TW" sz="2800" dirty="0" smtClean="0"/>
+              <a:t>	</a:t>
+            </a:r>
+            <a:r>
+              <a:rPr lang="en-US" altLang="zh-TW" sz="2800" dirty="0" err="1" smtClean="0"/>
+              <a:t>GlobalCommandEvent#getCommand</a:t>
+            </a:r>
+            <a:r>
+              <a:rPr lang="en-US" altLang="zh-TW" sz="2800" dirty="0" smtClean="0"/>
+              <a:t>()</a:t>
+            </a:r>
+          </a:p>
+        </p:txBody>
+      </p:sp>
+      <p:sp>
+        <p:nvSpPr>
+          <p:cNvPr id="4" name="Slide Number Placeholder 3"/>
+          <p:cNvSpPr>
+            <a:spLocks noGrp="1"/>
+          </p:cNvSpPr>
+          <p:nvPr>
+            <p:ph type="sldNum" sz="quarter" idx="12"/>
+          </p:nvPr>
+        </p:nvSpPr>
+        <p:spPr/>
+        <p:txBody>
+          <a:bodyPr/>
+          <a:lstStyle/>
+          <a:p>
+            <a:fld id="{91974DF9-AD47-4691-BA21-BBFCE3637A9A}" type="slidenum">
+              <a:rPr kumimoji="0" lang="en-US" smtClean="0"/>
+              <a:pPr/>
+              <a:t>49</a:t>
             </a:fld>
             <a:endParaRPr kumimoji="0" lang="en-US"/>
           </a:p>
